--- a/Database Files/presentation.pptx
+++ b/Database Files/presentation.pptx
@@ -21,10 +21,10 @@
     <p:sldId id="266" r:id="rId12"/>
     <p:sldId id="267" r:id="rId13"/>
     <p:sldId id="268" r:id="rId14"/>
-    <p:sldId id="271" r:id="rId15"/>
-    <p:sldId id="269" r:id="rId16"/>
-    <p:sldId id="272" r:id="rId17"/>
-    <p:sldId id="270" r:id="rId18"/>
+    <p:sldId id="269" r:id="rId15"/>
+    <p:sldId id="270" r:id="rId16"/>
+    <p:sldId id="271" r:id="rId17"/>
+    <p:sldId id="272" r:id="rId18"/>
   </p:sldIdLst>
   <p:sldSz cx="12192000" cy="6858000"/>
   <p:notesSz cx="6858000" cy="9144000"/>
@@ -230,11 +230,6 @@
       </a:defRPr>
     </a:lvl9pPr>
   </p:defaultTextStyle>
-  <p:extLst>
-    <p:ext uri="{EFAFB233-063F-42B5-8137-9DF3F51BA10A}">
-      <p15:sldGuideLst xmlns:p15="http://schemas.microsoft.com/office/powerpoint/2012/main"/>
-    </p:ext>
-  </p:extLst>
 </p:presentation>
 </file>
 
@@ -790,7 +785,7 @@
         <p:spPr>
           <a:xfrm>
             <a:off x="685800" y="1143000"/>
-            <a:ext cx="5486399" cy="3086098"/>
+            <a:ext cx="5486399" cy="3086097"/>
           </a:xfrm>
           <a:custGeom>
             <a:avLst/>
@@ -841,7 +836,7 @@
         <p:spPr>
           <a:xfrm>
             <a:off x="685800" y="4400550"/>
-            <a:ext cx="5486399" cy="3086098"/>
+            <a:ext cx="5486399" cy="3086097"/>
           </a:xfrm>
           <a:prstGeom prst="rect">
             <a:avLst/>
@@ -1486,7 +1481,7 @@
         <p:spPr>
           <a:xfrm>
             <a:off x="685800" y="4400550"/>
-            <a:ext cx="5486399" cy="3086098"/>
+            <a:ext cx="5486399" cy="3086097"/>
           </a:xfrm>
           <a:prstGeom prst="rect">
             <a:avLst/>
@@ -1614,7 +1609,7 @@
         <p:spPr>
           <a:xfrm>
             <a:off x="685800" y="4400550"/>
-            <a:ext cx="5486399" cy="3086098"/>
+            <a:ext cx="5486399" cy="3086097"/>
           </a:xfrm>
           <a:prstGeom prst="rect">
             <a:avLst/>
@@ -1742,7 +1737,7 @@
         <p:spPr>
           <a:xfrm>
             <a:off x="685800" y="4400550"/>
-            <a:ext cx="5486399" cy="3086098"/>
+            <a:ext cx="5486399" cy="3086097"/>
           </a:xfrm>
           <a:prstGeom prst="rect">
             <a:avLst/>
@@ -1870,7 +1865,7 @@
         <p:spPr>
           <a:xfrm>
             <a:off x="685800" y="4400550"/>
-            <a:ext cx="5486399" cy="3086098"/>
+            <a:ext cx="5486399" cy="3086097"/>
           </a:xfrm>
           <a:prstGeom prst="rect">
             <a:avLst/>
@@ -1998,7 +1993,7 @@
         <p:spPr>
           <a:xfrm>
             <a:off x="685800" y="4400550"/>
-            <a:ext cx="5486399" cy="3086098"/>
+            <a:ext cx="5486399" cy="3086097"/>
           </a:xfrm>
           <a:prstGeom prst="rect">
             <a:avLst/>
@@ -2101,7 +2096,7 @@
   <p:cSld>
     <p:spTree>
       <p:nvGrpSpPr>
-        <p:cNvPr id="1" name="Shape 224"/>
+        <p:cNvPr id="1" name="Shape 227"/>
         <p:cNvGrpSpPr/>
         <p:nvPr/>
       </p:nvGrpSpPr>
@@ -2115,7 +2110,7 @@
       </p:grpSpPr>
       <p:sp>
         <p:nvSpPr>
-          <p:cNvPr id="225" name="Shape 225"/>
+          <p:cNvPr id="228" name="Shape 228"/>
           <p:cNvSpPr txBox="1">
             <a:spLocks noGrp="1"/>
           </p:cNvSpPr>
@@ -2126,7 +2121,7 @@
         <p:spPr>
           <a:xfrm>
             <a:off x="685800" y="4400550"/>
-            <a:ext cx="5486399" cy="3086098"/>
+            <a:ext cx="5486399" cy="3086097"/>
           </a:xfrm>
           <a:prstGeom prst="rect">
             <a:avLst/>
@@ -2167,7 +2162,7 @@
       </p:sp>
       <p:sp>
         <p:nvSpPr>
-          <p:cNvPr id="226" name="Shape 226"/>
+          <p:cNvPr id="229" name="Shape 229"/>
           <p:cNvSpPr>
             <a:spLocks noGrp="1" noRot="1" noChangeAspect="1"/>
           </p:cNvSpPr>
@@ -2217,11 +2212,6 @@
         </p:spPr>
       </p:sp>
     </p:spTree>
-    <p:extLst>
-      <p:ext uri="{BB962C8B-B14F-4D97-AF65-F5344CB8AC3E}">
-        <p14:creationId xmlns:p14="http://schemas.microsoft.com/office/powerpoint/2010/main" val="3878191820"/>
-      </p:ext>
-    </p:extLst>
   </p:cSld>
   <p:clrMapOvr>
     <a:masterClrMapping/>
@@ -2234,7 +2224,7 @@
   <p:cSld>
     <p:spTree>
       <p:nvGrpSpPr>
-        <p:cNvPr id="1" name="Shape 224"/>
+        <p:cNvPr id="1" name="Shape 232"/>
         <p:cNvGrpSpPr/>
         <p:nvPr/>
       </p:nvGrpSpPr>
@@ -2248,7 +2238,7 @@
       </p:grpSpPr>
       <p:sp>
         <p:nvSpPr>
-          <p:cNvPr id="225" name="Shape 225"/>
+          <p:cNvPr id="233" name="Shape 233"/>
           <p:cNvSpPr txBox="1">
             <a:spLocks noGrp="1"/>
           </p:cNvSpPr>
@@ -2259,7 +2249,7 @@
         <p:spPr>
           <a:xfrm>
             <a:off x="685800" y="4400550"/>
-            <a:ext cx="5486399" cy="3086098"/>
+            <a:ext cx="5486399" cy="3086097"/>
           </a:xfrm>
           <a:prstGeom prst="rect">
             <a:avLst/>
@@ -2300,7 +2290,7 @@
       </p:sp>
       <p:sp>
         <p:nvSpPr>
-          <p:cNvPr id="226" name="Shape 226"/>
+          <p:cNvPr id="234" name="Shape 234"/>
           <p:cNvSpPr>
             <a:spLocks noGrp="1" noRot="1" noChangeAspect="1"/>
           </p:cNvSpPr>
@@ -2362,7 +2352,7 @@
   <p:cSld>
     <p:spTree>
       <p:nvGrpSpPr>
-        <p:cNvPr id="1" name="Shape 113"/>
+        <p:cNvPr id="1" name="Shape 242"/>
         <p:cNvGrpSpPr/>
         <p:nvPr/>
       </p:nvGrpSpPr>
@@ -2376,7 +2366,7 @@
       </p:grpSpPr>
       <p:sp>
         <p:nvSpPr>
-          <p:cNvPr id="114" name="Shape 114"/>
+          <p:cNvPr id="243" name="Shape 243"/>
           <p:cNvSpPr txBox="1">
             <a:spLocks noGrp="1"/>
           </p:cNvSpPr>
@@ -2387,7 +2377,7 @@
         <p:spPr>
           <a:xfrm>
             <a:off x="685800" y="4400550"/>
-            <a:ext cx="5486399" cy="3086098"/>
+            <a:ext cx="5486399" cy="3086097"/>
           </a:xfrm>
           <a:prstGeom prst="rect">
             <a:avLst/>
@@ -2428,7 +2418,7 @@
       </p:sp>
       <p:sp>
         <p:nvSpPr>
-          <p:cNvPr id="115" name="Shape 115"/>
+          <p:cNvPr id="244" name="Shape 244"/>
           <p:cNvSpPr>
             <a:spLocks noGrp="1" noRot="1" noChangeAspect="1"/>
           </p:cNvSpPr>
@@ -2478,11 +2468,6 @@
         </p:spPr>
       </p:sp>
     </p:spTree>
-    <p:extLst>
-      <p:ext uri="{BB962C8B-B14F-4D97-AF65-F5344CB8AC3E}">
-        <p14:creationId xmlns:p14="http://schemas.microsoft.com/office/powerpoint/2010/main" val="809771566"/>
-      </p:ext>
-    </p:extLst>
   </p:cSld>
   <p:clrMapOvr>
     <a:masterClrMapping/>
@@ -2495,7 +2480,7 @@
   <p:cSld>
     <p:spTree>
       <p:nvGrpSpPr>
-        <p:cNvPr id="1" name="Shape 229"/>
+        <p:cNvPr id="1" name="Shape 248"/>
         <p:cNvGrpSpPr/>
         <p:nvPr/>
       </p:nvGrpSpPr>
@@ -2509,7 +2494,7 @@
       </p:grpSpPr>
       <p:sp>
         <p:nvSpPr>
-          <p:cNvPr id="230" name="Shape 230"/>
+          <p:cNvPr id="249" name="Shape 249"/>
           <p:cNvSpPr txBox="1">
             <a:spLocks noGrp="1"/>
           </p:cNvSpPr>
@@ -2520,7 +2505,7 @@
         <p:spPr>
           <a:xfrm>
             <a:off x="685800" y="4400550"/>
-            <a:ext cx="5486399" cy="3086098"/>
+            <a:ext cx="5486399" cy="3086097"/>
           </a:xfrm>
           <a:prstGeom prst="rect">
             <a:avLst/>
@@ -2561,7 +2546,7 @@
       </p:sp>
       <p:sp>
         <p:nvSpPr>
-          <p:cNvPr id="231" name="Shape 231"/>
+          <p:cNvPr id="250" name="Shape 250"/>
           <p:cNvSpPr>
             <a:spLocks noGrp="1" noRot="1" noChangeAspect="1"/>
           </p:cNvSpPr>
@@ -2648,7 +2633,7 @@
         <p:spPr>
           <a:xfrm>
             <a:off x="685800" y="4400550"/>
-            <a:ext cx="5486399" cy="3086098"/>
+            <a:ext cx="5486399" cy="3086097"/>
           </a:xfrm>
           <a:prstGeom prst="rect">
             <a:avLst/>
@@ -2776,7 +2761,7 @@
         <p:spPr>
           <a:xfrm>
             <a:off x="685800" y="4400550"/>
-            <a:ext cx="5486399" cy="3086098"/>
+            <a:ext cx="5486399" cy="3086097"/>
           </a:xfrm>
           <a:prstGeom prst="rect">
             <a:avLst/>
@@ -2904,7 +2889,7 @@
         <p:spPr>
           <a:xfrm>
             <a:off x="685800" y="4400550"/>
-            <a:ext cx="5486399" cy="3086098"/>
+            <a:ext cx="5486399" cy="3086097"/>
           </a:xfrm>
           <a:prstGeom prst="rect">
             <a:avLst/>
@@ -3032,7 +3017,7 @@
         <p:spPr>
           <a:xfrm>
             <a:off x="685800" y="4400550"/>
-            <a:ext cx="5486399" cy="3086098"/>
+            <a:ext cx="5486399" cy="3086097"/>
           </a:xfrm>
           <a:prstGeom prst="rect">
             <a:avLst/>
@@ -3160,7 +3145,7 @@
         <p:spPr>
           <a:xfrm>
             <a:off x="685800" y="4400550"/>
-            <a:ext cx="5486399" cy="3086098"/>
+            <a:ext cx="5486399" cy="3086097"/>
           </a:xfrm>
           <a:prstGeom prst="rect">
             <a:avLst/>
@@ -3288,7 +3273,7 @@
         <p:spPr>
           <a:xfrm>
             <a:off x="685800" y="4400550"/>
-            <a:ext cx="5486399" cy="3086098"/>
+            <a:ext cx="5486399" cy="3086097"/>
           </a:xfrm>
           <a:prstGeom prst="rect">
             <a:avLst/>
@@ -3416,7 +3401,7 @@
         <p:spPr>
           <a:xfrm>
             <a:off x="685800" y="4400550"/>
-            <a:ext cx="5486399" cy="3086098"/>
+            <a:ext cx="5486399" cy="3086097"/>
           </a:xfrm>
           <a:prstGeom prst="rect">
             <a:avLst/>
@@ -3544,7 +3529,7 @@
         <p:spPr>
           <a:xfrm>
             <a:off x="685800" y="4400550"/>
-            <a:ext cx="5486399" cy="3086098"/>
+            <a:ext cx="5486399" cy="3086097"/>
           </a:xfrm>
           <a:prstGeom prst="rect">
             <a:avLst/>
@@ -3685,7 +3670,7 @@
         <p:spPr>
           <a:xfrm>
             <a:off x="609600" y="755779"/>
-            <a:ext cx="6858000" cy="3200398"/>
+            <a:ext cx="6858000" cy="3200397"/>
           </a:xfrm>
           <a:prstGeom prst="rect">
             <a:avLst/>
@@ -4208,7 +4193,7 @@
         </p:nvSpPr>
         <p:spPr>
           <a:xfrm rot="5400000">
-            <a:off x="4425948" y="-457330"/>
+            <a:off x="4425947" y="-457330"/>
             <a:ext cx="4483101" cy="9372600"/>
           </a:xfrm>
           <a:prstGeom prst="rect">
@@ -4222,7 +4207,7 @@
         <p:txBody>
           <a:bodyPr lIns="91425" tIns="91425" rIns="91425" bIns="91425" anchor="t" anchorCtr="0"/>
           <a:lstStyle>
-            <a:lvl1pPr marL="274320" marR="0" lvl="0" indent="30479" algn="l" rtl="0">
+            <a:lvl1pPr marL="274320" marR="0" lvl="0" indent="170180" algn="l" rtl="0">
               <a:lnSpc>
                 <a:spcPct val="90000"/>
               </a:lnSpc>
@@ -4248,7 +4233,7 @@
                 <a:sym typeface="Calibri"/>
               </a:defRPr>
             </a:lvl1pPr>
-            <a:lvl2pPr marL="685800" marR="0" lvl="1" indent="-25400" algn="l" rtl="0">
+            <a:lvl2pPr marL="685800" marR="0" lvl="1" indent="101600" algn="l" rtl="0">
               <a:lnSpc>
                 <a:spcPct val="90000"/>
               </a:lnSpc>
@@ -4274,7 +4259,7 @@
                 <a:sym typeface="Calibri"/>
               </a:defRPr>
             </a:lvl2pPr>
-            <a:lvl3pPr marL="1005839" marR="0" lvl="2" indent="-2538" algn="l" rtl="0">
+            <a:lvl3pPr marL="1005839" marR="0" lvl="2" indent="111761" algn="l" rtl="0">
               <a:lnSpc>
                 <a:spcPct val="90000"/>
               </a:lnSpc>
@@ -4300,7 +4285,7 @@
                 <a:sym typeface="Calibri"/>
               </a:defRPr>
             </a:lvl3pPr>
-            <a:lvl4pPr marL="1234440" marR="0" lvl="3" indent="10160" algn="l" rtl="0">
+            <a:lvl4pPr marL="1234440" marR="0" lvl="3" indent="111760" algn="l" rtl="0">
               <a:lnSpc>
                 <a:spcPct val="90000"/>
               </a:lnSpc>
@@ -4326,7 +4311,7 @@
                 <a:sym typeface="Calibri"/>
               </a:defRPr>
             </a:lvl4pPr>
-            <a:lvl5pPr marL="1463040" marR="0" lvl="4" indent="10160" algn="l" rtl="0">
+            <a:lvl5pPr marL="1463040" marR="0" lvl="4" indent="111760" algn="l" rtl="0">
               <a:lnSpc>
                 <a:spcPct val="90000"/>
               </a:lnSpc>
@@ -4352,7 +4337,7 @@
                 <a:sym typeface="Calibri"/>
               </a:defRPr>
             </a:lvl5pPr>
-            <a:lvl6pPr marL="1691640" marR="0" lvl="5" indent="10160" algn="l" rtl="0">
+            <a:lvl6pPr marL="1691640" marR="0" lvl="5" indent="111760" algn="l" rtl="0">
               <a:lnSpc>
                 <a:spcPct val="90000"/>
               </a:lnSpc>
@@ -4378,7 +4363,7 @@
                 <a:sym typeface="Calibri"/>
               </a:defRPr>
             </a:lvl6pPr>
-            <a:lvl7pPr marL="1874520" marR="0" lvl="6" indent="17779" algn="l" rtl="0">
+            <a:lvl7pPr marL="1874520" marR="0" lvl="6" indent="106679" algn="l" rtl="0">
               <a:lnSpc>
                 <a:spcPct val="90000"/>
               </a:lnSpc>
@@ -4404,7 +4389,7 @@
                 <a:sym typeface="Calibri"/>
               </a:defRPr>
             </a:lvl7pPr>
-            <a:lvl8pPr marL="2103120" marR="0" lvl="7" indent="17779" algn="l" rtl="0">
+            <a:lvl8pPr marL="2103120" marR="0" lvl="7" indent="106679" algn="l" rtl="0">
               <a:lnSpc>
                 <a:spcPct val="90000"/>
               </a:lnSpc>
@@ -4430,7 +4415,7 @@
                 <a:sym typeface="Calibri"/>
               </a:defRPr>
             </a:lvl8pPr>
-            <a:lvl9pPr marL="2331720" marR="0" lvl="8" indent="17779" algn="l" rtl="0">
+            <a:lvl9pPr marL="2331720" marR="0" lvl="8" indent="106679" algn="l" rtl="0">
               <a:lnSpc>
                 <a:spcPct val="90000"/>
               </a:lnSpc>
@@ -4474,7 +4459,7 @@
         </p:nvSpPr>
         <p:spPr>
           <a:xfrm rot="-5400000">
-            <a:off x="11382731" y="5940729"/>
+            <a:off x="11382730" y="5940728"/>
             <a:ext cx="778845" cy="280730"/>
           </a:xfrm>
           <a:prstGeom prst="rect">
@@ -4988,7 +4973,7 @@
         </p:nvSpPr>
         <p:spPr>
           <a:xfrm>
-            <a:off x="313319" y="6268939"/>
+            <a:off x="313318" y="6268939"/>
             <a:ext cx="722377" cy="201580"/>
           </a:xfrm>
           <a:prstGeom prst="rect">
@@ -5204,7 +5189,7 @@
         </p:nvSpPr>
         <p:spPr>
           <a:xfrm rot="5400000">
-            <a:off x="2470626" y="-108429"/>
+            <a:off x="2470625" y="-108428"/>
             <a:ext cx="6096000" cy="7074859"/>
           </a:xfrm>
           <a:prstGeom prst="rect">
@@ -5218,7 +5203,7 @@
         <p:txBody>
           <a:bodyPr lIns="91425" tIns="91425" rIns="91425" bIns="91425" anchor="t" anchorCtr="0"/>
           <a:lstStyle>
-            <a:lvl1pPr marL="274320" marR="0" lvl="0" indent="30479" algn="l" rtl="0">
+            <a:lvl1pPr marL="274320" marR="0" lvl="0" indent="170180" algn="l" rtl="0">
               <a:lnSpc>
                 <a:spcPct val="90000"/>
               </a:lnSpc>
@@ -5244,7 +5229,7 @@
                 <a:sym typeface="Calibri"/>
               </a:defRPr>
             </a:lvl1pPr>
-            <a:lvl2pPr marL="685800" marR="0" lvl="1" indent="-25400" algn="l" rtl="0">
+            <a:lvl2pPr marL="685800" marR="0" lvl="1" indent="101600" algn="l" rtl="0">
               <a:lnSpc>
                 <a:spcPct val="90000"/>
               </a:lnSpc>
@@ -5270,7 +5255,7 @@
                 <a:sym typeface="Calibri"/>
               </a:defRPr>
             </a:lvl2pPr>
-            <a:lvl3pPr marL="1005839" marR="0" lvl="2" indent="-2538" algn="l" rtl="0">
+            <a:lvl3pPr marL="1005839" marR="0" lvl="2" indent="111761" algn="l" rtl="0">
               <a:lnSpc>
                 <a:spcPct val="90000"/>
               </a:lnSpc>
@@ -5296,7 +5281,7 @@
                 <a:sym typeface="Calibri"/>
               </a:defRPr>
             </a:lvl3pPr>
-            <a:lvl4pPr marL="1234440" marR="0" lvl="3" indent="10160" algn="l" rtl="0">
+            <a:lvl4pPr marL="1234440" marR="0" lvl="3" indent="111760" algn="l" rtl="0">
               <a:lnSpc>
                 <a:spcPct val="90000"/>
               </a:lnSpc>
@@ -5322,7 +5307,7 @@
                 <a:sym typeface="Calibri"/>
               </a:defRPr>
             </a:lvl4pPr>
-            <a:lvl5pPr marL="1463040" marR="0" lvl="4" indent="10160" algn="l" rtl="0">
+            <a:lvl5pPr marL="1463040" marR="0" lvl="4" indent="111760" algn="l" rtl="0">
               <a:lnSpc>
                 <a:spcPct val="90000"/>
               </a:lnSpc>
@@ -5348,7 +5333,7 @@
                 <a:sym typeface="Calibri"/>
               </a:defRPr>
             </a:lvl5pPr>
-            <a:lvl6pPr marL="1691640" marR="0" lvl="5" indent="10160" algn="l" rtl="0">
+            <a:lvl6pPr marL="1691640" marR="0" lvl="5" indent="111760" algn="l" rtl="0">
               <a:lnSpc>
                 <a:spcPct val="90000"/>
               </a:lnSpc>
@@ -5374,7 +5359,7 @@
                 <a:sym typeface="Calibri"/>
               </a:defRPr>
             </a:lvl6pPr>
-            <a:lvl7pPr marL="1874520" marR="0" lvl="6" indent="17779" algn="l" rtl="0">
+            <a:lvl7pPr marL="1874520" marR="0" lvl="6" indent="106679" algn="l" rtl="0">
               <a:lnSpc>
                 <a:spcPct val="90000"/>
               </a:lnSpc>
@@ -5400,7 +5385,7 @@
                 <a:sym typeface="Calibri"/>
               </a:defRPr>
             </a:lvl7pPr>
-            <a:lvl8pPr marL="2103120" marR="0" lvl="7" indent="17779" algn="l" rtl="0">
+            <a:lvl8pPr marL="2103120" marR="0" lvl="7" indent="106679" algn="l" rtl="0">
               <a:lnSpc>
                 <a:spcPct val="90000"/>
               </a:lnSpc>
@@ -5426,7 +5411,7 @@
                 <a:sym typeface="Calibri"/>
               </a:defRPr>
             </a:lvl8pPr>
-            <a:lvl9pPr marL="2331720" marR="0" lvl="8" indent="17779" algn="l" rtl="0">
+            <a:lvl9pPr marL="2331720" marR="0" lvl="8" indent="106679" algn="l" rtl="0">
               <a:lnSpc>
                 <a:spcPct val="90000"/>
               </a:lnSpc>
@@ -5470,7 +5455,7 @@
         </p:nvSpPr>
         <p:spPr>
           <a:xfrm rot="-5400000">
-            <a:off x="11382731" y="5940729"/>
+            <a:off x="11382730" y="5940728"/>
             <a:ext cx="778845" cy="280730"/>
           </a:xfrm>
           <a:prstGeom prst="rect">
@@ -5984,7 +5969,7 @@
         </p:nvSpPr>
         <p:spPr>
           <a:xfrm>
-            <a:off x="313319" y="6268939"/>
+            <a:off x="313318" y="6268939"/>
             <a:ext cx="722377" cy="201580"/>
           </a:xfrm>
           <a:prstGeom prst="rect">
@@ -6092,7 +6077,7 @@
         </p:nvSpPr>
         <p:spPr>
           <a:xfrm>
-            <a:off x="6559420" y="408991"/>
+            <a:off x="6559420" y="408990"/>
             <a:ext cx="4800937" cy="1828800"/>
           </a:xfrm>
           <a:prstGeom prst="rect">
@@ -6227,7 +6212,7 @@
         <p:txBody>
           <a:bodyPr lIns="91425" tIns="91425" rIns="91425" bIns="91425" anchor="t" anchorCtr="0"/>
           <a:lstStyle>
-            <a:lvl1pPr marL="274320" marR="0" lvl="0" indent="30479" algn="l" rtl="0">
+            <a:lvl1pPr marL="274320" marR="0" lvl="0" indent="170180" algn="l" rtl="0">
               <a:lnSpc>
                 <a:spcPct val="90000"/>
               </a:lnSpc>
@@ -6253,7 +6238,7 @@
                 <a:sym typeface="Calibri"/>
               </a:defRPr>
             </a:lvl1pPr>
-            <a:lvl2pPr marL="685800" marR="0" lvl="1" indent="-25400" algn="l" rtl="0">
+            <a:lvl2pPr marL="685800" marR="0" lvl="1" indent="101600" algn="l" rtl="0">
               <a:lnSpc>
                 <a:spcPct val="90000"/>
               </a:lnSpc>
@@ -6279,7 +6264,7 @@
                 <a:sym typeface="Calibri"/>
               </a:defRPr>
             </a:lvl2pPr>
-            <a:lvl3pPr marL="1005839" marR="0" lvl="2" indent="-2538" algn="l" rtl="0">
+            <a:lvl3pPr marL="1005839" marR="0" lvl="2" indent="111761" algn="l" rtl="0">
               <a:lnSpc>
                 <a:spcPct val="90000"/>
               </a:lnSpc>
@@ -6305,7 +6290,7 @@
                 <a:sym typeface="Calibri"/>
               </a:defRPr>
             </a:lvl3pPr>
-            <a:lvl4pPr marL="1234440" marR="0" lvl="3" indent="10160" algn="l" rtl="0">
+            <a:lvl4pPr marL="1234440" marR="0" lvl="3" indent="111760" algn="l" rtl="0">
               <a:lnSpc>
                 <a:spcPct val="90000"/>
               </a:lnSpc>
@@ -6331,7 +6316,7 @@
                 <a:sym typeface="Calibri"/>
               </a:defRPr>
             </a:lvl4pPr>
-            <a:lvl5pPr marL="1463040" marR="0" lvl="4" indent="10160" algn="l" rtl="0">
+            <a:lvl5pPr marL="1463040" marR="0" lvl="4" indent="111760" algn="l" rtl="0">
               <a:lnSpc>
                 <a:spcPct val="90000"/>
               </a:lnSpc>
@@ -6357,7 +6342,7 @@
                 <a:sym typeface="Calibri"/>
               </a:defRPr>
             </a:lvl5pPr>
-            <a:lvl6pPr marL="1691640" marR="0" lvl="5" indent="60960" algn="l" rtl="0">
+            <a:lvl6pPr marL="1691640" marR="0" lvl="5" indent="187960" algn="l" rtl="0">
               <a:lnSpc>
                 <a:spcPct val="90000"/>
               </a:lnSpc>
@@ -6383,7 +6368,7 @@
                 <a:sym typeface="Calibri"/>
               </a:defRPr>
             </a:lvl6pPr>
-            <a:lvl7pPr marL="1874520" marR="0" lvl="6" indent="68579" algn="l" rtl="0">
+            <a:lvl7pPr marL="1874520" marR="0" lvl="6" indent="182879" algn="l" rtl="0">
               <a:lnSpc>
                 <a:spcPct val="90000"/>
               </a:lnSpc>
@@ -6409,7 +6394,7 @@
                 <a:sym typeface="Calibri"/>
               </a:defRPr>
             </a:lvl7pPr>
-            <a:lvl8pPr marL="2103120" marR="0" lvl="7" indent="68579" algn="l" rtl="0">
+            <a:lvl8pPr marL="2103120" marR="0" lvl="7" indent="182879" algn="l" rtl="0">
               <a:lnSpc>
                 <a:spcPct val="90000"/>
               </a:lnSpc>
@@ -6435,7 +6420,7 @@
                 <a:sym typeface="Calibri"/>
               </a:defRPr>
             </a:lvl8pPr>
-            <a:lvl9pPr marL="2331720" marR="0" lvl="8" indent="68579" algn="l" rtl="0">
+            <a:lvl9pPr marL="2331720" marR="0" lvl="8" indent="182879" algn="l" rtl="0">
               <a:lnSpc>
                 <a:spcPct val="90000"/>
               </a:lnSpc>
@@ -6736,7 +6721,7 @@
         </p:nvSpPr>
         <p:spPr>
           <a:xfrm rot="-5400000">
-            <a:off x="11382731" y="5940729"/>
+            <a:off x="11382730" y="5940728"/>
             <a:ext cx="778845" cy="280730"/>
           </a:xfrm>
           <a:prstGeom prst="rect">
@@ -7250,7 +7235,7 @@
         </p:nvSpPr>
         <p:spPr>
           <a:xfrm>
-            <a:off x="313319" y="6268939"/>
+            <a:off x="313318" y="6268939"/>
             <a:ext cx="722377" cy="201580"/>
           </a:xfrm>
           <a:prstGeom prst="rect">
@@ -7466,7 +7451,7 @@
         </p:nvSpPr>
         <p:spPr>
           <a:xfrm>
-            <a:off x="1981200" y="1987417"/>
+            <a:off x="1981200" y="1987416"/>
             <a:ext cx="9372600" cy="4483101"/>
           </a:xfrm>
           <a:prstGeom prst="rect">
@@ -7480,7 +7465,7 @@
         <p:txBody>
           <a:bodyPr lIns="91425" tIns="91425" rIns="91425" bIns="91425" anchor="t" anchorCtr="0"/>
           <a:lstStyle>
-            <a:lvl1pPr marL="274320" marR="0" lvl="0" indent="30479" algn="l" rtl="0">
+            <a:lvl1pPr marL="274320" marR="0" lvl="0" indent="170180" algn="l" rtl="0">
               <a:lnSpc>
                 <a:spcPct val="90000"/>
               </a:lnSpc>
@@ -7506,7 +7491,7 @@
                 <a:sym typeface="Calibri"/>
               </a:defRPr>
             </a:lvl1pPr>
-            <a:lvl2pPr marL="685800" marR="0" lvl="1" indent="-25400" algn="l" rtl="0">
+            <a:lvl2pPr marL="685800" marR="0" lvl="1" indent="101600" algn="l" rtl="0">
               <a:lnSpc>
                 <a:spcPct val="90000"/>
               </a:lnSpc>
@@ -7532,7 +7517,7 @@
                 <a:sym typeface="Calibri"/>
               </a:defRPr>
             </a:lvl2pPr>
-            <a:lvl3pPr marL="1005839" marR="0" lvl="2" indent="-2538" algn="l" rtl="0">
+            <a:lvl3pPr marL="1005839" marR="0" lvl="2" indent="111761" algn="l" rtl="0">
               <a:lnSpc>
                 <a:spcPct val="90000"/>
               </a:lnSpc>
@@ -7558,7 +7543,7 @@
                 <a:sym typeface="Calibri"/>
               </a:defRPr>
             </a:lvl3pPr>
-            <a:lvl4pPr marL="1234440" marR="0" lvl="3" indent="10160" algn="l" rtl="0">
+            <a:lvl4pPr marL="1234440" marR="0" lvl="3" indent="111760" algn="l" rtl="0">
               <a:lnSpc>
                 <a:spcPct val="90000"/>
               </a:lnSpc>
@@ -7584,7 +7569,7 @@
                 <a:sym typeface="Calibri"/>
               </a:defRPr>
             </a:lvl4pPr>
-            <a:lvl5pPr marL="1463040" marR="0" lvl="4" indent="10160" algn="l" rtl="0">
+            <a:lvl5pPr marL="1463040" marR="0" lvl="4" indent="111760" algn="l" rtl="0">
               <a:lnSpc>
                 <a:spcPct val="90000"/>
               </a:lnSpc>
@@ -7610,7 +7595,7 @@
                 <a:sym typeface="Calibri"/>
               </a:defRPr>
             </a:lvl5pPr>
-            <a:lvl6pPr marL="1691640" marR="0" lvl="5" indent="10160" algn="l" rtl="0">
+            <a:lvl6pPr marL="1691640" marR="0" lvl="5" indent="111760" algn="l" rtl="0">
               <a:lnSpc>
                 <a:spcPct val="90000"/>
               </a:lnSpc>
@@ -7636,7 +7621,7 @@
                 <a:sym typeface="Calibri"/>
               </a:defRPr>
             </a:lvl6pPr>
-            <a:lvl7pPr marL="1874520" marR="0" lvl="6" indent="17779" algn="l" rtl="0">
+            <a:lvl7pPr marL="1874520" marR="0" lvl="6" indent="106679" algn="l" rtl="0">
               <a:lnSpc>
                 <a:spcPct val="90000"/>
               </a:lnSpc>
@@ -7662,7 +7647,7 @@
                 <a:sym typeface="Calibri"/>
               </a:defRPr>
             </a:lvl7pPr>
-            <a:lvl8pPr marL="2103120" marR="0" lvl="7" indent="17779" algn="l" rtl="0">
+            <a:lvl8pPr marL="2103120" marR="0" lvl="7" indent="106679" algn="l" rtl="0">
               <a:lnSpc>
                 <a:spcPct val="90000"/>
               </a:lnSpc>
@@ -7688,7 +7673,7 @@
                 <a:sym typeface="Calibri"/>
               </a:defRPr>
             </a:lvl8pPr>
-            <a:lvl9pPr marL="2331720" marR="0" lvl="8" indent="17779" algn="l" rtl="0">
+            <a:lvl9pPr marL="2331720" marR="0" lvl="8" indent="106679" algn="l" rtl="0">
               <a:lnSpc>
                 <a:spcPct val="90000"/>
               </a:lnSpc>
@@ -7732,7 +7717,7 @@
         </p:nvSpPr>
         <p:spPr>
           <a:xfrm rot="-5400000">
-            <a:off x="11382731" y="5940729"/>
+            <a:off x="11382730" y="5940728"/>
             <a:ext cx="778845" cy="280730"/>
           </a:xfrm>
           <a:prstGeom prst="rect">
@@ -8246,7 +8231,7 @@
         </p:nvSpPr>
         <p:spPr>
           <a:xfrm>
-            <a:off x="313319" y="6268939"/>
+            <a:off x="313318" y="6268939"/>
             <a:ext cx="722377" cy="201580"/>
           </a:xfrm>
           <a:prstGeom prst="rect">
@@ -8476,7 +8461,7 @@
         <p:txBody>
           <a:bodyPr lIns="91425" tIns="91425" rIns="91425" bIns="91425" anchor="t" anchorCtr="0"/>
           <a:lstStyle>
-            <a:lvl1pPr marL="274320" marR="0" lvl="0" indent="30479" algn="l" rtl="0">
+            <a:lvl1pPr marL="274320" marR="0" lvl="0" indent="170180" algn="l" rtl="0">
               <a:lnSpc>
                 <a:spcPct val="90000"/>
               </a:lnSpc>
@@ -8502,7 +8487,7 @@
                 <a:sym typeface="Calibri"/>
               </a:defRPr>
             </a:lvl1pPr>
-            <a:lvl2pPr marL="685800" marR="0" lvl="1" indent="-25400" algn="l" rtl="0">
+            <a:lvl2pPr marL="685800" marR="0" lvl="1" indent="101600" algn="l" rtl="0">
               <a:lnSpc>
                 <a:spcPct val="90000"/>
               </a:lnSpc>
@@ -8528,7 +8513,7 @@
                 <a:sym typeface="Calibri"/>
               </a:defRPr>
             </a:lvl2pPr>
-            <a:lvl3pPr marL="1005839" marR="0" lvl="2" indent="-2538" algn="l" rtl="0">
+            <a:lvl3pPr marL="1005839" marR="0" lvl="2" indent="111761" algn="l" rtl="0">
               <a:lnSpc>
                 <a:spcPct val="90000"/>
               </a:lnSpc>
@@ -8554,7 +8539,7 @@
                 <a:sym typeface="Calibri"/>
               </a:defRPr>
             </a:lvl3pPr>
-            <a:lvl4pPr marL="1234440" marR="0" lvl="3" indent="10160" algn="l" rtl="0">
+            <a:lvl4pPr marL="1234440" marR="0" lvl="3" indent="111760" algn="l" rtl="0">
               <a:lnSpc>
                 <a:spcPct val="90000"/>
               </a:lnSpc>
@@ -8580,7 +8565,7 @@
                 <a:sym typeface="Calibri"/>
               </a:defRPr>
             </a:lvl4pPr>
-            <a:lvl5pPr marL="1463040" marR="0" lvl="4" indent="10160" algn="l" rtl="0">
+            <a:lvl5pPr marL="1463040" marR="0" lvl="4" indent="111760" algn="l" rtl="0">
               <a:lnSpc>
                 <a:spcPct val="90000"/>
               </a:lnSpc>
@@ -8606,7 +8591,7 @@
                 <a:sym typeface="Calibri"/>
               </a:defRPr>
             </a:lvl5pPr>
-            <a:lvl6pPr marL="1691640" marR="0" lvl="5" indent="35560" algn="l" rtl="0">
+            <a:lvl6pPr marL="1691640" marR="0" lvl="5" indent="149860" algn="l" rtl="0">
               <a:lnSpc>
                 <a:spcPct val="90000"/>
               </a:lnSpc>
@@ -8632,7 +8617,7 @@
                 <a:sym typeface="Calibri"/>
               </a:defRPr>
             </a:lvl6pPr>
-            <a:lvl7pPr marL="1874520" marR="0" lvl="6" indent="43179" algn="l" rtl="0">
+            <a:lvl7pPr marL="1874520" marR="0" lvl="6" indent="144779" algn="l" rtl="0">
               <a:lnSpc>
                 <a:spcPct val="90000"/>
               </a:lnSpc>
@@ -8658,7 +8643,7 @@
                 <a:sym typeface="Calibri"/>
               </a:defRPr>
             </a:lvl7pPr>
-            <a:lvl8pPr marL="2103120" marR="0" lvl="7" indent="43179" algn="l" rtl="0">
+            <a:lvl8pPr marL="2103120" marR="0" lvl="7" indent="144779" algn="l" rtl="0">
               <a:lnSpc>
                 <a:spcPct val="90000"/>
               </a:lnSpc>
@@ -8684,7 +8669,7 @@
                 <a:sym typeface="Calibri"/>
               </a:defRPr>
             </a:lvl8pPr>
-            <a:lvl9pPr marL="2331720" marR="0" lvl="8" indent="43179" algn="l" rtl="0">
+            <a:lvl9pPr marL="2331720" marR="0" lvl="8" indent="144779" algn="l" rtl="0">
               <a:lnSpc>
                 <a:spcPct val="90000"/>
               </a:lnSpc>
@@ -8742,7 +8727,7 @@
         <p:txBody>
           <a:bodyPr lIns="91425" tIns="91425" rIns="91425" bIns="91425" anchor="t" anchorCtr="0"/>
           <a:lstStyle>
-            <a:lvl1pPr marL="274320" marR="0" lvl="0" indent="30479" algn="l" rtl="0">
+            <a:lvl1pPr marL="274320" marR="0" lvl="0" indent="170180" algn="l" rtl="0">
               <a:lnSpc>
                 <a:spcPct val="90000"/>
               </a:lnSpc>
@@ -8768,7 +8753,7 @@
                 <a:sym typeface="Calibri"/>
               </a:defRPr>
             </a:lvl1pPr>
-            <a:lvl2pPr marL="685800" marR="0" lvl="1" indent="-25400" algn="l" rtl="0">
+            <a:lvl2pPr marL="685800" marR="0" lvl="1" indent="101600" algn="l" rtl="0">
               <a:lnSpc>
                 <a:spcPct val="90000"/>
               </a:lnSpc>
@@ -8794,7 +8779,7 @@
                 <a:sym typeface="Calibri"/>
               </a:defRPr>
             </a:lvl2pPr>
-            <a:lvl3pPr marL="1005839" marR="0" lvl="2" indent="-2538" algn="l" rtl="0">
+            <a:lvl3pPr marL="1005839" marR="0" lvl="2" indent="111761" algn="l" rtl="0">
               <a:lnSpc>
                 <a:spcPct val="90000"/>
               </a:lnSpc>
@@ -8820,7 +8805,7 @@
                 <a:sym typeface="Calibri"/>
               </a:defRPr>
             </a:lvl3pPr>
-            <a:lvl4pPr marL="1234440" marR="0" lvl="3" indent="10160" algn="l" rtl="0">
+            <a:lvl4pPr marL="1234440" marR="0" lvl="3" indent="111760" algn="l" rtl="0">
               <a:lnSpc>
                 <a:spcPct val="90000"/>
               </a:lnSpc>
@@ -8846,7 +8831,7 @@
                 <a:sym typeface="Calibri"/>
               </a:defRPr>
             </a:lvl4pPr>
-            <a:lvl5pPr marL="1463040" marR="0" lvl="4" indent="10160" algn="l" rtl="0">
+            <a:lvl5pPr marL="1463040" marR="0" lvl="4" indent="111760" algn="l" rtl="0">
               <a:lnSpc>
                 <a:spcPct val="90000"/>
               </a:lnSpc>
@@ -8872,7 +8857,7 @@
                 <a:sym typeface="Calibri"/>
               </a:defRPr>
             </a:lvl5pPr>
-            <a:lvl6pPr marL="1691640" marR="0" lvl="5" indent="35560" algn="l" rtl="0">
+            <a:lvl6pPr marL="1691640" marR="0" lvl="5" indent="149860" algn="l" rtl="0">
               <a:lnSpc>
                 <a:spcPct val="90000"/>
               </a:lnSpc>
@@ -8898,7 +8883,7 @@
                 <a:sym typeface="Calibri"/>
               </a:defRPr>
             </a:lvl6pPr>
-            <a:lvl7pPr marL="1874520" marR="0" lvl="6" indent="43179" algn="l" rtl="0">
+            <a:lvl7pPr marL="1874520" marR="0" lvl="6" indent="144779" algn="l" rtl="0">
               <a:lnSpc>
                 <a:spcPct val="90000"/>
               </a:lnSpc>
@@ -8924,7 +8909,7 @@
                 <a:sym typeface="Calibri"/>
               </a:defRPr>
             </a:lvl7pPr>
-            <a:lvl8pPr marL="2103120" marR="0" lvl="7" indent="43179" algn="l" rtl="0">
+            <a:lvl8pPr marL="2103120" marR="0" lvl="7" indent="144779" algn="l" rtl="0">
               <a:lnSpc>
                 <a:spcPct val="90000"/>
               </a:lnSpc>
@@ -8950,7 +8935,7 @@
                 <a:sym typeface="Calibri"/>
               </a:defRPr>
             </a:lvl8pPr>
-            <a:lvl9pPr marL="2331720" marR="0" lvl="8" indent="43179" algn="l" rtl="0">
+            <a:lvl9pPr marL="2331720" marR="0" lvl="8" indent="144779" algn="l" rtl="0">
               <a:lnSpc>
                 <a:spcPct val="90000"/>
               </a:lnSpc>
@@ -8994,7 +8979,7 @@
         </p:nvSpPr>
         <p:spPr>
           <a:xfrm rot="-5400000">
-            <a:off x="11382731" y="5940729"/>
+            <a:off x="11382730" y="5940728"/>
             <a:ext cx="778845" cy="280730"/>
           </a:xfrm>
           <a:prstGeom prst="rect">
@@ -9508,7 +9493,7 @@
         </p:nvSpPr>
         <p:spPr>
           <a:xfrm>
-            <a:off x="313319" y="6268939"/>
+            <a:off x="313318" y="6268939"/>
             <a:ext cx="722377" cy="201580"/>
           </a:xfrm>
           <a:prstGeom prst="rect">
@@ -10087,7 +10072,7 @@
         </p:nvSpPr>
         <p:spPr>
           <a:xfrm>
-            <a:off x="6556246" y="384046"/>
+            <a:off x="6556246" y="384045"/>
             <a:ext cx="4800600" cy="1828800"/>
           </a:xfrm>
           <a:prstGeom prst="rect">
@@ -10466,7 +10451,7 @@
         <p:spPr>
           <a:xfrm>
             <a:off x="6556249" y="2240280"/>
-            <a:ext cx="4799138" cy="1828800"/>
+            <a:ext cx="4799137" cy="1828800"/>
           </a:xfrm>
           <a:prstGeom prst="rect">
             <a:avLst/>
@@ -11139,7 +11124,7 @@
         <p:txBody>
           <a:bodyPr lIns="91425" tIns="91425" rIns="91425" bIns="91425" anchor="t" anchorCtr="0"/>
           <a:lstStyle>
-            <a:lvl1pPr marL="274320" marR="0" lvl="0" indent="30479" algn="l" rtl="0">
+            <a:lvl1pPr marL="274320" marR="0" lvl="0" indent="170180" algn="l" rtl="0">
               <a:lnSpc>
                 <a:spcPct val="90000"/>
               </a:lnSpc>
@@ -11165,7 +11150,7 @@
                 <a:sym typeface="Calibri"/>
               </a:defRPr>
             </a:lvl1pPr>
-            <a:lvl2pPr marL="685800" marR="0" lvl="1" indent="-25400" algn="l" rtl="0">
+            <a:lvl2pPr marL="685800" marR="0" lvl="1" indent="101600" algn="l" rtl="0">
               <a:lnSpc>
                 <a:spcPct val="90000"/>
               </a:lnSpc>
@@ -11191,7 +11176,7 @@
                 <a:sym typeface="Calibri"/>
               </a:defRPr>
             </a:lvl2pPr>
-            <a:lvl3pPr marL="1005839" marR="0" lvl="2" indent="-2538" algn="l" rtl="0">
+            <a:lvl3pPr marL="1005839" marR="0" lvl="2" indent="111761" algn="l" rtl="0">
               <a:lnSpc>
                 <a:spcPct val="90000"/>
               </a:lnSpc>
@@ -11217,7 +11202,7 @@
                 <a:sym typeface="Calibri"/>
               </a:defRPr>
             </a:lvl3pPr>
-            <a:lvl4pPr marL="1234440" marR="0" lvl="3" indent="10160" algn="l" rtl="0">
+            <a:lvl4pPr marL="1234440" marR="0" lvl="3" indent="111760" algn="l" rtl="0">
               <a:lnSpc>
                 <a:spcPct val="90000"/>
               </a:lnSpc>
@@ -11243,7 +11228,7 @@
                 <a:sym typeface="Calibri"/>
               </a:defRPr>
             </a:lvl4pPr>
-            <a:lvl5pPr marL="1463040" marR="0" lvl="4" indent="10160" algn="l" rtl="0">
+            <a:lvl5pPr marL="1463040" marR="0" lvl="4" indent="111760" algn="l" rtl="0">
               <a:lnSpc>
                 <a:spcPct val="90000"/>
               </a:lnSpc>
@@ -11269,7 +11254,7 @@
                 <a:sym typeface="Calibri"/>
               </a:defRPr>
             </a:lvl5pPr>
-            <a:lvl6pPr marL="1691640" marR="0" lvl="5" indent="10160" algn="l" rtl="0">
+            <a:lvl6pPr marL="1691640" marR="0" lvl="5" indent="111760" algn="l" rtl="0">
               <a:lnSpc>
                 <a:spcPct val="90000"/>
               </a:lnSpc>
@@ -11295,7 +11280,7 @@
                 <a:sym typeface="Calibri"/>
               </a:defRPr>
             </a:lvl6pPr>
-            <a:lvl7pPr marL="1874520" marR="0" lvl="6" indent="17779" algn="l" rtl="0">
+            <a:lvl7pPr marL="1874520" marR="0" lvl="6" indent="106679" algn="l" rtl="0">
               <a:lnSpc>
                 <a:spcPct val="90000"/>
               </a:lnSpc>
@@ -11321,7 +11306,7 @@
                 <a:sym typeface="Calibri"/>
               </a:defRPr>
             </a:lvl7pPr>
-            <a:lvl8pPr marL="2103120" marR="0" lvl="7" indent="17779" algn="l" rtl="0">
+            <a:lvl8pPr marL="2103120" marR="0" lvl="7" indent="106679" algn="l" rtl="0">
               <a:lnSpc>
                 <a:spcPct val="90000"/>
               </a:lnSpc>
@@ -11347,7 +11332,7 @@
                 <a:sym typeface="Calibri"/>
               </a:defRPr>
             </a:lvl8pPr>
-            <a:lvl9pPr marL="2331720" marR="0" lvl="8" indent="17779" algn="l" rtl="0">
+            <a:lvl9pPr marL="2331720" marR="0" lvl="8" indent="106679" algn="l" rtl="0">
               <a:lnSpc>
                 <a:spcPct val="90000"/>
               </a:lnSpc>
@@ -11662,7 +11647,7 @@
         <p:txBody>
           <a:bodyPr lIns="91425" tIns="91425" rIns="91425" bIns="91425" anchor="t" anchorCtr="0"/>
           <a:lstStyle>
-            <a:lvl1pPr marL="274320" marR="0" lvl="0" indent="30479" algn="l" rtl="0">
+            <a:lvl1pPr marL="274320" marR="0" lvl="0" indent="170180" algn="l" rtl="0">
               <a:lnSpc>
                 <a:spcPct val="90000"/>
               </a:lnSpc>
@@ -11688,7 +11673,7 @@
                 <a:sym typeface="Calibri"/>
               </a:defRPr>
             </a:lvl1pPr>
-            <a:lvl2pPr marL="685800" marR="0" lvl="1" indent="-25400" algn="l" rtl="0">
+            <a:lvl2pPr marL="685800" marR="0" lvl="1" indent="101600" algn="l" rtl="0">
               <a:lnSpc>
                 <a:spcPct val="90000"/>
               </a:lnSpc>
@@ -11714,7 +11699,7 @@
                 <a:sym typeface="Calibri"/>
               </a:defRPr>
             </a:lvl2pPr>
-            <a:lvl3pPr marL="1005839" marR="0" lvl="2" indent="-2538" algn="l" rtl="0">
+            <a:lvl3pPr marL="1005839" marR="0" lvl="2" indent="111761" algn="l" rtl="0">
               <a:lnSpc>
                 <a:spcPct val="90000"/>
               </a:lnSpc>
@@ -11740,7 +11725,7 @@
                 <a:sym typeface="Calibri"/>
               </a:defRPr>
             </a:lvl3pPr>
-            <a:lvl4pPr marL="1234440" marR="0" lvl="3" indent="10160" algn="l" rtl="0">
+            <a:lvl4pPr marL="1234440" marR="0" lvl="3" indent="111760" algn="l" rtl="0">
               <a:lnSpc>
                 <a:spcPct val="90000"/>
               </a:lnSpc>
@@ -11766,7 +11751,7 @@
                 <a:sym typeface="Calibri"/>
               </a:defRPr>
             </a:lvl4pPr>
-            <a:lvl5pPr marL="1463040" marR="0" lvl="4" indent="10160" algn="l" rtl="0">
+            <a:lvl5pPr marL="1463040" marR="0" lvl="4" indent="111760" algn="l" rtl="0">
               <a:lnSpc>
                 <a:spcPct val="90000"/>
               </a:lnSpc>
@@ -11792,7 +11777,7 @@
                 <a:sym typeface="Calibri"/>
               </a:defRPr>
             </a:lvl5pPr>
-            <a:lvl6pPr marL="1691640" marR="0" lvl="5" indent="10160" algn="l" rtl="0">
+            <a:lvl6pPr marL="1691640" marR="0" lvl="5" indent="111760" algn="l" rtl="0">
               <a:lnSpc>
                 <a:spcPct val="90000"/>
               </a:lnSpc>
@@ -11818,7 +11803,7 @@
                 <a:sym typeface="Calibri"/>
               </a:defRPr>
             </a:lvl6pPr>
-            <a:lvl7pPr marL="1874520" marR="0" lvl="6" indent="17779" algn="l" rtl="0">
+            <a:lvl7pPr marL="1874520" marR="0" lvl="6" indent="106679" algn="l" rtl="0">
               <a:lnSpc>
                 <a:spcPct val="90000"/>
               </a:lnSpc>
@@ -11844,7 +11829,7 @@
                 <a:sym typeface="Calibri"/>
               </a:defRPr>
             </a:lvl7pPr>
-            <a:lvl8pPr marL="2103120" marR="0" lvl="7" indent="17779" algn="l" rtl="0">
+            <a:lvl8pPr marL="2103120" marR="0" lvl="7" indent="106679" algn="l" rtl="0">
               <a:lnSpc>
                 <a:spcPct val="90000"/>
               </a:lnSpc>
@@ -11870,7 +11855,7 @@
                 <a:sym typeface="Calibri"/>
               </a:defRPr>
             </a:lvl8pPr>
-            <a:lvl9pPr marL="2331720" marR="0" lvl="8" indent="17779" algn="l" rtl="0">
+            <a:lvl9pPr marL="2331720" marR="0" lvl="8" indent="106679" algn="l" rtl="0">
               <a:lnSpc>
                 <a:spcPct val="90000"/>
               </a:lnSpc>
@@ -11914,7 +11899,7 @@
         </p:nvSpPr>
         <p:spPr>
           <a:xfrm rot="-5400000">
-            <a:off x="11382731" y="5940729"/>
+            <a:off x="11382730" y="5940728"/>
             <a:ext cx="778845" cy="280730"/>
           </a:xfrm>
           <a:prstGeom prst="rect">
@@ -12428,7 +12413,7 @@
         </p:nvSpPr>
         <p:spPr>
           <a:xfrm>
-            <a:off x="313319" y="6268939"/>
+            <a:off x="313318" y="6268939"/>
             <a:ext cx="722377" cy="201580"/>
           </a:xfrm>
           <a:prstGeom prst="rect">
@@ -12644,7 +12629,7 @@
         </p:nvSpPr>
         <p:spPr>
           <a:xfrm rot="-5400000">
-            <a:off x="11382731" y="5940729"/>
+            <a:off x="11382730" y="5940728"/>
             <a:ext cx="778845" cy="280730"/>
           </a:xfrm>
           <a:prstGeom prst="rect">
@@ -13158,7 +13143,7 @@
         </p:nvSpPr>
         <p:spPr>
           <a:xfrm>
-            <a:off x="313319" y="6268939"/>
+            <a:off x="313318" y="6268939"/>
             <a:ext cx="722377" cy="201580"/>
           </a:xfrm>
           <a:prstGeom prst="rect">
@@ -13253,7 +13238,7 @@
         </p:nvSpPr>
         <p:spPr>
           <a:xfrm rot="-5400000">
-            <a:off x="11382731" y="5940729"/>
+            <a:off x="11382730" y="5940728"/>
             <a:ext cx="778845" cy="280730"/>
           </a:xfrm>
           <a:prstGeom prst="rect">
@@ -13767,7 +13752,7 @@
         </p:nvSpPr>
         <p:spPr>
           <a:xfrm>
-            <a:off x="313319" y="6268939"/>
+            <a:off x="313318" y="6268939"/>
             <a:ext cx="722377" cy="201580"/>
           </a:xfrm>
           <a:prstGeom prst="rect">
@@ -13996,7 +13981,7 @@
         </p:nvSpPr>
         <p:spPr>
           <a:xfrm>
-            <a:off x="1981200" y="1987417"/>
+            <a:off x="1981200" y="1987416"/>
             <a:ext cx="9372600" cy="4483101"/>
           </a:xfrm>
           <a:prstGeom prst="rect">
@@ -14010,7 +13995,7 @@
         <p:txBody>
           <a:bodyPr lIns="91425" tIns="91425" rIns="91425" bIns="91425" anchor="t" anchorCtr="0"/>
           <a:lstStyle>
-            <a:lvl1pPr marL="274320" marR="0" lvl="0" indent="30479" algn="l" rtl="0">
+            <a:lvl1pPr marL="274320" marR="0" lvl="0" indent="170180" algn="l" rtl="0">
               <a:lnSpc>
                 <a:spcPct val="90000"/>
               </a:lnSpc>
@@ -14036,7 +14021,7 @@
                 <a:sym typeface="Calibri"/>
               </a:defRPr>
             </a:lvl1pPr>
-            <a:lvl2pPr marL="685800" marR="0" lvl="1" indent="-25400" algn="l" rtl="0">
+            <a:lvl2pPr marL="685800" marR="0" lvl="1" indent="101600" algn="l" rtl="0">
               <a:lnSpc>
                 <a:spcPct val="90000"/>
               </a:lnSpc>
@@ -14062,7 +14047,7 @@
                 <a:sym typeface="Calibri"/>
               </a:defRPr>
             </a:lvl2pPr>
-            <a:lvl3pPr marL="1005839" marR="0" lvl="2" indent="-2538" algn="l" rtl="0">
+            <a:lvl3pPr marL="1005839" marR="0" lvl="2" indent="111761" algn="l" rtl="0">
               <a:lnSpc>
                 <a:spcPct val="90000"/>
               </a:lnSpc>
@@ -14088,7 +14073,7 @@
                 <a:sym typeface="Calibri"/>
               </a:defRPr>
             </a:lvl3pPr>
-            <a:lvl4pPr marL="1234440" marR="0" lvl="3" indent="10160" algn="l" rtl="0">
+            <a:lvl4pPr marL="1234440" marR="0" lvl="3" indent="111760" algn="l" rtl="0">
               <a:lnSpc>
                 <a:spcPct val="90000"/>
               </a:lnSpc>
@@ -14114,7 +14099,7 @@
                 <a:sym typeface="Calibri"/>
               </a:defRPr>
             </a:lvl4pPr>
-            <a:lvl5pPr marL="1463040" marR="0" lvl="4" indent="10160" algn="l" rtl="0">
+            <a:lvl5pPr marL="1463040" marR="0" lvl="4" indent="111760" algn="l" rtl="0">
               <a:lnSpc>
                 <a:spcPct val="90000"/>
               </a:lnSpc>
@@ -14140,7 +14125,7 @@
                 <a:sym typeface="Calibri"/>
               </a:defRPr>
             </a:lvl5pPr>
-            <a:lvl6pPr marL="1691640" marR="0" lvl="5" indent="10160" algn="l" rtl="0">
+            <a:lvl6pPr marL="1691640" marR="0" lvl="5" indent="111760" algn="l" rtl="0">
               <a:lnSpc>
                 <a:spcPct val="90000"/>
               </a:lnSpc>
@@ -14166,7 +14151,7 @@
                 <a:sym typeface="Calibri"/>
               </a:defRPr>
             </a:lvl6pPr>
-            <a:lvl7pPr marL="1874520" marR="0" lvl="6" indent="17779" algn="l" rtl="0">
+            <a:lvl7pPr marL="1874520" marR="0" lvl="6" indent="106679" algn="l" rtl="0">
               <a:lnSpc>
                 <a:spcPct val="90000"/>
               </a:lnSpc>
@@ -14192,7 +14177,7 @@
                 <a:sym typeface="Calibri"/>
               </a:defRPr>
             </a:lvl7pPr>
-            <a:lvl8pPr marL="2103120" marR="0" lvl="7" indent="17779" algn="l" rtl="0">
+            <a:lvl8pPr marL="2103120" marR="0" lvl="7" indent="106679" algn="l" rtl="0">
               <a:lnSpc>
                 <a:spcPct val="90000"/>
               </a:lnSpc>
@@ -14218,7 +14203,7 @@
                 <a:sym typeface="Calibri"/>
               </a:defRPr>
             </a:lvl8pPr>
-            <a:lvl9pPr marL="2331720" marR="0" lvl="8" indent="17779" algn="l" rtl="0">
+            <a:lvl9pPr marL="2331720" marR="0" lvl="8" indent="106679" algn="l" rtl="0">
               <a:lnSpc>
                 <a:spcPct val="90000"/>
               </a:lnSpc>
@@ -14262,7 +14247,7 @@
         </p:nvSpPr>
         <p:spPr>
           <a:xfrm rot="-5400000">
-            <a:off x="11382731" y="5940729"/>
+            <a:off x="11382730" y="5940728"/>
             <a:ext cx="778845" cy="280730"/>
           </a:xfrm>
           <a:prstGeom prst="rect">
@@ -14776,7 +14761,7 @@
         </p:nvSpPr>
         <p:spPr>
           <a:xfrm>
-            <a:off x="313319" y="6268939"/>
+            <a:off x="313318" y="6268939"/>
             <a:ext cx="722377" cy="201580"/>
           </a:xfrm>
           <a:prstGeom prst="rect">
@@ -15324,7 +15309,7 @@
         <p:spPr>
           <a:xfrm>
             <a:off x="609600" y="755779"/>
-            <a:ext cx="6858000" cy="3200398"/>
+            <a:ext cx="6858000" cy="3200397"/>
           </a:xfrm>
           <a:prstGeom prst="rect">
             <a:avLst/>
@@ -15515,13 +15500,13 @@
   <p:clrMapOvr>
     <a:masterClrMapping/>
   </p:clrMapOvr>
-  <mc:AlternateContent xmlns:mc="http://schemas.openxmlformats.org/markup-compatibility/2006" xmlns:p15="http://schemas.microsoft.com/office/powerpoint/2012/main">
-    <mc:Choice Requires="p15">
+  <mc:AlternateContent xmlns:mc="http://schemas.openxmlformats.org/markup-compatibility/2006">
+    <mc:Choice xmlns:p15="http://schemas.microsoft.com/office/powerpoint/2012/main" Requires="p15">
       <p:transition xmlns:p14="http://schemas.microsoft.com/office/powerpoint/2010/main" spd="slow" p14:dur="2000">
         <p15:prstTrans prst="drape"/>
       </p:transition>
     </mc:Choice>
-    <mc:Fallback xmlns="">
+    <mc:Fallback>
       <p:transition spd="slow">
         <p:fade/>
       </p:transition>
@@ -15642,7 +15627,7 @@
         </p:blipFill>
         <p:spPr>
           <a:xfrm>
-            <a:off x="2825684" y="1635491"/>
+            <a:off x="2825683" y="1635491"/>
             <a:ext cx="4699794" cy="3874356"/>
           </a:xfrm>
           <a:prstGeom prst="rect">
@@ -15738,7 +15723,7 @@
           <p:spPr>
             <a:xfrm rot="10800000" flipH="1">
               <a:off x="3537716" y="1479186"/>
-              <a:ext cx="202369" cy="404322"/>
+              <a:ext cx="202369" cy="404321"/>
             </a:xfrm>
             <a:prstGeom prst="straightConnector1">
               <a:avLst/>
@@ -15822,9 +15807,9 @@
         <p:grpSpPr>
           <a:xfrm>
             <a:off x="7057292" y="1367691"/>
-            <a:ext cx="2866490" cy="875323"/>
+            <a:ext cx="2866490" cy="875324"/>
             <a:chOff x="7057292" y="1367691"/>
-            <a:chExt cx="2866490" cy="875323"/>
+            <a:chExt cx="2866490" cy="875324"/>
           </a:xfrm>
         </p:grpSpPr>
         <p:cxnSp>
@@ -15920,9 +15905,9 @@
         <p:grpSpPr>
           <a:xfrm>
             <a:off x="5775569" y="2421097"/>
-            <a:ext cx="4179917" cy="548749"/>
+            <a:ext cx="4179916" cy="548747"/>
             <a:chOff x="5775569" y="2421097"/>
-            <a:chExt cx="4179917" cy="548749"/>
+            <a:chExt cx="4179916" cy="548747"/>
           </a:xfrm>
         </p:grpSpPr>
         <p:cxnSp>
@@ -15933,8 +15918,8 @@
           </p:nvCxnSpPr>
           <p:spPr>
             <a:xfrm rot="10800000" flipH="1">
-              <a:off x="5775569" y="2558091"/>
-              <a:ext cx="1938215" cy="411754"/>
+              <a:off x="5775569" y="2558090"/>
+              <a:ext cx="1938215" cy="411753"/>
             </a:xfrm>
             <a:prstGeom prst="straightConnector1">
               <a:avLst/>
@@ -16017,10 +16002,10 @@
         </p:nvGrpSpPr>
         <p:grpSpPr>
           <a:xfrm>
-            <a:off x="7326922" y="3261091"/>
-            <a:ext cx="1996598" cy="734395"/>
-            <a:chOff x="7326922" y="3261091"/>
-            <a:chExt cx="1996598" cy="734395"/>
+            <a:off x="7326921" y="3261091"/>
+            <a:ext cx="1996598" cy="734394"/>
+            <a:chOff x="7326921" y="3261091"/>
+            <a:chExt cx="1996598" cy="734394"/>
           </a:xfrm>
         </p:grpSpPr>
         <p:cxnSp>
@@ -16031,8 +16016,8 @@
           </p:nvCxnSpPr>
           <p:spPr>
             <a:xfrm>
-              <a:off x="7326922" y="3261091"/>
-              <a:ext cx="511907" cy="472784"/>
+              <a:off x="7326921" y="3261091"/>
+              <a:ext cx="511907" cy="472783"/>
             </a:xfrm>
             <a:prstGeom prst="straightConnector1">
               <a:avLst/>
@@ -16092,7 +16077,7 @@
                 <a:buNone/>
               </a:pPr>
               <a:r>
-                <a:rPr lang="en-US" sz="1100" b="0" i="0" u="none" strike="noStrike" cap="none" dirty="0">
+                <a:rPr lang="en-US" sz="1100" b="0" i="0" u="none" strike="noStrike" cap="none">
                   <a:solidFill>
                     <a:srgbClr val="000000"/>
                   </a:solidFill>
@@ -16116,9 +16101,9 @@
         <p:grpSpPr>
           <a:xfrm>
             <a:off x="409937" y="1157107"/>
-            <a:ext cx="3127779" cy="1586093"/>
+            <a:ext cx="3127779" cy="1586092"/>
             <a:chOff x="409937" y="1157107"/>
-            <a:chExt cx="3127779" cy="1586093"/>
+            <a:chExt cx="3127779" cy="1586092"/>
           </a:xfrm>
         </p:grpSpPr>
         <p:cxnSp>
@@ -16129,7 +16114,7 @@
           </p:nvCxnSpPr>
           <p:spPr>
             <a:xfrm>
-              <a:off x="2063261" y="1367691"/>
+              <a:off x="2063260" y="1367691"/>
               <a:ext cx="976923" cy="1375508"/>
             </a:xfrm>
             <a:prstGeom prst="straightConnector1">
@@ -16213,10 +16198,10 @@
         </p:nvGrpSpPr>
         <p:grpSpPr>
           <a:xfrm>
-            <a:off x="159721" y="2921913"/>
-            <a:ext cx="2849200" cy="430886"/>
-            <a:chOff x="159721" y="2921913"/>
-            <a:chExt cx="2849200" cy="430886"/>
+            <a:off x="159720" y="2921913"/>
+            <a:ext cx="2849199" cy="430886"/>
+            <a:chOff x="159720" y="2921913"/>
+            <a:chExt cx="2849199" cy="430886"/>
           </a:xfrm>
         </p:grpSpPr>
         <p:cxnSp>
@@ -16227,7 +16212,7 @@
           </p:nvCxnSpPr>
           <p:spPr>
             <a:xfrm>
-              <a:off x="2319427" y="3136025"/>
+              <a:off x="2319426" y="3136025"/>
               <a:ext cx="689494" cy="21389"/>
             </a:xfrm>
             <a:prstGeom prst="straightConnector1">
@@ -16253,7 +16238,7 @@
           </p:nvSpPr>
           <p:spPr>
             <a:xfrm>
-              <a:off x="159721" y="2921913"/>
+              <a:off x="159720" y="2921913"/>
               <a:ext cx="2392000" cy="430886"/>
             </a:xfrm>
             <a:prstGeom prst="rect">
@@ -16377,7 +16362,7 @@
             <a:effectLst>
               <a:outerShdw blurRad="39999" dist="20000" dir="5400000" rotWithShape="0">
                 <a:srgbClr val="000000">
-                  <a:alpha val="37647"/>
+                  <a:alpha val="37254"/>
                 </a:srgbClr>
               </a:outerShdw>
             </a:effectLst>
@@ -16548,9 +16533,9 @@
         <p:grpSpPr>
           <a:xfrm>
             <a:off x="7057292" y="5400430"/>
-            <a:ext cx="3536189" cy="901214"/>
+            <a:ext cx="3536188" cy="901214"/>
             <a:chOff x="7057292" y="5400430"/>
-            <a:chExt cx="3536189" cy="647295"/>
+            <a:chExt cx="3536188" cy="647294"/>
           </a:xfrm>
         </p:grpSpPr>
         <p:cxnSp>
@@ -16622,7 +16607,7 @@
                 <a:buNone/>
               </a:pPr>
               <a:r>
-                <a:rPr lang="en-US" sz="1100" b="0" i="0" u="none" strike="noStrike" cap="none" dirty="0">
+                <a:rPr lang="en-US" sz="1100" b="0" i="0" u="none" strike="noStrike" cap="none">
                   <a:solidFill>
                     <a:srgbClr val="000000"/>
                   </a:solidFill>
@@ -16653,7 +16638,7 @@
                 <a:buNone/>
               </a:pPr>
               <a:r>
-                <a:rPr lang="en-US" sz="1100" b="0" i="0" u="none" strike="noStrike" cap="none" dirty="0">
+                <a:rPr lang="en-US" sz="1100" b="0" i="0" u="none" strike="noStrike" cap="none">
                   <a:solidFill>
                     <a:srgbClr val="000000"/>
                   </a:solidFill>
@@ -16662,29 +16647,8 @@
                   <a:cs typeface="Arial"/>
                   <a:sym typeface="Arial"/>
                 </a:rPr>
-                <a:t>will also add the show to the </a:t>
+                <a:t>will also add the show to the user’s watch history.</a:t>
               </a:r>
-              <a:r>
-                <a:rPr lang="en-US" sz="1100" b="0" i="0" u="none" strike="noStrike" cap="none" dirty="0" smtClean="0">
-                  <a:solidFill>
-                    <a:srgbClr val="000000"/>
-                  </a:solidFill>
-                  <a:latin typeface="Arial"/>
-                  <a:ea typeface="Arial"/>
-                  <a:cs typeface="Arial"/>
-                  <a:sym typeface="Arial"/>
-                </a:rPr>
-                <a:t>user’s watch history.</a:t>
-              </a:r>
-              <a:endParaRPr lang="en-US" sz="1100" b="0" i="0" u="none" strike="noStrike" cap="none" dirty="0">
-                <a:solidFill>
-                  <a:srgbClr val="000000"/>
-                </a:solidFill>
-                <a:latin typeface="Arial"/>
-                <a:ea typeface="Arial"/>
-                <a:cs typeface="Arial"/>
-                <a:sym typeface="Arial"/>
-              </a:endParaRPr>
             </a:p>
           </p:txBody>
         </p:sp>
@@ -16694,13 +16658,13 @@
   <p:clrMapOvr>
     <a:masterClrMapping/>
   </p:clrMapOvr>
-  <mc:AlternateContent xmlns:mc="http://schemas.openxmlformats.org/markup-compatibility/2006" xmlns:p14="http://schemas.microsoft.com/office/powerpoint/2010/main">
-    <mc:Choice Requires="p14">
+  <mc:AlternateContent xmlns:mc="http://schemas.openxmlformats.org/markup-compatibility/2006">
+    <mc:Choice xmlns:p14="http://schemas.microsoft.com/office/powerpoint/2010/main" Requires="p14">
       <p:transition spd="slow" p14:dur="3400">
         <p14:reveal/>
       </p:transition>
     </mc:Choice>
-    <mc:Fallback xmlns="">
+    <mc:Fallback>
       <p:transition spd="slow">
         <p:fade/>
       </p:transition>
@@ -17321,8 +17285,8 @@
         </p:blipFill>
         <p:spPr>
           <a:xfrm>
-            <a:off x="3096201" y="1690199"/>
-            <a:ext cx="4158761" cy="3428346"/>
+            <a:off x="3096200" y="1690199"/>
+            <a:ext cx="4158761" cy="3428345"/>
           </a:xfrm>
           <a:prstGeom prst="rect">
             <a:avLst/>
@@ -17341,10 +17305,10 @@
         </p:nvGrpSpPr>
         <p:grpSpPr>
           <a:xfrm>
-            <a:off x="367322" y="3133969"/>
-            <a:ext cx="2852615" cy="547644"/>
-            <a:chOff x="367322" y="3133969"/>
-            <a:chExt cx="2852615" cy="547644"/>
+            <a:off x="367321" y="3133969"/>
+            <a:ext cx="2852615" cy="547643"/>
+            <a:chOff x="367321" y="3133969"/>
+            <a:chExt cx="2852615" cy="547643"/>
           </a:xfrm>
         </p:grpSpPr>
         <p:cxnSp>
@@ -17356,7 +17320,7 @@
           <p:spPr>
             <a:xfrm rot="10800000" flipH="1">
               <a:off x="2399323" y="3133969"/>
-              <a:ext cx="820614" cy="281354"/>
+              <a:ext cx="820613" cy="281354"/>
             </a:xfrm>
             <a:prstGeom prst="straightConnector1">
               <a:avLst/>
@@ -17381,7 +17345,7 @@
           </p:nvSpPr>
           <p:spPr>
             <a:xfrm>
-              <a:off x="367322" y="3420003"/>
+              <a:off x="367321" y="3420003"/>
               <a:ext cx="2646878" cy="261609"/>
             </a:xfrm>
             <a:prstGeom prst="rect">
@@ -17440,9 +17404,9 @@
         <p:grpSpPr>
           <a:xfrm>
             <a:off x="5666153" y="4118707"/>
-            <a:ext cx="2993291" cy="600163"/>
+            <a:ext cx="2993290" cy="600162"/>
             <a:chOff x="5666153" y="4118707"/>
-            <a:chExt cx="2993291" cy="600163"/>
+            <a:chExt cx="2993290" cy="600162"/>
           </a:xfrm>
         </p:grpSpPr>
         <p:cxnSp>
@@ -17454,7 +17418,7 @@
           <p:spPr>
             <a:xfrm rot="10800000" flipH="1">
               <a:off x="5666153" y="4228123"/>
-              <a:ext cx="2086708" cy="187568"/>
+              <a:ext cx="2086708" cy="187567"/>
             </a:xfrm>
             <a:prstGeom prst="straightConnector1">
               <a:avLst/>
@@ -17479,8 +17443,8 @@
           </p:nvSpPr>
           <p:spPr>
             <a:xfrm>
-              <a:off x="7752861" y="4118707"/>
-              <a:ext cx="906583" cy="600163"/>
+              <a:off x="7752860" y="4118707"/>
+              <a:ext cx="906582" cy="600162"/>
             </a:xfrm>
             <a:prstGeom prst="rect">
               <a:avLst/>
@@ -17538,9 +17502,9 @@
         <p:grpSpPr>
           <a:xfrm>
             <a:off x="5376985" y="4939323"/>
-            <a:ext cx="1688122" cy="1342626"/>
+            <a:ext cx="1688121" cy="1342625"/>
             <a:chOff x="5376985" y="4939323"/>
-            <a:chExt cx="1688122" cy="1342626"/>
+            <a:chExt cx="1688121" cy="1342625"/>
           </a:xfrm>
         </p:grpSpPr>
         <p:cxnSp>
@@ -17578,7 +17542,7 @@
           <p:spPr>
             <a:xfrm>
               <a:off x="5376985" y="5681785"/>
-              <a:ext cx="1688122" cy="600163"/>
+              <a:ext cx="1688121" cy="600162"/>
             </a:xfrm>
             <a:prstGeom prst="rect">
               <a:avLst/>
@@ -17632,13 +17596,13 @@
   <p:clrMapOvr>
     <a:masterClrMapping/>
   </p:clrMapOvr>
-  <mc:AlternateContent xmlns:mc="http://schemas.openxmlformats.org/markup-compatibility/2006" xmlns:p14="http://schemas.microsoft.com/office/powerpoint/2010/main">
-    <mc:Choice Requires="p14">
+  <mc:AlternateContent xmlns:mc="http://schemas.openxmlformats.org/markup-compatibility/2006">
+    <mc:Choice xmlns:p14="http://schemas.microsoft.com/office/powerpoint/2010/main" Requires="p14">
       <p:transition spd="slow" p14:dur="3400">
         <p14:reveal/>
       </p:transition>
     </mc:Choice>
-    <mc:Fallback xmlns="">
+    <mc:Fallback>
       <p:transition spd="slow">
         <p:fade/>
       </p:transition>
@@ -17900,7 +17864,7 @@
               <a:buNone/>
             </a:pPr>
             <a:r>
-              <a:rPr lang="en-US" sz="4400" b="0" i="0" u="none" strike="noStrike" cap="none" dirty="0">
+              <a:rPr lang="en-US" sz="4400" b="0" i="0" u="none" strike="noStrike" cap="none">
                 <a:solidFill>
                   <a:schemeClr val="accent1"/>
                 </a:solidFill>
@@ -17912,7 +17876,7 @@
               <a:t>PROGRAM INTRODUCTION </a:t>
             </a:r>
             <a:r>
-              <a:rPr lang="en-US" sz="3600" b="0" i="0" u="none" strike="noStrike" cap="none" dirty="0">
+              <a:rPr lang="en-US" sz="3600" b="0" i="0" u="none" strike="noStrike" cap="none">
                 <a:solidFill>
                   <a:schemeClr val="accent1"/>
                 </a:solidFill>
@@ -17942,7 +17906,7 @@
         <p:spPr>
           <a:xfrm>
             <a:off x="2908633" y="1537787"/>
-            <a:ext cx="4533899" cy="3737597"/>
+            <a:ext cx="4533898" cy="3737597"/>
           </a:xfrm>
           <a:prstGeom prst="rect">
             <a:avLst/>
@@ -17961,10 +17925,10 @@
         </p:nvGrpSpPr>
         <p:grpSpPr>
           <a:xfrm>
-            <a:off x="2115203" y="4822903"/>
-            <a:ext cx="3337170" cy="1233209"/>
-            <a:chOff x="2211752" y="4806462"/>
-            <a:chExt cx="3337170" cy="1233209"/>
+            <a:off x="2115202" y="4822903"/>
+            <a:ext cx="3337170" cy="1233207"/>
+            <a:chOff x="2211751" y="4806462"/>
+            <a:chExt cx="3337170" cy="1233207"/>
           </a:xfrm>
         </p:grpSpPr>
         <p:sp>
@@ -17975,8 +17939,8 @@
           </p:nvSpPr>
           <p:spPr>
             <a:xfrm>
-              <a:off x="3024553" y="4806462"/>
-              <a:ext cx="2524369" cy="304799"/>
+              <a:off x="3024552" y="4806462"/>
+              <a:ext cx="2524369" cy="304798"/>
             </a:xfrm>
             <a:prstGeom prst="roundRect">
               <a:avLst>
@@ -18055,7 +18019,7 @@
             <a:effectLst>
               <a:outerShdw blurRad="39999" dist="20000" dir="5400000" rotWithShape="0">
                 <a:srgbClr val="000000">
-                  <a:alpha val="37647"/>
+                  <a:alpha val="37254"/>
                 </a:srgbClr>
               </a:outerShdw>
             </a:effectLst>
@@ -18069,8 +18033,8 @@
           </p:nvSpPr>
           <p:spPr>
             <a:xfrm>
-              <a:off x="2211752" y="5439507"/>
-              <a:ext cx="1508369" cy="600163"/>
+              <a:off x="2211751" y="5439507"/>
+              <a:ext cx="1508369" cy="600162"/>
             </a:xfrm>
             <a:prstGeom prst="rect">
               <a:avLst/>
@@ -18104,7 +18068,7 @@
                 <a:buNone/>
               </a:pPr>
               <a:r>
-                <a:rPr lang="en-US" sz="1100" b="0" i="0" u="none" strike="noStrike" cap="none" dirty="0">
+                <a:rPr lang="en-US" sz="1100" b="0" i="0" u="none" strike="noStrike" cap="none">
                   <a:solidFill>
                     <a:srgbClr val="000000"/>
                   </a:solidFill>
@@ -18128,9 +18092,9 @@
         <p:grpSpPr>
           <a:xfrm>
             <a:off x="6166337" y="4994030"/>
-            <a:ext cx="1852246" cy="1062081"/>
+            <a:ext cx="1852245" cy="1062080"/>
             <a:chOff x="6166337" y="4994030"/>
-            <a:chExt cx="1852246" cy="1062081"/>
+            <a:chExt cx="1852245" cy="1062080"/>
           </a:xfrm>
         </p:grpSpPr>
         <p:cxnSp>
@@ -18167,8 +18131,8 @@
           </p:nvSpPr>
           <p:spPr>
             <a:xfrm>
-              <a:off x="6564922" y="5455948"/>
-              <a:ext cx="1453661" cy="600163"/>
+              <a:off x="6564921" y="5455948"/>
+              <a:ext cx="1453660" cy="600162"/>
             </a:xfrm>
             <a:prstGeom prst="rect">
               <a:avLst/>
@@ -18222,13 +18186,13 @@
   <p:clrMapOvr>
     <a:masterClrMapping/>
   </p:clrMapOvr>
-  <mc:AlternateContent xmlns:mc="http://schemas.openxmlformats.org/markup-compatibility/2006" xmlns:p14="http://schemas.microsoft.com/office/powerpoint/2010/main">
-    <mc:Choice Requires="p14">
+  <mc:AlternateContent xmlns:mc="http://schemas.openxmlformats.org/markup-compatibility/2006">
+    <mc:Choice xmlns:p14="http://schemas.microsoft.com/office/powerpoint/2010/main" Requires="p14">
       <p:transition spd="slow" p14:dur="3400">
         <p14:reveal/>
       </p:transition>
     </mc:Choice>
-    <mc:Fallback xmlns="">
+    <mc:Fallback>
       <p:transition spd="slow">
         <p:fade/>
       </p:transition>
@@ -18499,9 +18463,9 @@
         <p:grpSpPr>
           <a:xfrm>
             <a:off x="3415323" y="2711938"/>
-            <a:ext cx="5205046" cy="1107995"/>
+            <a:ext cx="5205045" cy="1107994"/>
             <a:chOff x="3415323" y="2711938"/>
-            <a:chExt cx="5205046" cy="1107995"/>
+            <a:chExt cx="5205045" cy="1107994"/>
           </a:xfrm>
         </p:grpSpPr>
         <p:sp>
@@ -18512,7 +18476,7 @@
           </p:nvSpPr>
           <p:spPr>
             <a:xfrm>
-              <a:off x="3415323" y="2922953"/>
+              <a:off x="3415323" y="2922952"/>
               <a:ext cx="3071445" cy="265724"/>
             </a:xfrm>
             <a:prstGeom prst="roundRect">
@@ -18575,7 +18539,7 @@
           </p:nvCxnSpPr>
           <p:spPr>
             <a:xfrm rot="10800000" flipH="1">
-              <a:off x="6486768" y="2985615"/>
+              <a:off x="6486768" y="2985614"/>
               <a:ext cx="860700" cy="70200"/>
             </a:xfrm>
             <a:prstGeom prst="straightConnector1">
@@ -18594,7 +18558,7 @@
             <a:effectLst>
               <a:outerShdw blurRad="39999" dist="20000" dir="5400000" rotWithShape="0">
                 <a:srgbClr val="000000">
-                  <a:alpha val="37647"/>
+                  <a:alpha val="37254"/>
                 </a:srgbClr>
               </a:outerShdw>
             </a:effectLst>
@@ -18609,7 +18573,7 @@
           <p:spPr>
             <a:xfrm>
               <a:off x="7347438" y="2711938"/>
-              <a:ext cx="1272930" cy="1107995"/>
+              <a:ext cx="1272929" cy="1107994"/>
             </a:xfrm>
             <a:prstGeom prst="rect">
               <a:avLst/>
@@ -18643,7 +18607,7 @@
                 <a:buNone/>
               </a:pPr>
               <a:r>
-                <a:rPr lang="en-US" sz="1100" b="0" i="0" u="none" strike="noStrike" cap="none" dirty="0">
+                <a:rPr lang="en-US" sz="1100" b="0" i="0" u="none" strike="noStrike" cap="none">
                   <a:solidFill>
                     <a:srgbClr val="000000"/>
                   </a:solidFill>
@@ -18652,10 +18616,96 @@
                   <a:cs typeface="Arial"/>
                   <a:sym typeface="Arial"/>
                 </a:rPr>
-                <a:t>Choose </a:t>
+                <a:t>Choose a season and episode number here, then the service will display all info about this show.</a:t>
               </a:r>
+            </a:p>
+          </p:txBody>
+        </p:sp>
+      </p:grpSp>
+      <p:grpSp>
+        <p:nvGrpSpPr>
+          <p:cNvPr id="224" name="Shape 224"/>
+          <p:cNvGrpSpPr/>
+          <p:nvPr/>
+        </p:nvGrpSpPr>
+        <p:grpSpPr>
+          <a:xfrm>
+            <a:off x="2446215" y="5111262"/>
+            <a:ext cx="2377574" cy="808685"/>
+            <a:chOff x="2446215" y="5111262"/>
+            <a:chExt cx="2377574" cy="808685"/>
+          </a:xfrm>
+        </p:grpSpPr>
+        <p:cxnSp>
+          <p:nvCxnSpPr>
+            <p:cNvPr id="225" name="Shape 225"/>
+            <p:cNvCxnSpPr/>
+            <p:nvPr/>
+          </p:nvCxnSpPr>
+          <p:spPr>
+            <a:xfrm flipH="1">
+              <a:off x="3209525" y="5111262"/>
+              <a:ext cx="651274" cy="547076"/>
+            </a:xfrm>
+            <a:prstGeom prst="straightConnector1">
+              <a:avLst/>
+            </a:prstGeom>
+            <a:noFill/>
+            <a:ln w="9525" cap="flat" cmpd="sng">
+              <a:solidFill>
+                <a:srgbClr val="C00000"/>
+              </a:solidFill>
+              <a:prstDash val="solid"/>
+              <a:round/>
+              <a:headEnd type="none" w="med" len="med"/>
+              <a:tailEnd type="none" w="med" len="med"/>
+            </a:ln>
+          </p:spPr>
+        </p:cxnSp>
+        <p:sp>
+          <p:nvSpPr>
+            <p:cNvPr id="226" name="Shape 226"/>
+            <p:cNvSpPr txBox="1"/>
+            <p:nvPr/>
+          </p:nvSpPr>
+          <p:spPr>
+            <a:xfrm>
+              <a:off x="2446215" y="5658337"/>
+              <a:ext cx="2377574" cy="261609"/>
+            </a:xfrm>
+            <a:prstGeom prst="rect">
+              <a:avLst/>
+            </a:prstGeom>
+            <a:noFill/>
+            <a:ln>
+              <a:noFill/>
+            </a:ln>
+          </p:spPr>
+          <p:txBody>
+            <a:bodyPr lIns="91425" tIns="45700" rIns="91425" bIns="45700" anchor="t" anchorCtr="0">
+              <a:noAutofit/>
+            </a:bodyPr>
+            <a:lstStyle/>
+            <a:p>
+              <a:pPr marL="0" marR="0" lvl="0" indent="0" algn="l" rtl="0">
+                <a:lnSpc>
+                  <a:spcPct val="100000"/>
+                </a:lnSpc>
+                <a:spcBef>
+                  <a:spcPts val="0"/>
+                </a:spcBef>
+                <a:spcAft>
+                  <a:spcPts val="0"/>
+                </a:spcAft>
+                <a:buClr>
+                  <a:srgbClr val="000000"/>
+                </a:buClr>
+                <a:buSzPct val="25000"/>
+                <a:buFont typeface="Arial"/>
+                <a:buNone/>
+              </a:pPr>
               <a:r>
-                <a:rPr lang="en-US" sz="1100" b="0" i="0" u="none" strike="noStrike" cap="none" dirty="0" smtClean="0">
+                <a:rPr lang="en-US" sz="1100" b="0" i="0" u="none" strike="noStrike" cap="none">
                   <a:solidFill>
                     <a:srgbClr val="000000"/>
                   </a:solidFill>
@@ -18664,67 +18714,7 @@
                   <a:cs typeface="Arial"/>
                   <a:sym typeface="Arial"/>
                 </a:rPr>
-                <a:t>a season </a:t>
-              </a:r>
-              <a:r>
-                <a:rPr lang="en-US" sz="1100" b="0" i="0" u="none" strike="noStrike" cap="none" dirty="0">
-                  <a:solidFill>
-                    <a:srgbClr val="000000"/>
-                  </a:solidFill>
-                  <a:latin typeface="Arial"/>
-                  <a:ea typeface="Arial"/>
-                  <a:cs typeface="Arial"/>
-                  <a:sym typeface="Arial"/>
-                </a:rPr>
-                <a:t>and episode </a:t>
-              </a:r>
-              <a:r>
-                <a:rPr lang="en-US" sz="1100" b="0" i="0" u="none" strike="noStrike" cap="none" dirty="0" smtClean="0">
-                  <a:solidFill>
-                    <a:srgbClr val="000000"/>
-                  </a:solidFill>
-                  <a:latin typeface="Arial"/>
-                  <a:ea typeface="Arial"/>
-                  <a:cs typeface="Arial"/>
-                  <a:sym typeface="Arial"/>
-                </a:rPr>
-                <a:t>number here</a:t>
-              </a:r>
-              <a:r>
-                <a:rPr lang="en-US" sz="1100" b="0" i="0" u="none" strike="noStrike" cap="none" dirty="0">
-                  <a:solidFill>
-                    <a:srgbClr val="000000"/>
-                  </a:solidFill>
-                  <a:latin typeface="Arial"/>
-                  <a:ea typeface="Arial"/>
-                  <a:cs typeface="Arial"/>
-                  <a:sym typeface="Arial"/>
-                </a:rPr>
-                <a:t>, then the service will display all </a:t>
-              </a:r>
-              <a:r>
-                <a:rPr lang="en-US" sz="1100" b="0" i="0" u="none" strike="noStrike" cap="none" dirty="0" smtClean="0">
-                  <a:solidFill>
-                    <a:srgbClr val="000000"/>
-                  </a:solidFill>
-                  <a:latin typeface="Arial"/>
-                  <a:ea typeface="Arial"/>
-                  <a:cs typeface="Arial"/>
-                  <a:sym typeface="Arial"/>
-                </a:rPr>
-                <a:t>info about </a:t>
-              </a:r>
-              <a:r>
-                <a:rPr lang="en-US" sz="1100" b="0" i="0" u="none" strike="noStrike" cap="none" dirty="0">
-                  <a:solidFill>
-                    <a:srgbClr val="000000"/>
-                  </a:solidFill>
-                  <a:latin typeface="Arial"/>
-                  <a:ea typeface="Arial"/>
-                  <a:cs typeface="Arial"/>
-                  <a:sym typeface="Arial"/>
-                </a:rPr>
-                <a:t>this show.</a:t>
+                <a:t>Use this to go to show’s homepage</a:t>
               </a:r>
             </a:p>
           </p:txBody>
@@ -18735,13 +18725,13 @@
   <p:clrMapOvr>
     <a:masterClrMapping/>
   </p:clrMapOvr>
-  <mc:AlternateContent xmlns:mc="http://schemas.openxmlformats.org/markup-compatibility/2006" xmlns:p14="http://schemas.microsoft.com/office/powerpoint/2010/main">
-    <mc:Choice Requires="p14">
+  <mc:AlternateContent xmlns:mc="http://schemas.openxmlformats.org/markup-compatibility/2006">
+    <mc:Choice xmlns:p14="http://schemas.microsoft.com/office/powerpoint/2010/main" Requires="p14">
       <p:transition spd="slow" p14:dur="3400">
         <p14:reveal/>
       </p:transition>
     </mc:Choice>
-    <mc:Fallback xmlns="">
+    <mc:Fallback>
       <p:transition spd="slow">
         <p:fade/>
       </p:transition>
@@ -18808,6 +18798,59 @@
                       </p:childTnLst>
                     </p:cTn>
                   </p:par>
+                  <p:par>
+                    <p:cTn id="8" fill="hold">
+                      <p:stCondLst>
+                        <p:cond delay="indefinite"/>
+                      </p:stCondLst>
+                      <p:childTnLst>
+                        <p:par>
+                          <p:cTn id="9" fill="hold">
+                            <p:stCondLst>
+                              <p:cond delay="0"/>
+                            </p:stCondLst>
+                            <p:childTnLst>
+                              <p:par>
+                                <p:cTn id="10" presetID="10" presetClass="entr" presetSubtype="0" fill="hold" nodeType="clickEffect">
+                                  <p:stCondLst>
+                                    <p:cond delay="0"/>
+                                  </p:stCondLst>
+                                  <p:childTnLst>
+                                    <p:set>
+                                      <p:cBhvr>
+                                        <p:cTn id="11" dur="1" fill="hold">
+                                          <p:stCondLst>
+                                            <p:cond delay="0"/>
+                                          </p:stCondLst>
+                                        </p:cTn>
+                                        <p:tgtEl>
+                                          <p:spTgt spid="224"/>
+                                        </p:tgtEl>
+                                        <p:attrNameLst>
+                                          <p:attrName>style.visibility</p:attrName>
+                                        </p:attrNameLst>
+                                      </p:cBhvr>
+                                      <p:to>
+                                        <p:strVal val="visible"/>
+                                      </p:to>
+                                    </p:set>
+                                    <p:animEffect transition="in" filter="fade">
+                                      <p:cBhvr>
+                                        <p:cTn id="12" dur="1000"/>
+                                        <p:tgtEl>
+                                          <p:spTgt spid="224"/>
+                                        </p:tgtEl>
+                                      </p:cBhvr>
+                                    </p:animEffect>
+                                  </p:childTnLst>
+                                </p:cTn>
+                              </p:par>
+                            </p:childTnLst>
+                          </p:cTn>
+                        </p:par>
+                      </p:childTnLst>
+                    </p:cTn>
+                  </p:par>
                 </p:childTnLst>
               </p:cTn>
               <p:prevCondLst>
@@ -18838,7 +18881,7 @@
   <p:cSld>
     <p:spTree>
       <p:nvGrpSpPr>
-        <p:cNvPr id="1" name="Shape 227"/>
+        <p:cNvPr id="1" name="Shape 230"/>
         <p:cNvGrpSpPr/>
         <p:nvPr/>
       </p:nvGrpSpPr>
@@ -18852,390 +18895,7 @@
       </p:grpSpPr>
       <p:sp>
         <p:nvSpPr>
-          <p:cNvPr id="4" name="Shape 205"/>
-          <p:cNvSpPr txBox="1">
-            <a:spLocks/>
-          </p:cNvSpPr>
-          <p:nvPr/>
-        </p:nvSpPr>
-        <p:spPr>
-          <a:xfrm>
-            <a:off x="489283" y="228600"/>
-            <a:ext cx="9372600" cy="701842"/>
-          </a:xfrm>
-          <a:prstGeom prst="rect">
-            <a:avLst/>
-          </a:prstGeom>
-          <a:noFill/>
-          <a:ln>
-            <a:noFill/>
-          </a:ln>
-        </p:spPr>
-        <p:txBody>
-          <a:bodyPr lIns="91425" tIns="45700" rIns="91425" bIns="45700" anchor="b" anchorCtr="0">
-            <a:noAutofit/>
-          </a:bodyPr>
-          <a:lstStyle>
-            <a:defPPr marR="0" lvl="0" algn="l" rtl="0">
-              <a:lnSpc>
-                <a:spcPct val="100000"/>
-              </a:lnSpc>
-              <a:spcBef>
-                <a:spcPts val="0"/>
-              </a:spcBef>
-              <a:spcAft>
-                <a:spcPts val="0"/>
-              </a:spcAft>
-            </a:defPPr>
-            <a:lvl1pPr marL="0" marR="0" lvl="0" indent="0" algn="l" rtl="0">
-              <a:lnSpc>
-                <a:spcPct val="85000"/>
-              </a:lnSpc>
-              <a:spcBef>
-                <a:spcPts val="0"/>
-              </a:spcBef>
-              <a:spcAft>
-                <a:spcPts val="0"/>
-              </a:spcAft>
-              <a:buClr>
-                <a:schemeClr val="accent1"/>
-              </a:buClr>
-              <a:buFont typeface="Calibri"/>
-              <a:buNone/>
-              <a:defRPr sz="6600" b="0" i="0" u="none" strike="noStrike" cap="none">
-                <a:solidFill>
-                  <a:schemeClr val="accent1"/>
-                </a:solidFill>
-                <a:latin typeface="Calibri"/>
-                <a:ea typeface="Calibri"/>
-                <a:cs typeface="Calibri"/>
-                <a:sym typeface="Calibri"/>
-              </a:defRPr>
-            </a:lvl1pPr>
-            <a:lvl2pPr lvl="1" indent="0">
-              <a:spcBef>
-                <a:spcPts val="0"/>
-              </a:spcBef>
-              <a:buFont typeface="Arial"/>
-              <a:buNone/>
-              <a:defRPr sz="1800"/>
-            </a:lvl2pPr>
-            <a:lvl3pPr lvl="2" indent="0">
-              <a:spcBef>
-                <a:spcPts val="0"/>
-              </a:spcBef>
-              <a:buFont typeface="Arial"/>
-              <a:buNone/>
-              <a:defRPr sz="1800"/>
-            </a:lvl3pPr>
-            <a:lvl4pPr lvl="3" indent="0">
-              <a:spcBef>
-                <a:spcPts val="0"/>
-              </a:spcBef>
-              <a:buFont typeface="Arial"/>
-              <a:buNone/>
-              <a:defRPr sz="1800"/>
-            </a:lvl4pPr>
-            <a:lvl5pPr lvl="4" indent="0">
-              <a:spcBef>
-                <a:spcPts val="0"/>
-              </a:spcBef>
-              <a:buFont typeface="Arial"/>
-              <a:buNone/>
-              <a:defRPr sz="1800"/>
-            </a:lvl5pPr>
-            <a:lvl6pPr lvl="5" indent="0">
-              <a:spcBef>
-                <a:spcPts val="0"/>
-              </a:spcBef>
-              <a:buFont typeface="Arial"/>
-              <a:buNone/>
-              <a:defRPr sz="1800"/>
-            </a:lvl6pPr>
-            <a:lvl7pPr lvl="6" indent="0">
-              <a:spcBef>
-                <a:spcPts val="0"/>
-              </a:spcBef>
-              <a:buFont typeface="Arial"/>
-              <a:buNone/>
-              <a:defRPr sz="1800"/>
-            </a:lvl7pPr>
-            <a:lvl8pPr lvl="7" indent="0">
-              <a:spcBef>
-                <a:spcPts val="0"/>
-              </a:spcBef>
-              <a:buFont typeface="Arial"/>
-              <a:buNone/>
-              <a:defRPr sz="1800"/>
-            </a:lvl8pPr>
-            <a:lvl9pPr lvl="8" indent="0">
-              <a:spcBef>
-                <a:spcPts val="0"/>
-              </a:spcBef>
-              <a:buFont typeface="Arial"/>
-              <a:buNone/>
-              <a:defRPr sz="1800"/>
-            </a:lvl9pPr>
-          </a:lstStyle>
-          <a:p>
-            <a:pPr>
-              <a:buSzPct val="25000"/>
-            </a:pPr>
-            <a:r>
-              <a:rPr lang="en-US" sz="4400" dirty="0" smtClean="0"/>
-              <a:t>Technology and Tools</a:t>
-            </a:r>
-            <a:endParaRPr lang="en-US" sz="3600" dirty="0"/>
-          </a:p>
-        </p:txBody>
-      </p:sp>
-      <p:pic>
-        <p:nvPicPr>
-          <p:cNvPr id="1026" name="Picture 2" descr="https://www.themoviedb.org/assets/23e473036b28a59bd5dcfde9c671b1c5/images/v4/logos/312x276-primary-green.png"/>
-          <p:cNvPicPr>
-            <a:picLocks noChangeAspect="1" noChangeArrowheads="1"/>
-          </p:cNvPicPr>
-          <p:nvPr/>
-        </p:nvPicPr>
-        <p:blipFill>
-          <a:blip r:embed="rId3">
-            <a:extLst>
-              <a:ext uri="{28A0092B-C50C-407E-A947-70E740481C1C}">
-                <a14:useLocalDpi xmlns:a14="http://schemas.microsoft.com/office/drawing/2010/main" val="0"/>
-              </a:ext>
-            </a:extLst>
-          </a:blip>
-          <a:srcRect/>
-          <a:stretch>
-            <a:fillRect/>
-          </a:stretch>
-        </p:blipFill>
-        <p:spPr bwMode="auto">
-          <a:xfrm>
-            <a:off x="636416" y="1269043"/>
-            <a:ext cx="2971800" cy="2628900"/>
-          </a:xfrm>
-          <a:prstGeom prst="rect">
-            <a:avLst/>
-          </a:prstGeom>
-          <a:noFill/>
-          <a:extLst>
-            <a:ext uri="{909E8E84-426E-40DD-AFC4-6F175D3DCCD1}">
-              <a14:hiddenFill xmlns:a14="http://schemas.microsoft.com/office/drawing/2010/main">
-                <a:solidFill>
-                  <a:srgbClr val="FFFFFF"/>
-                </a:solidFill>
-              </a14:hiddenFill>
-            </a:ext>
-          </a:extLst>
-        </p:spPr>
-      </p:pic>
-      <p:pic>
-        <p:nvPicPr>
-          <p:cNvPr id="8" name="Picture 7"/>
-          <p:cNvPicPr>
-            <a:picLocks noChangeAspect="1"/>
-          </p:cNvPicPr>
-          <p:nvPr/>
-        </p:nvPicPr>
-        <p:blipFill rotWithShape="1">
-          <a:blip r:embed="rId4"/>
-          <a:srcRect l="30370" t="5392" r="56901" b="89882"/>
-          <a:stretch/>
-        </p:blipFill>
-        <p:spPr bwMode="auto">
-          <a:xfrm>
-            <a:off x="1720851" y="4990391"/>
-            <a:ext cx="5118094" cy="1065012"/>
-          </a:xfrm>
-          <a:prstGeom prst="rect">
-            <a:avLst/>
-          </a:prstGeom>
-          <a:ln>
-            <a:noFill/>
-          </a:ln>
-          <a:extLst>
-            <a:ext uri="{53640926-AAD7-44D8-BBD7-CCE9431645EC}">
-              <a14:shadowObscured xmlns:a14="http://schemas.microsoft.com/office/drawing/2010/main"/>
-            </a:ext>
-          </a:extLst>
-        </p:spPr>
-      </p:pic>
-      <p:pic>
-        <p:nvPicPr>
-          <p:cNvPr id="1032" name="Picture 8" descr="Image result for MySql logo"/>
-          <p:cNvPicPr>
-            <a:picLocks noChangeAspect="1" noChangeArrowheads="1"/>
-          </p:cNvPicPr>
-          <p:nvPr/>
-        </p:nvPicPr>
-        <p:blipFill>
-          <a:blip r:embed="rId5">
-            <a:extLst>
-              <a:ext uri="{28A0092B-C50C-407E-A947-70E740481C1C}">
-                <a14:useLocalDpi xmlns:a14="http://schemas.microsoft.com/office/drawing/2010/main" val="0"/>
-              </a:ext>
-            </a:extLst>
-          </a:blip>
-          <a:srcRect/>
-          <a:stretch>
-            <a:fillRect/>
-          </a:stretch>
-        </p:blipFill>
-        <p:spPr bwMode="auto">
-          <a:xfrm>
-            <a:off x="4600890" y="2156344"/>
-            <a:ext cx="2977928" cy="2013487"/>
-          </a:xfrm>
-          <a:prstGeom prst="rect">
-            <a:avLst/>
-          </a:prstGeom>
-          <a:noFill/>
-          <a:extLst>
-            <a:ext uri="{909E8E84-426E-40DD-AFC4-6F175D3DCCD1}">
-              <a14:hiddenFill xmlns:a14="http://schemas.microsoft.com/office/drawing/2010/main">
-                <a:solidFill>
-                  <a:srgbClr val="FFFFFF"/>
-                </a:solidFill>
-              </a14:hiddenFill>
-            </a:ext>
-          </a:extLst>
-        </p:spPr>
-      </p:pic>
-      <p:pic>
-        <p:nvPicPr>
-          <p:cNvPr id="1034" name="Picture 10" descr="Image result for visual studio logo tran"/>
-          <p:cNvPicPr>
-            <a:picLocks noChangeAspect="1" noChangeArrowheads="1"/>
-          </p:cNvPicPr>
-          <p:nvPr/>
-        </p:nvPicPr>
-        <p:blipFill>
-          <a:blip r:embed="rId6">
-            <a:extLst>
-              <a:ext uri="{28A0092B-C50C-407E-A947-70E740481C1C}">
-                <a14:useLocalDpi xmlns:a14="http://schemas.microsoft.com/office/drawing/2010/main" val="0"/>
-              </a:ext>
-            </a:extLst>
-          </a:blip>
-          <a:srcRect/>
-          <a:stretch>
-            <a:fillRect/>
-          </a:stretch>
-        </p:blipFill>
-        <p:spPr bwMode="auto">
-          <a:xfrm>
-            <a:off x="6089854" y="411162"/>
-            <a:ext cx="5850644" cy="1638483"/>
-          </a:xfrm>
-          <a:prstGeom prst="rect">
-            <a:avLst/>
-          </a:prstGeom>
-          <a:noFill/>
-          <a:extLst>
-            <a:ext uri="{909E8E84-426E-40DD-AFC4-6F175D3DCCD1}">
-              <a14:hiddenFill xmlns:a14="http://schemas.microsoft.com/office/drawing/2010/main">
-                <a:solidFill>
-                  <a:srgbClr val="FFFFFF"/>
-                </a:solidFill>
-              </a14:hiddenFill>
-            </a:ext>
-          </a:extLst>
-        </p:spPr>
-      </p:pic>
-      <p:pic>
-        <p:nvPicPr>
-          <p:cNvPr id="1036" name="Picture 12" descr="Image result for python transparent logo"/>
-          <p:cNvPicPr>
-            <a:picLocks noChangeAspect="1" noChangeArrowheads="1"/>
-          </p:cNvPicPr>
-          <p:nvPr/>
-        </p:nvPicPr>
-        <p:blipFill>
-          <a:blip r:embed="rId7">
-            <a:extLst>
-              <a:ext uri="{28A0092B-C50C-407E-A947-70E740481C1C}">
-                <a14:useLocalDpi xmlns:a14="http://schemas.microsoft.com/office/drawing/2010/main" val="0"/>
-              </a:ext>
-            </a:extLst>
-          </a:blip>
-          <a:srcRect/>
-          <a:stretch>
-            <a:fillRect/>
-          </a:stretch>
-        </p:blipFill>
-        <p:spPr bwMode="auto">
-          <a:xfrm>
-            <a:off x="8571492" y="3654640"/>
-            <a:ext cx="2786317" cy="2095312"/>
-          </a:xfrm>
-          <a:prstGeom prst="rect">
-            <a:avLst/>
-          </a:prstGeom>
-          <a:noFill/>
-          <a:extLst>
-            <a:ext uri="{909E8E84-426E-40DD-AFC4-6F175D3DCCD1}">
-              <a14:hiddenFill xmlns:a14="http://schemas.microsoft.com/office/drawing/2010/main">
-                <a:solidFill>
-                  <a:srgbClr val="FFFFFF"/>
-                </a:solidFill>
-              </a14:hiddenFill>
-            </a:ext>
-          </a:extLst>
-        </p:spPr>
-      </p:pic>
-    </p:spTree>
-    <p:extLst>
-      <p:ext uri="{BB962C8B-B14F-4D97-AF65-F5344CB8AC3E}">
-        <p14:creationId xmlns:p14="http://schemas.microsoft.com/office/powerpoint/2010/main" val="2826619665"/>
-      </p:ext>
-    </p:extLst>
-  </p:cSld>
-  <p:clrMapOvr>
-    <a:masterClrMapping/>
-  </p:clrMapOvr>
-  <mc:AlternateContent xmlns:mc="http://schemas.openxmlformats.org/markup-compatibility/2006" xmlns:p14="http://schemas.microsoft.com/office/powerpoint/2010/main">
-    <mc:Choice Requires="p14">
-      <p:transition spd="slow" p14:dur="3400">
-        <p14:reveal/>
-      </p:transition>
-    </mc:Choice>
-    <mc:Fallback xmlns="">
-      <p:transition spd="slow">
-        <p:fade/>
-      </p:transition>
-    </mc:Fallback>
-  </mc:AlternateContent>
-  <p:timing>
-    <p:tnLst>
-      <p:par>
-        <p:cTn id="1" dur="indefinite" restart="never" nodeType="tmRoot"/>
-      </p:par>
-    </p:tnLst>
-  </p:timing>
-</p:sld>
-</file>
-
-<file path=ppt/slides/slide15.xml><?xml version="1.0" encoding="utf-8"?>
-<p:sld xmlns:a="http://schemas.openxmlformats.org/drawingml/2006/main" xmlns:r="http://schemas.openxmlformats.org/officeDocument/2006/relationships" xmlns:p="http://schemas.openxmlformats.org/presentationml/2006/main">
-  <p:cSld>
-    <p:spTree>
-      <p:nvGrpSpPr>
-        <p:cNvPr id="1" name="Shape 227"/>
-        <p:cNvGrpSpPr/>
-        <p:nvPr/>
-      </p:nvGrpSpPr>
-      <p:grpSpPr>
-        <a:xfrm>
-          <a:off x="0" y="0"/>
-          <a:ext cx="0" cy="0"/>
-          <a:chOff x="0" y="0"/>
-          <a:chExt cx="0" cy="0"/>
-        </a:xfrm>
-      </p:grpSpPr>
-      <p:sp>
-        <p:nvSpPr>
-          <p:cNvPr id="228" name="Shape 228"/>
+          <p:cNvPr id="231" name="Shape 231"/>
           <p:cNvSpPr txBox="1">
             <a:spLocks noGrp="1"/>
           </p:cNvSpPr>
@@ -19280,7 +18940,7 @@
               <a:buNone/>
             </a:pPr>
             <a:r>
-              <a:rPr lang="en-US" sz="6600" b="0" i="0" u="none" strike="noStrike" cap="none" dirty="0" smtClean="0">
+              <a:rPr lang="en-US" sz="6600" b="0" i="0" u="none" strike="noStrike" cap="none">
                 <a:solidFill>
                   <a:schemeClr val="accent1"/>
                 </a:solidFill>
@@ -19291,15 +18951,6 @@
               </a:rPr>
               <a:t>Program Demonstration</a:t>
             </a:r>
-            <a:endParaRPr lang="en-US" sz="6600" b="0" i="0" u="none" strike="noStrike" cap="none" dirty="0">
-              <a:solidFill>
-                <a:schemeClr val="accent1"/>
-              </a:solidFill>
-              <a:latin typeface="Calibri"/>
-              <a:ea typeface="Calibri"/>
-              <a:cs typeface="Calibri"/>
-              <a:sym typeface="Calibri"/>
-            </a:endParaRPr>
           </a:p>
         </p:txBody>
       </p:sp>
@@ -19308,13 +18959,13 @@
   <p:clrMapOvr>
     <a:masterClrMapping/>
   </p:clrMapOvr>
-  <mc:AlternateContent xmlns:mc="http://schemas.openxmlformats.org/markup-compatibility/2006" xmlns:p14="http://schemas.microsoft.com/office/powerpoint/2010/main">
-    <mc:Choice Requires="p14">
+  <mc:AlternateContent xmlns:mc="http://schemas.openxmlformats.org/markup-compatibility/2006">
+    <mc:Choice xmlns:p14="http://schemas.microsoft.com/office/powerpoint/2010/main" Requires="p14">
       <p:transition spd="slow" p14:dur="3400">
         <p14:reveal/>
       </p:transition>
     </mc:Choice>
-    <mc:Fallback xmlns="">
+    <mc:Fallback>
       <p:transition spd="slow">
         <p:fade/>
       </p:transition>
@@ -19330,12 +18981,12 @@
 </p:sld>
 </file>
 
-<file path=ppt/slides/slide16.xml><?xml version="1.0" encoding="utf-8"?>
+<file path=ppt/slides/slide15.xml><?xml version="1.0" encoding="utf-8"?>
 <p:sld xmlns:a="http://schemas.openxmlformats.org/drawingml/2006/main" xmlns:r="http://schemas.openxmlformats.org/officeDocument/2006/relationships" xmlns:p="http://schemas.openxmlformats.org/presentationml/2006/main">
   <p:cSld>
     <p:spTree>
       <p:nvGrpSpPr>
-        <p:cNvPr id="1" name="Shape 116"/>
+        <p:cNvPr id="1" name="Shape 235"/>
         <p:cNvGrpSpPr/>
         <p:nvPr/>
       </p:nvGrpSpPr>
@@ -19349,17 +19000,13 @@
       </p:grpSpPr>
       <p:sp>
         <p:nvSpPr>
-          <p:cNvPr id="117" name="Shape 117"/>
-          <p:cNvSpPr txBox="1">
-            <a:spLocks noGrp="1"/>
-          </p:cNvSpPr>
-          <p:nvPr>
-            <p:ph type="title"/>
-          </p:nvPr>
+          <p:cNvPr id="236" name="Shape 236"/>
+          <p:cNvSpPr txBox="1"/>
+          <p:nvPr/>
         </p:nvSpPr>
         <p:spPr>
           <a:xfrm>
-            <a:off x="1981200" y="381000"/>
+            <a:off x="489283" y="228600"/>
             <a:ext cx="9372600" cy="701842"/>
           </a:xfrm>
           <a:prstGeom prst="rect">
@@ -19394,7 +19041,7 @@
               <a:buNone/>
             </a:pPr>
             <a:r>
-              <a:rPr lang="en-US" sz="4400" b="0" i="0" u="none" strike="noStrike" cap="none" dirty="0" smtClean="0">
+              <a:rPr lang="en-US" sz="4400" b="0" i="0" u="none" strike="noStrike" cap="none">
                 <a:solidFill>
                   <a:schemeClr val="accent1"/>
                 </a:solidFill>
@@ -19403,34 +19050,28 @@
                 <a:cs typeface="Calibri"/>
                 <a:sym typeface="Calibri"/>
               </a:rPr>
-              <a:t>Future Improvements</a:t>
+              <a:t>Technology and Tools</a:t>
             </a:r>
-            <a:endParaRPr lang="en-US" sz="3600" b="0" i="0" u="none" strike="noStrike" cap="none" dirty="0">
-              <a:solidFill>
-                <a:schemeClr val="accent1"/>
-              </a:solidFill>
-              <a:latin typeface="Calibri"/>
-              <a:ea typeface="Calibri"/>
-              <a:cs typeface="Calibri"/>
-              <a:sym typeface="Calibri"/>
-            </a:endParaRPr>
           </a:p>
         </p:txBody>
       </p:sp>
-      <p:sp>
-        <p:nvSpPr>
-          <p:cNvPr id="118" name="Shape 118"/>
-          <p:cNvSpPr txBox="1">
-            <a:spLocks noGrp="1"/>
-          </p:cNvSpPr>
-          <p:nvPr>
-            <p:ph type="body" idx="1"/>
-          </p:nvPr>
-        </p:nvSpPr>
+      <p:pic>
+        <p:nvPicPr>
+          <p:cNvPr id="237" name="Shape 237" descr="https://www.themoviedb.org/assets/23e473036b28a59bd5dcfde9c671b1c5/images/v4/logos/312x276-primary-green.png"/>
+          <p:cNvPicPr preferRelativeResize="0"/>
+          <p:nvPr/>
+        </p:nvPicPr>
+        <p:blipFill rotWithShape="1">
+          <a:blip r:embed="rId3">
+            <a:alphaModFix/>
+          </a:blip>
+          <a:srcRect/>
+          <a:stretch/>
+        </p:blipFill>
         <p:spPr>
           <a:xfrm>
-            <a:off x="1981200" y="1981200"/>
-            <a:ext cx="9055767" cy="4275220"/>
+            <a:off x="636416" y="1269042"/>
+            <a:ext cx="2971799" cy="2628899"/>
           </a:xfrm>
           <a:prstGeom prst="rect">
             <a:avLst/>
@@ -19440,190 +19081,127 @@
             <a:noFill/>
           </a:ln>
         </p:spPr>
-        <p:txBody>
-          <a:bodyPr lIns="91425" tIns="45700" rIns="91425" bIns="45700" anchor="t" anchorCtr="0">
-            <a:noAutofit/>
-          </a:bodyPr>
-          <a:lstStyle/>
-          <a:p>
-            <a:pPr marL="274320" marR="0" lvl="0" indent="-274320" algn="l" rtl="0">
-              <a:lnSpc>
-                <a:spcPct val="90000"/>
-              </a:lnSpc>
-              <a:spcBef>
-                <a:spcPts val="0"/>
-              </a:spcBef>
-              <a:spcAft>
-                <a:spcPts val="0"/>
-              </a:spcAft>
-              <a:buClr>
-                <a:schemeClr val="dk1"/>
-              </a:buClr>
-              <a:buSzPct val="100000"/>
-              <a:buFont typeface="Arial"/>
-              <a:buChar char="▪"/>
-            </a:pPr>
-            <a:r>
-              <a:rPr lang="en-US" sz="2400" b="0" i="0" u="none" strike="noStrike" cap="none" dirty="0" smtClean="0">
-                <a:solidFill>
-                  <a:schemeClr val="dk1"/>
-                </a:solidFill>
-                <a:latin typeface="Calibri"/>
-                <a:ea typeface="Calibri"/>
-                <a:cs typeface="Calibri"/>
-                <a:sym typeface="Calibri"/>
-              </a:rPr>
-              <a:t>Search:</a:t>
-            </a:r>
-          </a:p>
-          <a:p>
-            <a:pPr lvl="1" indent="-274320">
-              <a:spcBef>
-                <a:spcPts val="0"/>
-              </a:spcBef>
-            </a:pPr>
-            <a:r>
-              <a:rPr lang="en-US" b="0" i="0" u="none" strike="noStrike" cap="none" dirty="0" smtClean="0">
-                <a:solidFill>
-                  <a:schemeClr val="dk1"/>
-                </a:solidFill>
-                <a:latin typeface="Calibri"/>
-                <a:ea typeface="Calibri"/>
-                <a:cs typeface="Calibri"/>
-                <a:sym typeface="Calibri"/>
-              </a:rPr>
-              <a:t>spelling correction/suggestions</a:t>
-            </a:r>
-          </a:p>
-          <a:p>
-            <a:pPr lvl="1" indent="-274320">
-              <a:spcBef>
-                <a:spcPts val="0"/>
-              </a:spcBef>
-            </a:pPr>
-            <a:r>
-              <a:rPr lang="en-US" dirty="0" smtClean="0"/>
-              <a:t>multiple genres and/or actors</a:t>
-            </a:r>
-          </a:p>
-          <a:p>
-            <a:pPr lvl="1" indent="-274320">
-              <a:spcBef>
-                <a:spcPts val="0"/>
-              </a:spcBef>
-            </a:pPr>
-            <a:r>
-              <a:rPr lang="en-US" dirty="0" smtClean="0"/>
-              <a:t>refine by release date and network</a:t>
-            </a:r>
-          </a:p>
-          <a:p>
-            <a:pPr indent="-274320">
-              <a:spcBef>
-                <a:spcPts val="0"/>
-              </a:spcBef>
-            </a:pPr>
-            <a:r>
-              <a:rPr lang="en-US" dirty="0" smtClean="0"/>
-              <a:t>Recommendations:</a:t>
-            </a:r>
-          </a:p>
-          <a:p>
-            <a:pPr lvl="1" indent="-274320">
-              <a:spcBef>
-                <a:spcPts val="0"/>
-              </a:spcBef>
-            </a:pPr>
-            <a:r>
-              <a:rPr lang="en-US" dirty="0" smtClean="0"/>
-              <a:t>watch history</a:t>
-            </a:r>
-          </a:p>
-          <a:p>
-            <a:pPr lvl="1" indent="-274320">
-              <a:spcBef>
-                <a:spcPts val="0"/>
-              </a:spcBef>
-            </a:pPr>
-            <a:r>
-              <a:rPr lang="en-US" dirty="0" smtClean="0"/>
-              <a:t>refine by genres and actors</a:t>
-            </a:r>
-          </a:p>
-          <a:p>
-            <a:pPr indent="-274320">
-              <a:spcBef>
-                <a:spcPts val="0"/>
-              </a:spcBef>
-            </a:pPr>
-            <a:r>
-              <a:rPr lang="en-US" dirty="0" smtClean="0"/>
-              <a:t>Account/User Management:</a:t>
-            </a:r>
-          </a:p>
-          <a:p>
-            <a:pPr lvl="1" indent="-274320">
-              <a:spcBef>
-                <a:spcPts val="0"/>
-              </a:spcBef>
-            </a:pPr>
-            <a:r>
-              <a:rPr lang="en-US" dirty="0" smtClean="0"/>
-              <a:t>payment acceptance</a:t>
-            </a:r>
-          </a:p>
-          <a:p>
-            <a:pPr indent="-274320">
-              <a:spcBef>
-                <a:spcPts val="0"/>
-              </a:spcBef>
-            </a:pPr>
-            <a:r>
-              <a:rPr lang="en-US" dirty="0" smtClean="0"/>
-              <a:t>Shows:</a:t>
-            </a:r>
-          </a:p>
-          <a:p>
-            <a:pPr lvl="1" indent="-274320">
-              <a:spcBef>
-                <a:spcPts val="0"/>
-              </a:spcBef>
-            </a:pPr>
-            <a:r>
-              <a:rPr lang="en-US" dirty="0" smtClean="0"/>
-              <a:t>more information</a:t>
-            </a:r>
-          </a:p>
-          <a:p>
-            <a:pPr lvl="1" indent="-274320">
-              <a:spcBef>
-                <a:spcPts val="0"/>
-              </a:spcBef>
-            </a:pPr>
-            <a:r>
-              <a:rPr lang="en-US" dirty="0" smtClean="0"/>
-              <a:t>ability to actually play the show</a:t>
-            </a:r>
-          </a:p>
-        </p:txBody>
-      </p:sp>
+      </p:pic>
+      <p:pic>
+        <p:nvPicPr>
+          <p:cNvPr id="238" name="Shape 238"/>
+          <p:cNvPicPr preferRelativeResize="0"/>
+          <p:nvPr/>
+        </p:nvPicPr>
+        <p:blipFill rotWithShape="1">
+          <a:blip r:embed="rId4">
+            <a:alphaModFix/>
+          </a:blip>
+          <a:srcRect l="30370" t="5392" r="56901" b="89882"/>
+          <a:stretch/>
+        </p:blipFill>
+        <p:spPr>
+          <a:xfrm>
+            <a:off x="636416" y="5123844"/>
+            <a:ext cx="5118093" cy="1065012"/>
+          </a:xfrm>
+          <a:prstGeom prst="rect">
+            <a:avLst/>
+          </a:prstGeom>
+          <a:noFill/>
+          <a:ln>
+            <a:noFill/>
+          </a:ln>
+        </p:spPr>
+      </p:pic>
+      <p:pic>
+        <p:nvPicPr>
+          <p:cNvPr id="239" name="Shape 239" descr="Image result for MySql logo"/>
+          <p:cNvPicPr preferRelativeResize="0"/>
+          <p:nvPr/>
+        </p:nvPicPr>
+        <p:blipFill rotWithShape="1">
+          <a:blip r:embed="rId5">
+            <a:alphaModFix/>
+          </a:blip>
+          <a:srcRect/>
+          <a:stretch/>
+        </p:blipFill>
+        <p:spPr>
+          <a:xfrm>
+            <a:off x="3936582" y="2789390"/>
+            <a:ext cx="2977927" cy="2013486"/>
+          </a:xfrm>
+          <a:prstGeom prst="rect">
+            <a:avLst/>
+          </a:prstGeom>
+          <a:noFill/>
+          <a:ln>
+            <a:noFill/>
+          </a:ln>
+        </p:spPr>
+      </p:pic>
+      <p:pic>
+        <p:nvPicPr>
+          <p:cNvPr id="240" name="Shape 240" descr="Image result for visual studio logo tran"/>
+          <p:cNvPicPr preferRelativeResize="0"/>
+          <p:nvPr/>
+        </p:nvPicPr>
+        <p:blipFill rotWithShape="1">
+          <a:blip r:embed="rId6">
+            <a:alphaModFix/>
+          </a:blip>
+          <a:srcRect/>
+          <a:stretch/>
+        </p:blipFill>
+        <p:spPr>
+          <a:xfrm>
+            <a:off x="4175421" y="829938"/>
+            <a:ext cx="5850643" cy="1638482"/>
+          </a:xfrm>
+          <a:prstGeom prst="rect">
+            <a:avLst/>
+          </a:prstGeom>
+          <a:noFill/>
+          <a:ln>
+            <a:noFill/>
+          </a:ln>
+        </p:spPr>
+      </p:pic>
+      <p:pic>
+        <p:nvPicPr>
+          <p:cNvPr id="241" name="Shape 241" descr="Image result for python transparent logo"/>
+          <p:cNvPicPr preferRelativeResize="0"/>
+          <p:nvPr/>
+        </p:nvPicPr>
+        <p:blipFill rotWithShape="1">
+          <a:blip r:embed="rId7">
+            <a:alphaModFix/>
+          </a:blip>
+          <a:srcRect/>
+          <a:stretch/>
+        </p:blipFill>
+        <p:spPr>
+          <a:xfrm>
+            <a:off x="7328846" y="4264239"/>
+            <a:ext cx="2786316" cy="2095311"/>
+          </a:xfrm>
+          <a:prstGeom prst="rect">
+            <a:avLst/>
+          </a:prstGeom>
+          <a:noFill/>
+          <a:ln>
+            <a:noFill/>
+          </a:ln>
+        </p:spPr>
+      </p:pic>
     </p:spTree>
-    <p:extLst>
-      <p:ext uri="{BB962C8B-B14F-4D97-AF65-F5344CB8AC3E}">
-        <p14:creationId xmlns:p14="http://schemas.microsoft.com/office/powerpoint/2010/main" val="316758708"/>
-      </p:ext>
-    </p:extLst>
   </p:cSld>
   <p:clrMapOvr>
     <a:masterClrMapping/>
   </p:clrMapOvr>
-  <mc:AlternateContent xmlns:mc="http://schemas.openxmlformats.org/markup-compatibility/2006" xmlns:p14="http://schemas.microsoft.com/office/powerpoint/2010/main">
-    <mc:Choice Requires="p14">
+  <mc:AlternateContent xmlns:mc="http://schemas.openxmlformats.org/markup-compatibility/2006">
+    <mc:Choice xmlns:p14="http://schemas.microsoft.com/office/powerpoint/2010/main" Requires="p14">
       <p:transition spd="slow" p14:dur="3400">
         <p14:reveal/>
       </p:transition>
     </mc:Choice>
-    <mc:Fallback xmlns="">
+    <mc:Fallback>
       <p:transition spd="slow">
         <p:fade/>
       </p:transition>
@@ -19650,7 +19228,7 @@
                             </p:stCondLst>
                             <p:childTnLst>
                               <p:par>
-                                <p:cTn id="5" presetID="2" presetClass="entr" presetSubtype="2" fill="hold" nodeType="clickEffect">
+                                <p:cTn id="5" presetID="10" presetClass="entr" presetSubtype="0" fill="hold" nodeType="clickEffect">
                                   <p:stCondLst>
                                     <p:cond delay="0"/>
                                   </p:stCondLst>
@@ -19663,7 +19241,630 @@
                                           </p:stCondLst>
                                         </p:cTn>
                                         <p:tgtEl>
-                                          <p:spTgt spid="118">
+                                          <p:spTgt spid="237"/>
+                                        </p:tgtEl>
+                                        <p:attrNameLst>
+                                          <p:attrName>style.visibility</p:attrName>
+                                        </p:attrNameLst>
+                                      </p:cBhvr>
+                                      <p:to>
+                                        <p:strVal val="visible"/>
+                                      </p:to>
+                                    </p:set>
+                                    <p:animEffect transition="in" filter="fade">
+                                      <p:cBhvr>
+                                        <p:cTn id="7" dur="1000"/>
+                                        <p:tgtEl>
+                                          <p:spTgt spid="237"/>
+                                        </p:tgtEl>
+                                      </p:cBhvr>
+                                    </p:animEffect>
+                                  </p:childTnLst>
+                                </p:cTn>
+                              </p:par>
+                              <p:par>
+                                <p:cTn id="8" presetID="10" presetClass="entr" presetSubtype="0" fill="hold" nodeType="withEffect">
+                                  <p:stCondLst>
+                                    <p:cond delay="0"/>
+                                  </p:stCondLst>
+                                  <p:childTnLst>
+                                    <p:set>
+                                      <p:cBhvr>
+                                        <p:cTn id="9" dur="1" fill="hold">
+                                          <p:stCondLst>
+                                            <p:cond delay="0"/>
+                                          </p:stCondLst>
+                                        </p:cTn>
+                                        <p:tgtEl>
+                                          <p:spTgt spid="238"/>
+                                        </p:tgtEl>
+                                        <p:attrNameLst>
+                                          <p:attrName>style.visibility</p:attrName>
+                                        </p:attrNameLst>
+                                      </p:cBhvr>
+                                      <p:to>
+                                        <p:strVal val="visible"/>
+                                      </p:to>
+                                    </p:set>
+                                    <p:animEffect transition="in" filter="fade">
+                                      <p:cBhvr>
+                                        <p:cTn id="10" dur="1000"/>
+                                        <p:tgtEl>
+                                          <p:spTgt spid="238"/>
+                                        </p:tgtEl>
+                                      </p:cBhvr>
+                                    </p:animEffect>
+                                  </p:childTnLst>
+                                </p:cTn>
+                              </p:par>
+                              <p:par>
+                                <p:cTn id="11" presetID="10" presetClass="entr" presetSubtype="0" fill="hold" nodeType="withEffect">
+                                  <p:stCondLst>
+                                    <p:cond delay="0"/>
+                                  </p:stCondLst>
+                                  <p:childTnLst>
+                                    <p:set>
+                                      <p:cBhvr>
+                                        <p:cTn id="12" dur="1" fill="hold">
+                                          <p:stCondLst>
+                                            <p:cond delay="0"/>
+                                          </p:stCondLst>
+                                        </p:cTn>
+                                        <p:tgtEl>
+                                          <p:spTgt spid="239"/>
+                                        </p:tgtEl>
+                                        <p:attrNameLst>
+                                          <p:attrName>style.visibility</p:attrName>
+                                        </p:attrNameLst>
+                                      </p:cBhvr>
+                                      <p:to>
+                                        <p:strVal val="visible"/>
+                                      </p:to>
+                                    </p:set>
+                                    <p:animEffect transition="in" filter="fade">
+                                      <p:cBhvr>
+                                        <p:cTn id="13" dur="1000"/>
+                                        <p:tgtEl>
+                                          <p:spTgt spid="239"/>
+                                        </p:tgtEl>
+                                      </p:cBhvr>
+                                    </p:animEffect>
+                                  </p:childTnLst>
+                                </p:cTn>
+                              </p:par>
+                              <p:par>
+                                <p:cTn id="14" presetID="10" presetClass="entr" presetSubtype="0" fill="hold" nodeType="withEffect">
+                                  <p:stCondLst>
+                                    <p:cond delay="0"/>
+                                  </p:stCondLst>
+                                  <p:childTnLst>
+                                    <p:set>
+                                      <p:cBhvr>
+                                        <p:cTn id="15" dur="1" fill="hold">
+                                          <p:stCondLst>
+                                            <p:cond delay="0"/>
+                                          </p:stCondLst>
+                                        </p:cTn>
+                                        <p:tgtEl>
+                                          <p:spTgt spid="240"/>
+                                        </p:tgtEl>
+                                        <p:attrNameLst>
+                                          <p:attrName>style.visibility</p:attrName>
+                                        </p:attrNameLst>
+                                      </p:cBhvr>
+                                      <p:to>
+                                        <p:strVal val="visible"/>
+                                      </p:to>
+                                    </p:set>
+                                    <p:animEffect transition="in" filter="fade">
+                                      <p:cBhvr>
+                                        <p:cTn id="16" dur="1000"/>
+                                        <p:tgtEl>
+                                          <p:spTgt spid="240"/>
+                                        </p:tgtEl>
+                                      </p:cBhvr>
+                                    </p:animEffect>
+                                  </p:childTnLst>
+                                </p:cTn>
+                              </p:par>
+                              <p:par>
+                                <p:cTn id="17" presetID="10" presetClass="entr" presetSubtype="0" fill="hold" nodeType="withEffect">
+                                  <p:stCondLst>
+                                    <p:cond delay="0"/>
+                                  </p:stCondLst>
+                                  <p:childTnLst>
+                                    <p:set>
+                                      <p:cBhvr>
+                                        <p:cTn id="18" dur="1" fill="hold">
+                                          <p:stCondLst>
+                                            <p:cond delay="0"/>
+                                          </p:stCondLst>
+                                        </p:cTn>
+                                        <p:tgtEl>
+                                          <p:spTgt spid="241"/>
+                                        </p:tgtEl>
+                                        <p:attrNameLst>
+                                          <p:attrName>style.visibility</p:attrName>
+                                        </p:attrNameLst>
+                                      </p:cBhvr>
+                                      <p:to>
+                                        <p:strVal val="visible"/>
+                                      </p:to>
+                                    </p:set>
+                                    <p:animEffect transition="in" filter="fade">
+                                      <p:cBhvr>
+                                        <p:cTn id="19" dur="1000"/>
+                                        <p:tgtEl>
+                                          <p:spTgt spid="241"/>
+                                        </p:tgtEl>
+                                      </p:cBhvr>
+                                    </p:animEffect>
+                                  </p:childTnLst>
+                                </p:cTn>
+                              </p:par>
+                            </p:childTnLst>
+                          </p:cTn>
+                        </p:par>
+                      </p:childTnLst>
+                    </p:cTn>
+                  </p:par>
+                </p:childTnLst>
+              </p:cTn>
+              <p:prevCondLst>
+                <p:cond evt="onPrev" delay="0">
+                  <p:tgtEl>
+                    <p:sldTgt/>
+                  </p:tgtEl>
+                </p:cond>
+              </p:prevCondLst>
+              <p:nextCondLst>
+                <p:cond evt="onNext" delay="0">
+                  <p:tgtEl>
+                    <p:sldTgt/>
+                  </p:tgtEl>
+                </p:cond>
+              </p:nextCondLst>
+            </p:seq>
+          </p:childTnLst>
+        </p:cTn>
+      </p:par>
+    </p:tnLst>
+  </p:timing>
+</p:sld>
+</file>
+
+<file path=ppt/slides/slide16.xml><?xml version="1.0" encoding="utf-8"?>
+<p:sld xmlns:a="http://schemas.openxmlformats.org/drawingml/2006/main" xmlns:r="http://schemas.openxmlformats.org/officeDocument/2006/relationships" xmlns:p="http://schemas.openxmlformats.org/presentationml/2006/main">
+  <p:cSld>
+    <p:spTree>
+      <p:nvGrpSpPr>
+        <p:cNvPr id="1" name="Shape 245"/>
+        <p:cNvGrpSpPr/>
+        <p:nvPr/>
+      </p:nvGrpSpPr>
+      <p:grpSpPr>
+        <a:xfrm>
+          <a:off x="0" y="0"/>
+          <a:ext cx="0" cy="0"/>
+          <a:chOff x="0" y="0"/>
+          <a:chExt cx="0" cy="0"/>
+        </a:xfrm>
+      </p:grpSpPr>
+      <p:sp>
+        <p:nvSpPr>
+          <p:cNvPr id="246" name="Shape 246"/>
+          <p:cNvSpPr txBox="1">
+            <a:spLocks noGrp="1"/>
+          </p:cNvSpPr>
+          <p:nvPr>
+            <p:ph type="title"/>
+          </p:nvPr>
+        </p:nvSpPr>
+        <p:spPr>
+          <a:xfrm>
+            <a:off x="457200" y="451337"/>
+            <a:ext cx="9372600" cy="701842"/>
+          </a:xfrm>
+          <a:prstGeom prst="rect">
+            <a:avLst/>
+          </a:prstGeom>
+          <a:noFill/>
+          <a:ln>
+            <a:noFill/>
+          </a:ln>
+        </p:spPr>
+        <p:txBody>
+          <a:bodyPr lIns="91425" tIns="45700" rIns="91425" bIns="45700" anchor="b" anchorCtr="0">
+            <a:noAutofit/>
+          </a:bodyPr>
+          <a:lstStyle/>
+          <a:p>
+            <a:pPr marL="0" marR="0" lvl="0" indent="0" algn="l" rtl="0">
+              <a:lnSpc>
+                <a:spcPct val="85000"/>
+              </a:lnSpc>
+              <a:spcBef>
+                <a:spcPts val="0"/>
+              </a:spcBef>
+              <a:spcAft>
+                <a:spcPts val="0"/>
+              </a:spcAft>
+              <a:buClr>
+                <a:schemeClr val="accent1"/>
+              </a:buClr>
+              <a:buSzPct val="25000"/>
+              <a:buFont typeface="Calibri"/>
+              <a:buNone/>
+            </a:pPr>
+            <a:r>
+              <a:rPr lang="en-US" sz="4400" b="0" i="0" u="none" strike="noStrike" cap="none">
+                <a:solidFill>
+                  <a:schemeClr val="accent1"/>
+                </a:solidFill>
+                <a:latin typeface="Calibri"/>
+                <a:ea typeface="Calibri"/>
+                <a:cs typeface="Calibri"/>
+                <a:sym typeface="Calibri"/>
+              </a:rPr>
+              <a:t>Future Improvements</a:t>
+            </a:r>
+          </a:p>
+        </p:txBody>
+      </p:sp>
+      <p:sp>
+        <p:nvSpPr>
+          <p:cNvPr id="247" name="Shape 247"/>
+          <p:cNvSpPr txBox="1">
+            <a:spLocks noGrp="1"/>
+          </p:cNvSpPr>
+          <p:nvPr>
+            <p:ph type="body" idx="1"/>
+          </p:nvPr>
+        </p:nvSpPr>
+        <p:spPr>
+          <a:xfrm>
+            <a:off x="457200" y="1307699"/>
+            <a:ext cx="9055800" cy="5093101"/>
+          </a:xfrm>
+          <a:prstGeom prst="rect">
+            <a:avLst/>
+          </a:prstGeom>
+          <a:noFill/>
+          <a:ln>
+            <a:noFill/>
+          </a:ln>
+        </p:spPr>
+        <p:txBody>
+          <a:bodyPr lIns="91425" tIns="45700" rIns="91425" bIns="45700" anchor="t" anchorCtr="0">
+            <a:noAutofit/>
+          </a:bodyPr>
+          <a:lstStyle/>
+          <a:p>
+            <a:pPr marL="342900" marR="0" lvl="0" indent="-342900" algn="l" rtl="0">
+              <a:lnSpc>
+                <a:spcPct val="90000"/>
+              </a:lnSpc>
+              <a:spcBef>
+                <a:spcPts val="0"/>
+              </a:spcBef>
+              <a:spcAft>
+                <a:spcPts val="0"/>
+              </a:spcAft>
+              <a:buClr>
+                <a:schemeClr val="dk1"/>
+              </a:buClr>
+              <a:buSzPct val="100000"/>
+              <a:buFont typeface="Arial" panose="020B0604020202020204" pitchFamily="34" charset="0"/>
+              <a:buChar char="•"/>
+            </a:pPr>
+            <a:r>
+              <a:rPr lang="en-US" sz="2400" b="0" i="0" u="none" strike="noStrike" cap="none" dirty="0">
+                <a:solidFill>
+                  <a:schemeClr val="dk1"/>
+                </a:solidFill>
+                <a:latin typeface="Calibri"/>
+                <a:ea typeface="Calibri"/>
+                <a:cs typeface="Calibri"/>
+                <a:sym typeface="Calibri"/>
+              </a:rPr>
+              <a:t>Search:</a:t>
+            </a:r>
+          </a:p>
+          <a:p>
+            <a:pPr marL="800100" lvl="1" indent="-342900">
+              <a:spcBef>
+                <a:spcPts val="0"/>
+              </a:spcBef>
+              <a:buFont typeface="Wingdings" panose="05000000000000000000" pitchFamily="2" charset="2"/>
+              <a:buChar char="v"/>
+            </a:pPr>
+            <a:r>
+              <a:rPr lang="en-US" b="0" i="0" u="none" strike="noStrike" cap="none" dirty="0">
+                <a:solidFill>
+                  <a:schemeClr val="dk1"/>
+                </a:solidFill>
+                <a:latin typeface="Calibri"/>
+                <a:ea typeface="Calibri"/>
+                <a:cs typeface="Calibri"/>
+                <a:sym typeface="Calibri"/>
+              </a:rPr>
+              <a:t>spelling correction/suggestions</a:t>
+            </a:r>
+          </a:p>
+          <a:p>
+            <a:pPr marL="800100" lvl="1" indent="-342900">
+              <a:spcBef>
+                <a:spcPts val="0"/>
+              </a:spcBef>
+              <a:buFont typeface="Wingdings" panose="05000000000000000000" pitchFamily="2" charset="2"/>
+              <a:buChar char="v"/>
+            </a:pPr>
+            <a:r>
+              <a:rPr lang="en-US" b="0" i="0" u="none" strike="noStrike" cap="none" dirty="0">
+                <a:solidFill>
+                  <a:schemeClr val="dk1"/>
+                </a:solidFill>
+                <a:latin typeface="Calibri"/>
+                <a:ea typeface="Calibri"/>
+                <a:cs typeface="Calibri"/>
+                <a:sym typeface="Calibri"/>
+              </a:rPr>
+              <a:t>multiple genres and/or actors</a:t>
+            </a:r>
+          </a:p>
+          <a:p>
+            <a:pPr marL="800100" lvl="1" indent="-342900">
+              <a:spcBef>
+                <a:spcPts val="0"/>
+              </a:spcBef>
+              <a:buFont typeface="Wingdings" panose="05000000000000000000" pitchFamily="2" charset="2"/>
+              <a:buChar char="v"/>
+            </a:pPr>
+            <a:r>
+              <a:rPr lang="en-US" b="0" i="0" u="none" strike="noStrike" cap="none" dirty="0">
+                <a:solidFill>
+                  <a:schemeClr val="dk1"/>
+                </a:solidFill>
+                <a:latin typeface="Calibri"/>
+                <a:ea typeface="Calibri"/>
+                <a:cs typeface="Calibri"/>
+                <a:sym typeface="Calibri"/>
+              </a:rPr>
+              <a:t>refine by release date and network</a:t>
+            </a:r>
+          </a:p>
+          <a:p>
+            <a:pPr marL="342900" lvl="0" indent="-342900">
+              <a:buFont typeface="Arial" panose="020B0604020202020204" pitchFamily="34" charset="0"/>
+              <a:buChar char="•"/>
+            </a:pPr>
+            <a:r>
+              <a:rPr lang="en-US" sz="2400" b="0" i="0" u="none" strike="noStrike" cap="none" dirty="0" smtClean="0">
+                <a:solidFill>
+                  <a:schemeClr val="dk1"/>
+                </a:solidFill>
+                <a:latin typeface="Calibri"/>
+                <a:ea typeface="Calibri"/>
+                <a:cs typeface="Calibri"/>
+                <a:sym typeface="Calibri"/>
+              </a:rPr>
+              <a:t>Recommendations</a:t>
+            </a:r>
+            <a:r>
+              <a:rPr lang="en-US" dirty="0" smtClean="0"/>
+              <a:t>:</a:t>
+            </a:r>
+          </a:p>
+          <a:p>
+            <a:pPr marL="800100" lvl="1" indent="-342900">
+              <a:buFont typeface="Wingdings" panose="05000000000000000000" pitchFamily="2" charset="2"/>
+              <a:buChar char="v"/>
+            </a:pPr>
+            <a:r>
+              <a:rPr lang="en-US" dirty="0" smtClean="0"/>
+              <a:t>watch </a:t>
+            </a:r>
+            <a:r>
+              <a:rPr lang="en-US" dirty="0"/>
+              <a:t>history</a:t>
+            </a:r>
+          </a:p>
+          <a:p>
+            <a:pPr marL="800100" lvl="1" indent="-342900">
+              <a:buFont typeface="Wingdings" panose="05000000000000000000" pitchFamily="2" charset="2"/>
+              <a:buChar char="v"/>
+            </a:pPr>
+            <a:r>
+              <a:rPr lang="en-US" dirty="0"/>
+              <a:t>refine by genres and </a:t>
+            </a:r>
+            <a:r>
+              <a:rPr lang="en-US" dirty="0" smtClean="0"/>
+              <a:t>actors</a:t>
+            </a:r>
+            <a:endParaRPr lang="en-US" b="0" i="0" u="none" strike="noStrike" cap="none" dirty="0" smtClean="0">
+              <a:solidFill>
+                <a:schemeClr val="dk1"/>
+              </a:solidFill>
+              <a:sym typeface="Calibri"/>
+            </a:endParaRPr>
+          </a:p>
+          <a:p>
+            <a:pPr marL="342900" indent="-342900">
+              <a:buFont typeface="Arial" panose="020B0604020202020204" pitchFamily="34" charset="0"/>
+              <a:buChar char="•"/>
+            </a:pPr>
+            <a:r>
+              <a:rPr lang="en-US" sz="2400" dirty="0" smtClean="0"/>
+              <a:t>Account /User Management</a:t>
+            </a:r>
+          </a:p>
+          <a:p>
+            <a:pPr marL="800100" lvl="1" indent="-342900">
+              <a:buFont typeface="Wingdings" panose="05000000000000000000" pitchFamily="2" charset="2"/>
+              <a:buChar char="v"/>
+            </a:pPr>
+            <a:r>
+              <a:rPr lang="en-US" dirty="0" smtClean="0"/>
+              <a:t>payment acceptance</a:t>
+            </a:r>
+          </a:p>
+          <a:p>
+            <a:pPr marL="342900" lvl="0" indent="-342900">
+              <a:buFont typeface="Arial" panose="020B0604020202020204" pitchFamily="34" charset="0"/>
+              <a:buChar char="•"/>
+            </a:pPr>
+            <a:r>
+              <a:rPr lang="en-US" sz="2400" dirty="0" smtClean="0"/>
+              <a:t>Shows:</a:t>
+            </a:r>
+          </a:p>
+          <a:p>
+            <a:pPr marL="800100" lvl="1" indent="-342900">
+              <a:buFont typeface="Wingdings" panose="05000000000000000000" pitchFamily="2" charset="2"/>
+              <a:buChar char="v"/>
+            </a:pPr>
+            <a:r>
+              <a:rPr lang="en-US" dirty="0" smtClean="0"/>
+              <a:t>more </a:t>
+            </a:r>
+            <a:r>
+              <a:rPr lang="en-US" dirty="0"/>
+              <a:t>information</a:t>
+            </a:r>
+          </a:p>
+          <a:p>
+            <a:pPr marL="800100" lvl="1" indent="-342900">
+              <a:buFont typeface="Wingdings" panose="05000000000000000000" pitchFamily="2" charset="2"/>
+              <a:buChar char="v"/>
+            </a:pPr>
+            <a:r>
+              <a:rPr lang="en-US" dirty="0"/>
+              <a:t>ability to actually play the </a:t>
+            </a:r>
+            <a:r>
+              <a:rPr lang="en-US" dirty="0" smtClean="0"/>
+              <a:t>show</a:t>
+            </a:r>
+            <a:endParaRPr lang="en-US" b="0" i="0" u="none" strike="noStrike" cap="none" dirty="0" smtClean="0">
+              <a:solidFill>
+                <a:schemeClr val="dk1"/>
+              </a:solidFill>
+              <a:sym typeface="Calibri"/>
+            </a:endParaRPr>
+          </a:p>
+          <a:p>
+            <a:pPr marL="342900" marR="0" lvl="0" indent="-342900" algn="l" rtl="0">
+              <a:lnSpc>
+                <a:spcPct val="90000"/>
+              </a:lnSpc>
+              <a:spcBef>
+                <a:spcPts val="0"/>
+              </a:spcBef>
+              <a:spcAft>
+                <a:spcPts val="0"/>
+              </a:spcAft>
+              <a:buFont typeface="Arial" panose="020B0604020202020204" pitchFamily="34" charset="0"/>
+              <a:buChar char="•"/>
+            </a:pPr>
+            <a:r>
+              <a:rPr lang="en-US" sz="2400" dirty="0" smtClean="0"/>
+              <a:t>Interface:</a:t>
+            </a:r>
+            <a:endParaRPr lang="en-US" sz="2400" b="0" i="0" u="none" strike="noStrike" cap="none" dirty="0">
+              <a:solidFill>
+                <a:schemeClr val="dk1"/>
+              </a:solidFill>
+              <a:sym typeface="Calibri"/>
+            </a:endParaRPr>
+          </a:p>
+          <a:p>
+            <a:pPr marL="800100" lvl="1" indent="-342900">
+              <a:spcBef>
+                <a:spcPts val="0"/>
+              </a:spcBef>
+              <a:buFont typeface="Wingdings" panose="05000000000000000000" pitchFamily="2" charset="2"/>
+              <a:buChar char="v"/>
+            </a:pPr>
+            <a:r>
+              <a:rPr lang="en-US" b="0" i="0" u="none" strike="noStrike" cap="none" dirty="0" smtClean="0">
+                <a:solidFill>
+                  <a:schemeClr val="dk1"/>
+                </a:solidFill>
+                <a:latin typeface="Calibri"/>
+                <a:ea typeface="Calibri"/>
+                <a:cs typeface="Calibri"/>
+                <a:sym typeface="Calibri"/>
+              </a:rPr>
+              <a:t>make </a:t>
+            </a:r>
+            <a:r>
+              <a:rPr lang="en-US" b="0" i="0" u="none" strike="noStrike" cap="none" dirty="0">
+                <a:solidFill>
+                  <a:schemeClr val="dk1"/>
+                </a:solidFill>
+                <a:latin typeface="Calibri"/>
+                <a:ea typeface="Calibri"/>
+                <a:cs typeface="Calibri"/>
+                <a:sym typeface="Calibri"/>
+              </a:rPr>
+              <a:t>it look pretty</a:t>
+            </a:r>
+          </a:p>
+        </p:txBody>
+      </p:sp>
+    </p:spTree>
+  </p:cSld>
+  <p:clrMapOvr>
+    <a:masterClrMapping/>
+  </p:clrMapOvr>
+  <mc:AlternateContent xmlns:mc="http://schemas.openxmlformats.org/markup-compatibility/2006">
+    <mc:Choice xmlns:p14="http://schemas.microsoft.com/office/powerpoint/2010/main" Requires="p14">
+      <p:transition spd="slow" p14:dur="3400">
+        <p14:reveal/>
+      </p:transition>
+    </mc:Choice>
+    <mc:Fallback>
+      <p:transition spd="slow">
+        <p:fade/>
+      </p:transition>
+    </mc:Fallback>
+  </mc:AlternateContent>
+  <p:timing>
+    <p:tnLst>
+      <p:par>
+        <p:cTn id="1" dur="indefinite" restart="never" nodeType="tmRoot">
+          <p:childTnLst>
+            <p:seq concurrent="1" nextAc="seek">
+              <p:cTn id="2" dur="indefinite" nodeType="mainSeq">
+                <p:childTnLst>
+                  <p:par>
+                    <p:cTn id="3" fill="hold">
+                      <p:stCondLst>
+                        <p:cond delay="indefinite"/>
+                      </p:stCondLst>
+                      <p:childTnLst>
+                        <p:par>
+                          <p:cTn id="4" fill="hold">
+                            <p:stCondLst>
+                              <p:cond delay="0"/>
+                            </p:stCondLst>
+                            <p:childTnLst>
+                              <p:par>
+                                <p:cTn id="5" presetID="10" presetClass="entr" presetSubtype="0" fill="hold" nodeType="clickEffect">
+                                  <p:stCondLst>
+                                    <p:cond delay="0"/>
+                                  </p:stCondLst>
+                                  <p:childTnLst>
+                                    <p:set>
+                                      <p:cBhvr>
+                                        <p:cTn id="6" dur="1" fill="hold">
+                                          <p:stCondLst>
+                                            <p:cond delay="0"/>
+                                          </p:stCondLst>
+                                        </p:cTn>
+                                        <p:tgtEl>
+                                          <p:spTgt spid="247">
                                             <p:txEl>
                                               <p:pRg st="0" end="0"/>
                                             </p:txEl>
@@ -19677,33 +19878,18 @@
                                         <p:strVal val="visible"/>
                                       </p:to>
                                     </p:set>
-                                    <p:anim calcmode="lin" valueType="num">
-                                      <p:cBhvr additive="base">
+                                    <p:animEffect transition="in" filter="fade">
+                                      <p:cBhvr>
                                         <p:cTn id="7" dur="1000"/>
                                         <p:tgtEl>
-                                          <p:spTgt spid="118">
+                                          <p:spTgt spid="247">
                                             <p:txEl>
                                               <p:pRg st="0" end="0"/>
                                             </p:txEl>
                                           </p:spTgt>
                                         </p:tgtEl>
-                                        <p:attrNameLst>
-                                          <p:attrName>ppt_x</p:attrName>
-                                        </p:attrNameLst>
                                       </p:cBhvr>
-                                      <p:tavLst>
-                                        <p:tav tm="0">
-                                          <p:val>
-                                            <p:strVal val="#ppt_x+1"/>
-                                          </p:val>
-                                        </p:tav>
-                                        <p:tav tm="100000">
-                                          <p:val>
-                                            <p:strVal val="#ppt_x"/>
-                                          </p:val>
-                                        </p:tav>
-                                      </p:tavLst>
-                                    </p:anim>
+                                    </p:animEffect>
                                   </p:childTnLst>
                                 </p:cTn>
                               </p:par>
@@ -19726,7 +19912,7 @@
                             </p:stCondLst>
                             <p:childTnLst>
                               <p:par>
-                                <p:cTn id="10" presetID="2" presetClass="entr" presetSubtype="2" fill="hold" nodeType="clickEffect">
+                                <p:cTn id="10" presetID="10" presetClass="entr" presetSubtype="0" fill="hold" nodeType="clickEffect">
                                   <p:stCondLst>
                                     <p:cond delay="0"/>
                                   </p:stCondLst>
@@ -19739,7 +19925,7 @@
                                           </p:stCondLst>
                                         </p:cTn>
                                         <p:tgtEl>
-                                          <p:spTgt spid="118">
+                                          <p:spTgt spid="247">
                                             <p:txEl>
                                               <p:pRg st="1" end="1"/>
                                             </p:txEl>
@@ -19753,33 +19939,18 @@
                                         <p:strVal val="visible"/>
                                       </p:to>
                                     </p:set>
-                                    <p:anim calcmode="lin" valueType="num">
-                                      <p:cBhvr additive="base">
+                                    <p:animEffect transition="in" filter="fade">
+                                      <p:cBhvr>
                                         <p:cTn id="12" dur="1000"/>
                                         <p:tgtEl>
-                                          <p:spTgt spid="118">
+                                          <p:spTgt spid="247">
                                             <p:txEl>
                                               <p:pRg st="1" end="1"/>
                                             </p:txEl>
                                           </p:spTgt>
                                         </p:tgtEl>
-                                        <p:attrNameLst>
-                                          <p:attrName>ppt_x</p:attrName>
-                                        </p:attrNameLst>
                                       </p:cBhvr>
-                                      <p:tavLst>
-                                        <p:tav tm="0">
-                                          <p:val>
-                                            <p:strVal val="#ppt_x+1"/>
-                                          </p:val>
-                                        </p:tav>
-                                        <p:tav tm="100000">
-                                          <p:val>
-                                            <p:strVal val="#ppt_x"/>
-                                          </p:val>
-                                        </p:tav>
-                                      </p:tavLst>
-                                    </p:anim>
+                                    </p:animEffect>
                                   </p:childTnLst>
                                 </p:cTn>
                               </p:par>
@@ -19802,7 +19973,7 @@
                             </p:stCondLst>
                             <p:childTnLst>
                               <p:par>
-                                <p:cTn id="15" presetID="2" presetClass="entr" presetSubtype="2" fill="hold" nodeType="clickEffect">
+                                <p:cTn id="15" presetID="10" presetClass="entr" presetSubtype="0" fill="hold" nodeType="clickEffect">
                                   <p:stCondLst>
                                     <p:cond delay="0"/>
                                   </p:stCondLst>
@@ -19815,7 +19986,7 @@
                                           </p:stCondLst>
                                         </p:cTn>
                                         <p:tgtEl>
-                                          <p:spTgt spid="118">
+                                          <p:spTgt spid="247">
                                             <p:txEl>
                                               <p:pRg st="2" end="2"/>
                                             </p:txEl>
@@ -19829,33 +20000,18 @@
                                         <p:strVal val="visible"/>
                                       </p:to>
                                     </p:set>
-                                    <p:anim calcmode="lin" valueType="num">
-                                      <p:cBhvr additive="base">
+                                    <p:animEffect transition="in" filter="fade">
+                                      <p:cBhvr>
                                         <p:cTn id="17" dur="1000"/>
                                         <p:tgtEl>
-                                          <p:spTgt spid="118">
+                                          <p:spTgt spid="247">
                                             <p:txEl>
                                               <p:pRg st="2" end="2"/>
                                             </p:txEl>
                                           </p:spTgt>
                                         </p:tgtEl>
-                                        <p:attrNameLst>
-                                          <p:attrName>ppt_x</p:attrName>
-                                        </p:attrNameLst>
                                       </p:cBhvr>
-                                      <p:tavLst>
-                                        <p:tav tm="0">
-                                          <p:val>
-                                            <p:strVal val="#ppt_x+1"/>
-                                          </p:val>
-                                        </p:tav>
-                                        <p:tav tm="100000">
-                                          <p:val>
-                                            <p:strVal val="#ppt_x"/>
-                                          </p:val>
-                                        </p:tav>
-                                      </p:tavLst>
-                                    </p:anim>
+                                    </p:animEffect>
                                   </p:childTnLst>
                                 </p:cTn>
                               </p:par>
@@ -19878,7 +20034,7 @@
                             </p:stCondLst>
                             <p:childTnLst>
                               <p:par>
-                                <p:cTn id="20" presetID="2" presetClass="entr" presetSubtype="2" fill="hold" nodeType="clickEffect">
+                                <p:cTn id="20" presetID="10" presetClass="entr" presetSubtype="0" fill="hold" nodeType="clickEffect">
                                   <p:stCondLst>
                                     <p:cond delay="0"/>
                                   </p:stCondLst>
@@ -19891,7 +20047,7 @@
                                           </p:stCondLst>
                                         </p:cTn>
                                         <p:tgtEl>
-                                          <p:spTgt spid="118">
+                                          <p:spTgt spid="247">
                                             <p:txEl>
                                               <p:pRg st="3" end="3"/>
                                             </p:txEl>
@@ -19905,33 +20061,18 @@
                                         <p:strVal val="visible"/>
                                       </p:to>
                                     </p:set>
-                                    <p:anim calcmode="lin" valueType="num">
-                                      <p:cBhvr additive="base">
+                                    <p:animEffect transition="in" filter="fade">
+                                      <p:cBhvr>
                                         <p:cTn id="22" dur="1000"/>
                                         <p:tgtEl>
-                                          <p:spTgt spid="118">
+                                          <p:spTgt spid="247">
                                             <p:txEl>
                                               <p:pRg st="3" end="3"/>
                                             </p:txEl>
                                           </p:spTgt>
                                         </p:tgtEl>
-                                        <p:attrNameLst>
-                                          <p:attrName>ppt_x</p:attrName>
-                                        </p:attrNameLst>
                                       </p:cBhvr>
-                                      <p:tavLst>
-                                        <p:tav tm="0">
-                                          <p:val>
-                                            <p:strVal val="#ppt_x+1"/>
-                                          </p:val>
-                                        </p:tav>
-                                        <p:tav tm="100000">
-                                          <p:val>
-                                            <p:strVal val="#ppt_x"/>
-                                          </p:val>
-                                        </p:tav>
-                                      </p:tavLst>
-                                    </p:anim>
+                                    </p:animEffect>
                                   </p:childTnLst>
                                 </p:cTn>
                               </p:par>
@@ -19954,7 +20095,7 @@
                             </p:stCondLst>
                             <p:childTnLst>
                               <p:par>
-                                <p:cTn id="25" presetID="2" presetClass="entr" presetSubtype="2" fill="hold" nodeType="clickEffect">
+                                <p:cTn id="25" presetID="10" presetClass="entr" presetSubtype="0" fill="hold" nodeType="clickEffect">
                                   <p:stCondLst>
                                     <p:cond delay="0"/>
                                   </p:stCondLst>
@@ -19967,7 +20108,7 @@
                                           </p:stCondLst>
                                         </p:cTn>
                                         <p:tgtEl>
-                                          <p:spTgt spid="118">
+                                          <p:spTgt spid="247">
                                             <p:txEl>
                                               <p:pRg st="4" end="4"/>
                                             </p:txEl>
@@ -19981,33 +20122,18 @@
                                         <p:strVal val="visible"/>
                                       </p:to>
                                     </p:set>
-                                    <p:anim calcmode="lin" valueType="num">
-                                      <p:cBhvr additive="base">
+                                    <p:animEffect transition="in" filter="fade">
+                                      <p:cBhvr>
                                         <p:cTn id="27" dur="1000"/>
                                         <p:tgtEl>
-                                          <p:spTgt spid="118">
+                                          <p:spTgt spid="247">
                                             <p:txEl>
                                               <p:pRg st="4" end="4"/>
                                             </p:txEl>
                                           </p:spTgt>
                                         </p:tgtEl>
-                                        <p:attrNameLst>
-                                          <p:attrName>ppt_x</p:attrName>
-                                        </p:attrNameLst>
                                       </p:cBhvr>
-                                      <p:tavLst>
-                                        <p:tav tm="0">
-                                          <p:val>
-                                            <p:strVal val="#ppt_x+1"/>
-                                          </p:val>
-                                        </p:tav>
-                                        <p:tav tm="100000">
-                                          <p:val>
-                                            <p:strVal val="#ppt_x"/>
-                                          </p:val>
-                                        </p:tav>
-                                      </p:tavLst>
-                                    </p:anim>
+                                    </p:animEffect>
                                   </p:childTnLst>
                                 </p:cTn>
                               </p:par>
@@ -20030,7 +20156,7 @@
                             </p:stCondLst>
                             <p:childTnLst>
                               <p:par>
-                                <p:cTn id="30" presetID="2" presetClass="entr" presetSubtype="2" fill="hold" nodeType="clickEffect">
+                                <p:cTn id="30" presetID="10" presetClass="entr" presetSubtype="0" fill="hold" nodeType="clickEffect">
                                   <p:stCondLst>
                                     <p:cond delay="0"/>
                                   </p:stCondLst>
@@ -20043,7 +20169,7 @@
                                           </p:stCondLst>
                                         </p:cTn>
                                         <p:tgtEl>
-                                          <p:spTgt spid="118">
+                                          <p:spTgt spid="247">
                                             <p:txEl>
                                               <p:pRg st="5" end="5"/>
                                             </p:txEl>
@@ -20057,33 +20183,18 @@
                                         <p:strVal val="visible"/>
                                       </p:to>
                                     </p:set>
-                                    <p:anim calcmode="lin" valueType="num">
-                                      <p:cBhvr additive="base">
+                                    <p:animEffect transition="in" filter="fade">
+                                      <p:cBhvr>
                                         <p:cTn id="32" dur="1000"/>
                                         <p:tgtEl>
-                                          <p:spTgt spid="118">
+                                          <p:spTgt spid="247">
                                             <p:txEl>
                                               <p:pRg st="5" end="5"/>
                                             </p:txEl>
                                           </p:spTgt>
                                         </p:tgtEl>
-                                        <p:attrNameLst>
-                                          <p:attrName>ppt_x</p:attrName>
-                                        </p:attrNameLst>
                                       </p:cBhvr>
-                                      <p:tavLst>
-                                        <p:tav tm="0">
-                                          <p:val>
-                                            <p:strVal val="#ppt_x+1"/>
-                                          </p:val>
-                                        </p:tav>
-                                        <p:tav tm="100000">
-                                          <p:val>
-                                            <p:strVal val="#ppt_x"/>
-                                          </p:val>
-                                        </p:tav>
-                                      </p:tavLst>
-                                    </p:anim>
+                                    </p:animEffect>
                                   </p:childTnLst>
                                 </p:cTn>
                               </p:par>
@@ -20106,7 +20217,7 @@
                             </p:stCondLst>
                             <p:childTnLst>
                               <p:par>
-                                <p:cTn id="35" presetID="2" presetClass="entr" presetSubtype="2" fill="hold" nodeType="clickEffect">
+                                <p:cTn id="35" presetID="10" presetClass="entr" presetSubtype="0" fill="hold" nodeType="clickEffect">
                                   <p:stCondLst>
                                     <p:cond delay="0"/>
                                   </p:stCondLst>
@@ -20119,7 +20230,7 @@
                                           </p:stCondLst>
                                         </p:cTn>
                                         <p:tgtEl>
-                                          <p:spTgt spid="118">
+                                          <p:spTgt spid="247">
                                             <p:txEl>
                                               <p:pRg st="6" end="6"/>
                                             </p:txEl>
@@ -20133,33 +20244,18 @@
                                         <p:strVal val="visible"/>
                                       </p:to>
                                     </p:set>
-                                    <p:anim calcmode="lin" valueType="num">
-                                      <p:cBhvr additive="base">
+                                    <p:animEffect transition="in" filter="fade">
+                                      <p:cBhvr>
                                         <p:cTn id="37" dur="1000"/>
                                         <p:tgtEl>
-                                          <p:spTgt spid="118">
+                                          <p:spTgt spid="247">
                                             <p:txEl>
                                               <p:pRg st="6" end="6"/>
                                             </p:txEl>
                                           </p:spTgt>
                                         </p:tgtEl>
-                                        <p:attrNameLst>
-                                          <p:attrName>ppt_x</p:attrName>
-                                        </p:attrNameLst>
                                       </p:cBhvr>
-                                      <p:tavLst>
-                                        <p:tav tm="0">
-                                          <p:val>
-                                            <p:strVal val="#ppt_x+1"/>
-                                          </p:val>
-                                        </p:tav>
-                                        <p:tav tm="100000">
-                                          <p:val>
-                                            <p:strVal val="#ppt_x"/>
-                                          </p:val>
-                                        </p:tav>
-                                      </p:tavLst>
-                                    </p:anim>
+                                    </p:animEffect>
                                   </p:childTnLst>
                                 </p:cTn>
                               </p:par>
@@ -20182,7 +20278,7 @@
                             </p:stCondLst>
                             <p:childTnLst>
                               <p:par>
-                                <p:cTn id="40" presetID="2" presetClass="entr" presetSubtype="2" fill="hold" nodeType="clickEffect">
+                                <p:cTn id="40" presetID="10" presetClass="entr" presetSubtype="0" fill="hold" nodeType="clickEffect">
                                   <p:stCondLst>
                                     <p:cond delay="0"/>
                                   </p:stCondLst>
@@ -20195,7 +20291,7 @@
                                           </p:stCondLst>
                                         </p:cTn>
                                         <p:tgtEl>
-                                          <p:spTgt spid="118">
+                                          <p:spTgt spid="247">
                                             <p:txEl>
                                               <p:pRg st="7" end="7"/>
                                             </p:txEl>
@@ -20209,33 +20305,18 @@
                                         <p:strVal val="visible"/>
                                       </p:to>
                                     </p:set>
-                                    <p:anim calcmode="lin" valueType="num">
-                                      <p:cBhvr additive="base">
+                                    <p:animEffect transition="in" filter="fade">
+                                      <p:cBhvr>
                                         <p:cTn id="42" dur="1000"/>
                                         <p:tgtEl>
-                                          <p:spTgt spid="118">
+                                          <p:spTgt spid="247">
                                             <p:txEl>
                                               <p:pRg st="7" end="7"/>
                                             </p:txEl>
                                           </p:spTgt>
                                         </p:tgtEl>
-                                        <p:attrNameLst>
-                                          <p:attrName>ppt_x</p:attrName>
-                                        </p:attrNameLst>
                                       </p:cBhvr>
-                                      <p:tavLst>
-                                        <p:tav tm="0">
-                                          <p:val>
-                                            <p:strVal val="#ppt_x+1"/>
-                                          </p:val>
-                                        </p:tav>
-                                        <p:tav tm="100000">
-                                          <p:val>
-                                            <p:strVal val="#ppt_x"/>
-                                          </p:val>
-                                        </p:tav>
-                                      </p:tavLst>
-                                    </p:anim>
+                                    </p:animEffect>
                                   </p:childTnLst>
                                 </p:cTn>
                               </p:par>
@@ -20258,7 +20339,7 @@
                             </p:stCondLst>
                             <p:childTnLst>
                               <p:par>
-                                <p:cTn id="45" presetID="2" presetClass="entr" presetSubtype="2" fill="hold" nodeType="clickEffect">
+                                <p:cTn id="45" presetID="10" presetClass="entr" presetSubtype="0" fill="hold" nodeType="clickEffect">
                                   <p:stCondLst>
                                     <p:cond delay="0"/>
                                   </p:stCondLst>
@@ -20271,7 +20352,7 @@
                                           </p:stCondLst>
                                         </p:cTn>
                                         <p:tgtEl>
-                                          <p:spTgt spid="118">
+                                          <p:spTgt spid="247">
                                             <p:txEl>
                                               <p:pRg st="8" end="8"/>
                                             </p:txEl>
@@ -20285,33 +20366,18 @@
                                         <p:strVal val="visible"/>
                                       </p:to>
                                     </p:set>
-                                    <p:anim calcmode="lin" valueType="num">
-                                      <p:cBhvr additive="base">
+                                    <p:animEffect transition="in" filter="fade">
+                                      <p:cBhvr>
                                         <p:cTn id="47" dur="1000"/>
                                         <p:tgtEl>
-                                          <p:spTgt spid="118">
+                                          <p:spTgt spid="247">
                                             <p:txEl>
                                               <p:pRg st="8" end="8"/>
                                             </p:txEl>
                                           </p:spTgt>
                                         </p:tgtEl>
-                                        <p:attrNameLst>
-                                          <p:attrName>ppt_x</p:attrName>
-                                        </p:attrNameLst>
                                       </p:cBhvr>
-                                      <p:tavLst>
-                                        <p:tav tm="0">
-                                          <p:val>
-                                            <p:strVal val="#ppt_x+1"/>
-                                          </p:val>
-                                        </p:tav>
-                                        <p:tav tm="100000">
-                                          <p:val>
-                                            <p:strVal val="#ppt_x"/>
-                                          </p:val>
-                                        </p:tav>
-                                      </p:tavLst>
-                                    </p:anim>
+                                    </p:animEffect>
                                   </p:childTnLst>
                                 </p:cTn>
                               </p:par>
@@ -20334,7 +20400,7 @@
                             </p:stCondLst>
                             <p:childTnLst>
                               <p:par>
-                                <p:cTn id="50" presetID="2" presetClass="entr" presetSubtype="2" fill="hold" nodeType="clickEffect">
+                                <p:cTn id="50" presetID="10" presetClass="entr" presetSubtype="0" fill="hold" nodeType="clickEffect">
                                   <p:stCondLst>
                                     <p:cond delay="0"/>
                                   </p:stCondLst>
@@ -20347,7 +20413,7 @@
                                           </p:stCondLst>
                                         </p:cTn>
                                         <p:tgtEl>
-                                          <p:spTgt spid="118">
+                                          <p:spTgt spid="247">
                                             <p:txEl>
                                               <p:pRg st="9" end="9"/>
                                             </p:txEl>
@@ -20361,33 +20427,18 @@
                                         <p:strVal val="visible"/>
                                       </p:to>
                                     </p:set>
-                                    <p:anim calcmode="lin" valueType="num">
-                                      <p:cBhvr additive="base">
+                                    <p:animEffect transition="in" filter="fade">
+                                      <p:cBhvr>
                                         <p:cTn id="52" dur="1000"/>
                                         <p:tgtEl>
-                                          <p:spTgt spid="118">
+                                          <p:spTgt spid="247">
                                             <p:txEl>
                                               <p:pRg st="9" end="9"/>
                                             </p:txEl>
                                           </p:spTgt>
                                         </p:tgtEl>
-                                        <p:attrNameLst>
-                                          <p:attrName>ppt_x</p:attrName>
-                                        </p:attrNameLst>
                                       </p:cBhvr>
-                                      <p:tavLst>
-                                        <p:tav tm="0">
-                                          <p:val>
-                                            <p:strVal val="#ppt_x+1"/>
-                                          </p:val>
-                                        </p:tav>
-                                        <p:tav tm="100000">
-                                          <p:val>
-                                            <p:strVal val="#ppt_x"/>
-                                          </p:val>
-                                        </p:tav>
-                                      </p:tavLst>
-                                    </p:anim>
+                                    </p:animEffect>
                                   </p:childTnLst>
                                 </p:cTn>
                               </p:par>
@@ -20410,7 +20461,7 @@
                             </p:stCondLst>
                             <p:childTnLst>
                               <p:par>
-                                <p:cTn id="55" presetID="2" presetClass="entr" presetSubtype="2" fill="hold" nodeType="clickEffect">
+                                <p:cTn id="55" presetID="10" presetClass="entr" presetSubtype="0" fill="hold" nodeType="clickEffect">
                                   <p:stCondLst>
                                     <p:cond delay="0"/>
                                   </p:stCondLst>
@@ -20423,7 +20474,7 @@
                                           </p:stCondLst>
                                         </p:cTn>
                                         <p:tgtEl>
-                                          <p:spTgt spid="118">
+                                          <p:spTgt spid="247">
                                             <p:txEl>
                                               <p:pRg st="10" end="10"/>
                                             </p:txEl>
@@ -20437,33 +20488,18 @@
                                         <p:strVal val="visible"/>
                                       </p:to>
                                     </p:set>
-                                    <p:anim calcmode="lin" valueType="num">
-                                      <p:cBhvr additive="base">
+                                    <p:animEffect transition="in" filter="fade">
+                                      <p:cBhvr>
                                         <p:cTn id="57" dur="1000"/>
                                         <p:tgtEl>
-                                          <p:spTgt spid="118">
+                                          <p:spTgt spid="247">
                                             <p:txEl>
                                               <p:pRg st="10" end="10"/>
                                             </p:txEl>
                                           </p:spTgt>
                                         </p:tgtEl>
-                                        <p:attrNameLst>
-                                          <p:attrName>ppt_x</p:attrName>
-                                        </p:attrNameLst>
                                       </p:cBhvr>
-                                      <p:tavLst>
-                                        <p:tav tm="0">
-                                          <p:val>
-                                            <p:strVal val="#ppt_x+1"/>
-                                          </p:val>
-                                        </p:tav>
-                                        <p:tav tm="100000">
-                                          <p:val>
-                                            <p:strVal val="#ppt_x"/>
-                                          </p:val>
-                                        </p:tav>
-                                      </p:tavLst>
-                                    </p:anim>
+                                    </p:animEffect>
                                   </p:childTnLst>
                                 </p:cTn>
                               </p:par>
@@ -20486,7 +20522,7 @@
                             </p:stCondLst>
                             <p:childTnLst>
                               <p:par>
-                                <p:cTn id="60" presetID="2" presetClass="entr" presetSubtype="2" fill="hold" nodeType="clickEffect">
+                                <p:cTn id="60" presetID="10" presetClass="entr" presetSubtype="0" fill="hold" nodeType="clickEffect">
                                   <p:stCondLst>
                                     <p:cond delay="0"/>
                                   </p:stCondLst>
@@ -20499,7 +20535,7 @@
                                           </p:stCondLst>
                                         </p:cTn>
                                         <p:tgtEl>
-                                          <p:spTgt spid="118">
+                                          <p:spTgt spid="247">
                                             <p:txEl>
                                               <p:pRg st="11" end="11"/>
                                             </p:txEl>
@@ -20513,33 +20549,140 @@
                                         <p:strVal val="visible"/>
                                       </p:to>
                                     </p:set>
-                                    <p:anim calcmode="lin" valueType="num">
-                                      <p:cBhvr additive="base">
+                                    <p:animEffect transition="in" filter="fade">
+                                      <p:cBhvr>
                                         <p:cTn id="62" dur="1000"/>
                                         <p:tgtEl>
-                                          <p:spTgt spid="118">
+                                          <p:spTgt spid="247">
                                             <p:txEl>
                                               <p:pRg st="11" end="11"/>
                                             </p:txEl>
                                           </p:spTgt>
                                         </p:tgtEl>
+                                      </p:cBhvr>
+                                    </p:animEffect>
+                                  </p:childTnLst>
+                                </p:cTn>
+                              </p:par>
+                            </p:childTnLst>
+                          </p:cTn>
+                        </p:par>
+                      </p:childTnLst>
+                    </p:cTn>
+                  </p:par>
+                  <p:par>
+                    <p:cTn id="63" fill="hold">
+                      <p:stCondLst>
+                        <p:cond delay="indefinite"/>
+                      </p:stCondLst>
+                      <p:childTnLst>
+                        <p:par>
+                          <p:cTn id="64" fill="hold">
+                            <p:stCondLst>
+                              <p:cond delay="0"/>
+                            </p:stCondLst>
+                            <p:childTnLst>
+                              <p:par>
+                                <p:cTn id="65" presetID="10" presetClass="entr" presetSubtype="0" fill="hold" nodeType="clickEffect">
+                                  <p:stCondLst>
+                                    <p:cond delay="0"/>
+                                  </p:stCondLst>
+                                  <p:childTnLst>
+                                    <p:set>
+                                      <p:cBhvr>
+                                        <p:cTn id="66" dur="1" fill="hold">
+                                          <p:stCondLst>
+                                            <p:cond delay="0"/>
+                                          </p:stCondLst>
+                                        </p:cTn>
+                                        <p:tgtEl>
+                                          <p:spTgt spid="247">
+                                            <p:txEl>
+                                              <p:pRg st="12" end="12"/>
+                                            </p:txEl>
+                                          </p:spTgt>
+                                        </p:tgtEl>
                                         <p:attrNameLst>
-                                          <p:attrName>ppt_x</p:attrName>
+                                          <p:attrName>style.visibility</p:attrName>
                                         </p:attrNameLst>
                                       </p:cBhvr>
-                                      <p:tavLst>
-                                        <p:tav tm="0">
-                                          <p:val>
-                                            <p:strVal val="#ppt_x+1"/>
-                                          </p:val>
-                                        </p:tav>
-                                        <p:tav tm="100000">
-                                          <p:val>
-                                            <p:strVal val="#ppt_x"/>
-                                          </p:val>
-                                        </p:tav>
-                                      </p:tavLst>
-                                    </p:anim>
+                                      <p:to>
+                                        <p:strVal val="visible"/>
+                                      </p:to>
+                                    </p:set>
+                                    <p:animEffect transition="in" filter="fade">
+                                      <p:cBhvr>
+                                        <p:cTn id="67" dur="1000"/>
+                                        <p:tgtEl>
+                                          <p:spTgt spid="247">
+                                            <p:txEl>
+                                              <p:pRg st="12" end="12"/>
+                                            </p:txEl>
+                                          </p:spTgt>
+                                        </p:tgtEl>
+                                      </p:cBhvr>
+                                    </p:animEffect>
+                                  </p:childTnLst>
+                                </p:cTn>
+                              </p:par>
+                            </p:childTnLst>
+                          </p:cTn>
+                        </p:par>
+                      </p:childTnLst>
+                    </p:cTn>
+                  </p:par>
+                  <p:par>
+                    <p:cTn id="68" fill="hold">
+                      <p:stCondLst>
+                        <p:cond delay="indefinite"/>
+                      </p:stCondLst>
+                      <p:childTnLst>
+                        <p:par>
+                          <p:cTn id="69" fill="hold">
+                            <p:stCondLst>
+                              <p:cond delay="0"/>
+                            </p:stCondLst>
+                            <p:childTnLst>
+                              <p:par>
+                                <p:cTn id="70" presetID="10" presetClass="entr" presetSubtype="0" fill="hold" nodeType="clickEffect">
+                                  <p:stCondLst>
+                                    <p:cond delay="0"/>
+                                  </p:stCondLst>
+                                  <p:childTnLst>
+                                    <p:set>
+                                      <p:cBhvr>
+                                        <p:cTn id="71" dur="1" fill="hold">
+                                          <p:stCondLst>
+                                            <p:cond delay="0"/>
+                                          </p:stCondLst>
+                                        </p:cTn>
+                                        <p:tgtEl>
+                                          <p:spTgt spid="247">
+                                            <p:txEl>
+                                              <p:pRg st="13" end="13"/>
+                                            </p:txEl>
+                                          </p:spTgt>
+                                        </p:tgtEl>
+                                        <p:attrNameLst>
+                                          <p:attrName>style.visibility</p:attrName>
+                                        </p:attrNameLst>
+                                      </p:cBhvr>
+                                      <p:to>
+                                        <p:strVal val="visible"/>
+                                      </p:to>
+                                    </p:set>
+                                    <p:animEffect transition="in" filter="fade">
+                                      <p:cBhvr>
+                                        <p:cTn id="72" dur="1000"/>
+                                        <p:tgtEl>
+                                          <p:spTgt spid="247">
+                                            <p:txEl>
+                                              <p:pRg st="13" end="13"/>
+                                            </p:txEl>
+                                          </p:spTgt>
+                                        </p:tgtEl>
+                                      </p:cBhvr>
+                                    </p:animEffect>
                                   </p:childTnLst>
                                 </p:cTn>
                               </p:par>
@@ -20579,7 +20722,7 @@
   <p:cSld>
     <p:spTree>
       <p:nvGrpSpPr>
-        <p:cNvPr id="1" name="Shape 232"/>
+        <p:cNvPr id="1" name="Shape 251"/>
         <p:cNvGrpSpPr/>
         <p:nvPr/>
       </p:nvGrpSpPr>
@@ -20593,7 +20736,7 @@
       </p:grpSpPr>
       <p:pic>
         <p:nvPicPr>
-          <p:cNvPr id="233" name="Shape 233"/>
+          <p:cNvPr id="252" name="Shape 252"/>
           <p:cNvPicPr preferRelativeResize="0"/>
           <p:nvPr/>
         </p:nvPicPr>
@@ -20620,14 +20763,14 @@
       </p:pic>
       <p:sp>
         <p:nvSpPr>
-          <p:cNvPr id="234" name="Shape 234"/>
+          <p:cNvPr id="253" name="Shape 253"/>
           <p:cNvSpPr txBox="1"/>
           <p:nvPr/>
         </p:nvSpPr>
         <p:spPr>
           <a:xfrm>
             <a:off x="462087" y="4490048"/>
-            <a:ext cx="5132597" cy="1937086"/>
+            <a:ext cx="5132596" cy="1937085"/>
           </a:xfrm>
           <a:prstGeom prst="rect">
             <a:avLst/>
@@ -20661,7 +20804,7 @@
               <a:buNone/>
             </a:pPr>
             <a:r>
-              <a:rPr lang="en-US" sz="2400" b="0" i="0" u="none" strike="noStrike" cap="none" dirty="0">
+              <a:rPr lang="en-US" sz="2400" b="0" i="0" u="none" strike="noStrike" cap="none">
                 <a:solidFill>
                   <a:schemeClr val="dk1"/>
                 </a:solidFill>
@@ -20670,19 +20813,7 @@
                 <a:cs typeface="Calibri"/>
                 <a:sym typeface="Calibri"/>
               </a:rPr>
-              <a:t>Thanks for watching and listening</a:t>
-            </a:r>
-            <a:r>
-              <a:rPr lang="en-US" sz="2400" b="0" i="0" u="none" strike="noStrike" cap="none" dirty="0" smtClean="0">
-                <a:solidFill>
-                  <a:schemeClr val="dk1"/>
-                </a:solidFill>
-                <a:latin typeface="Calibri"/>
-                <a:ea typeface="Calibri"/>
-                <a:cs typeface="Calibri"/>
-                <a:sym typeface="Calibri"/>
-              </a:rPr>
-              <a:t>.</a:t>
+              <a:t>Thanks for watching and listening.</a:t>
             </a:r>
           </a:p>
           <a:p>
@@ -20704,7 +20835,7 @@
               <a:buNone/>
             </a:pPr>
             <a:r>
-              <a:rPr lang="en-US" sz="2400" dirty="0" smtClean="0">
+              <a:rPr lang="en-US" sz="2400" b="0" i="0" u="none" strike="noStrike" cap="none">
                 <a:solidFill>
                   <a:schemeClr val="dk1"/>
                 </a:solidFill>
@@ -20713,47 +20844,14 @@
                 <a:cs typeface="Calibri"/>
                 <a:sym typeface="Calibri"/>
               </a:rPr>
-              <a:t>Any </a:t>
+              <a:t>Any questions?</a:t>
             </a:r>
-            <a:r>
-              <a:rPr lang="en-US" sz="2400" dirty="0" smtClean="0">
-                <a:solidFill>
-                  <a:schemeClr val="dk1"/>
-                </a:solidFill>
-                <a:latin typeface="Calibri"/>
-                <a:ea typeface="Calibri"/>
-                <a:cs typeface="Calibri"/>
-                <a:sym typeface="Calibri"/>
-              </a:rPr>
-              <a:t>questions</a:t>
-            </a:r>
-            <a:r>
-              <a:rPr lang="en-US" sz="2400" dirty="0" smtClean="0">
-                <a:solidFill>
-                  <a:schemeClr val="dk1"/>
-                </a:solidFill>
-                <a:latin typeface="Calibri"/>
-                <a:ea typeface="Calibri"/>
-                <a:cs typeface="Calibri"/>
-                <a:sym typeface="Calibri"/>
-              </a:rPr>
-              <a:t>?</a:t>
-            </a:r>
-            <a:endParaRPr lang="en-US" sz="2400" b="0" i="0" u="none" strike="noStrike" cap="none" dirty="0">
-              <a:solidFill>
-                <a:schemeClr val="dk1"/>
-              </a:solidFill>
-              <a:latin typeface="Calibri"/>
-              <a:ea typeface="Calibri"/>
-              <a:cs typeface="Calibri"/>
-              <a:sym typeface="Calibri"/>
-            </a:endParaRPr>
           </a:p>
         </p:txBody>
       </p:sp>
       <p:sp>
         <p:nvSpPr>
-          <p:cNvPr id="235" name="Shape 235"/>
+          <p:cNvPr id="254" name="Shape 254"/>
           <p:cNvSpPr txBox="1"/>
           <p:nvPr/>
         </p:nvSpPr>
@@ -20794,7 +20892,7 @@
               <a:buNone/>
             </a:pPr>
             <a:r>
-              <a:rPr lang="en-US" sz="7200" b="0" i="0" u="none" strike="noStrike" cap="none" dirty="0">
+              <a:rPr lang="en-US" sz="7200" b="0" i="0" u="none" strike="noStrike" cap="none">
                 <a:solidFill>
                   <a:schemeClr val="dk1"/>
                 </a:solidFill>
@@ -20825,7 +20923,7 @@
               <a:buNone/>
             </a:pPr>
             <a:r>
-              <a:rPr lang="en-US" sz="7200" b="0" i="0" u="none" strike="noStrike" cap="none" dirty="0">
+              <a:rPr lang="en-US" sz="7200" b="0" i="0" u="none" strike="noStrike" cap="none">
                 <a:solidFill>
                   <a:schemeClr val="dk1"/>
                 </a:solidFill>
@@ -20844,13 +20942,13 @@
   <p:clrMapOvr>
     <a:masterClrMapping/>
   </p:clrMapOvr>
-  <mc:AlternateContent xmlns:mc="http://schemas.openxmlformats.org/markup-compatibility/2006" xmlns:p15="http://schemas.microsoft.com/office/powerpoint/2012/main">
-    <mc:Choice Requires="p15">
+  <mc:AlternateContent xmlns:mc="http://schemas.openxmlformats.org/markup-compatibility/2006">
+    <mc:Choice xmlns:p15="http://schemas.microsoft.com/office/powerpoint/2012/main" Requires="p15">
       <p:transition xmlns:p14="http://schemas.microsoft.com/office/powerpoint/2010/main" spd="slow" p14:dur="6000">
         <p15:prstTrans prst="curtains"/>
       </p:transition>
     </mc:Choice>
-    <mc:Fallback xmlns="">
+    <mc:Fallback>
       <p:transition spd="slow">
         <p:fade/>
       </p:transition>
@@ -20987,7 +21085,7 @@
               <a:buChar char="▪"/>
             </a:pPr>
             <a:r>
-              <a:rPr lang="en-US" sz="2400" b="0" i="0" u="none" strike="noStrike" cap="none" dirty="0">
+              <a:rPr lang="en-US" sz="2400" b="0" i="0" u="none" strike="noStrike" cap="none">
                 <a:solidFill>
                   <a:schemeClr val="dk1"/>
                 </a:solidFill>
@@ -21018,7 +21116,7 @@
               <a:buChar char="▪"/>
             </a:pPr>
             <a:r>
-              <a:rPr lang="en-US" sz="2400" b="0" i="0" u="none" strike="noStrike" cap="none" dirty="0">
+              <a:rPr lang="en-US" sz="2400" b="0" i="0" u="none" strike="noStrike" cap="none">
                 <a:solidFill>
                   <a:schemeClr val="dk1"/>
                 </a:solidFill>
@@ -21027,29 +21125,8 @@
                 <a:cs typeface="Calibri"/>
                 <a:sym typeface="Calibri"/>
               </a:rPr>
-              <a:t>Database </a:t>
+              <a:t>Database Description and Details</a:t>
             </a:r>
-            <a:r>
-              <a:rPr lang="en-US" sz="2400" b="0" i="0" u="none" strike="noStrike" cap="none" dirty="0" smtClean="0">
-                <a:solidFill>
-                  <a:schemeClr val="dk1"/>
-                </a:solidFill>
-                <a:latin typeface="Calibri"/>
-                <a:ea typeface="Calibri"/>
-                <a:cs typeface="Calibri"/>
-                <a:sym typeface="Calibri"/>
-              </a:rPr>
-              <a:t>Description and Details</a:t>
-            </a:r>
-            <a:endParaRPr lang="en-US" sz="2400" b="0" i="0" u="none" strike="noStrike" cap="none" dirty="0">
-              <a:solidFill>
-                <a:schemeClr val="dk1"/>
-              </a:solidFill>
-              <a:latin typeface="Calibri"/>
-              <a:ea typeface="Calibri"/>
-              <a:cs typeface="Calibri"/>
-              <a:sym typeface="Calibri"/>
-            </a:endParaRPr>
           </a:p>
           <a:p>
             <a:pPr marL="274320" marR="0" lvl="0" indent="-274320" algn="l" rtl="0">
@@ -21070,7 +21147,7 @@
               <a:buChar char="▪"/>
             </a:pPr>
             <a:r>
-              <a:rPr lang="en-US" sz="2400" b="0" i="0" u="none" strike="noStrike" cap="none" dirty="0">
+              <a:rPr lang="en-US" sz="2400" b="0" i="0" u="none" strike="noStrike" cap="none">
                 <a:solidFill>
                   <a:schemeClr val="dk1"/>
                 </a:solidFill>
@@ -21101,7 +21178,7 @@
               <a:buChar char="▪"/>
             </a:pPr>
             <a:r>
-              <a:rPr lang="en-US" sz="2400" b="0" i="0" u="none" strike="noStrike" cap="none" dirty="0">
+              <a:rPr lang="en-US" sz="2400" b="0" i="0" u="none" strike="noStrike" cap="none">
                 <a:solidFill>
                   <a:schemeClr val="dk1"/>
                 </a:solidFill>
@@ -21110,10 +21187,29 @@
                 <a:cs typeface="Calibri"/>
                 <a:sym typeface="Calibri"/>
               </a:rPr>
-              <a:t>Program </a:t>
+              <a:t>Program Demonstration</a:t>
             </a:r>
+          </a:p>
+          <a:p>
+            <a:pPr marL="274320" marR="0" lvl="0" indent="-274320" algn="l" rtl="0">
+              <a:lnSpc>
+                <a:spcPct val="90000"/>
+              </a:lnSpc>
+              <a:spcBef>
+                <a:spcPts val="1800"/>
+              </a:spcBef>
+              <a:spcAft>
+                <a:spcPts val="0"/>
+              </a:spcAft>
+              <a:buClr>
+                <a:schemeClr val="dk1"/>
+              </a:buClr>
+              <a:buSzPct val="100000"/>
+              <a:buFont typeface="Arial"/>
+              <a:buChar char="▪"/>
+            </a:pPr>
             <a:r>
-              <a:rPr lang="en-US" sz="2400" b="0" i="0" u="none" strike="noStrike" cap="none" dirty="0" smtClean="0">
+              <a:rPr lang="en-US" sz="2400" b="0" i="0" u="none" strike="noStrike" cap="none">
                 <a:solidFill>
                   <a:schemeClr val="dk1"/>
                 </a:solidFill>
@@ -21122,9 +21218,59 @@
                 <a:cs typeface="Calibri"/>
                 <a:sym typeface="Calibri"/>
               </a:rPr>
-              <a:t>Demonstration</a:t>
+              <a:t>Technology and Tools</a:t>
             </a:r>
-            <a:endParaRPr lang="en-US" sz="2400" b="0" i="0" u="none" strike="noStrike" cap="none" dirty="0">
+          </a:p>
+          <a:p>
+            <a:pPr marL="274320" marR="0" lvl="0" indent="-274320" algn="l" rtl="0">
+              <a:lnSpc>
+                <a:spcPct val="90000"/>
+              </a:lnSpc>
+              <a:spcBef>
+                <a:spcPts val="1800"/>
+              </a:spcBef>
+              <a:spcAft>
+                <a:spcPts val="0"/>
+              </a:spcAft>
+              <a:buClr>
+                <a:schemeClr val="dk1"/>
+              </a:buClr>
+              <a:buSzPct val="100000"/>
+              <a:buFont typeface="Arial"/>
+              <a:buChar char="▪"/>
+            </a:pPr>
+            <a:r>
+              <a:rPr lang="en-US" sz="2400" b="0" i="0" u="none" strike="noStrike" cap="none">
+                <a:solidFill>
+                  <a:schemeClr val="dk1"/>
+                </a:solidFill>
+                <a:latin typeface="Calibri"/>
+                <a:ea typeface="Calibri"/>
+                <a:cs typeface="Calibri"/>
+                <a:sym typeface="Calibri"/>
+              </a:rPr>
+              <a:t>Future Improvements</a:t>
+            </a:r>
+          </a:p>
+          <a:p>
+            <a:pPr marL="274320" marR="0" lvl="0" indent="-274320" algn="l" rtl="0">
+              <a:lnSpc>
+                <a:spcPct val="90000"/>
+              </a:lnSpc>
+              <a:spcBef>
+                <a:spcPts val="1800"/>
+              </a:spcBef>
+              <a:spcAft>
+                <a:spcPts val="0"/>
+              </a:spcAft>
+              <a:buClr>
+                <a:schemeClr val="dk1"/>
+              </a:buClr>
+              <a:buSzPct val="100000"/>
+              <a:buFont typeface="Arial"/>
+              <a:buNone/>
+            </a:pPr>
+            <a:endParaRPr sz="2400" b="0" i="0" u="none" strike="noStrike" cap="none">
               <a:solidFill>
                 <a:schemeClr val="dk1"/>
               </a:solidFill>
@@ -21152,7 +21298,7 @@
               <a:buFont typeface="Arial"/>
               <a:buNone/>
             </a:pPr>
-            <a:endParaRPr sz="2400" b="0" i="0" u="none" strike="noStrike" cap="none" dirty="0">
+            <a:endParaRPr sz="2400" b="0" i="0" u="none" strike="noStrike" cap="none">
               <a:solidFill>
                 <a:schemeClr val="dk1"/>
               </a:solidFill>
@@ -21169,13 +21315,13 @@
   <p:clrMapOvr>
     <a:masterClrMapping/>
   </p:clrMapOvr>
-  <mc:AlternateContent xmlns:mc="http://schemas.openxmlformats.org/markup-compatibility/2006" xmlns:p15="http://schemas.microsoft.com/office/powerpoint/2012/main">
-    <mc:Choice Requires="p15">
+  <mc:AlternateContent xmlns:mc="http://schemas.openxmlformats.org/markup-compatibility/2006">
+    <mc:Choice xmlns:p15="http://schemas.microsoft.com/office/powerpoint/2012/main" Requires="p15">
       <p:transition xmlns:p14="http://schemas.microsoft.com/office/powerpoint/2010/main" spd="slow" p14:dur="2000">
         <p15:prstTrans prst="fallOver"/>
       </p:transition>
     </mc:Choice>
-    <mc:Fallback xmlns="">
+    <mc:Fallback>
       <p:transition spd="slow">
         <p:fade/>
       </p:transition>
@@ -21347,32 +21493,29 @@
       </p:sp>
       <p:pic>
         <p:nvPicPr>
-          <p:cNvPr id="2" name="Picture 1"/>
-          <p:cNvPicPr>
-            <a:picLocks noChangeAspect="1"/>
-          </p:cNvPicPr>
+          <p:cNvPr id="93" name="Shape 93"/>
+          <p:cNvPicPr preferRelativeResize="0"/>
           <p:nvPr/>
         </p:nvPicPr>
-        <p:blipFill>
+        <p:blipFill rotWithShape="1">
           <a:blip r:embed="rId3">
-            <a:extLst>
-              <a:ext uri="{28A0092B-C50C-407E-A947-70E740481C1C}">
-                <a14:useLocalDpi xmlns:a14="http://schemas.microsoft.com/office/drawing/2010/main" val="0"/>
-              </a:ext>
-            </a:extLst>
+            <a:alphaModFix/>
           </a:blip>
-          <a:stretch>
-            <a:fillRect/>
-          </a:stretch>
+          <a:srcRect/>
+          <a:stretch/>
         </p:blipFill>
         <p:spPr>
           <a:xfrm>
-            <a:off x="3060046" y="1082842"/>
-            <a:ext cx="7214907" cy="5209674"/>
+            <a:off x="3060046" y="1082841"/>
+            <a:ext cx="7214906" cy="5209673"/>
           </a:xfrm>
           <a:prstGeom prst="rect">
             <a:avLst/>
           </a:prstGeom>
+          <a:noFill/>
+          <a:ln>
+            <a:noFill/>
+          </a:ln>
         </p:spPr>
       </p:pic>
     </p:spTree>
@@ -21380,13 +21523,13 @@
   <p:clrMapOvr>
     <a:masterClrMapping/>
   </p:clrMapOvr>
-  <mc:AlternateContent xmlns:mc="http://schemas.openxmlformats.org/markup-compatibility/2006" xmlns:p14="http://schemas.microsoft.com/office/powerpoint/2010/main">
-    <mc:Choice Requires="p14">
+  <mc:AlternateContent xmlns:mc="http://schemas.openxmlformats.org/markup-compatibility/2006">
+    <mc:Choice xmlns:p14="http://schemas.microsoft.com/office/powerpoint/2010/main" Requires="p14">
       <p:transition spd="slow" p14:dur="1500">
         <p:split orient="vert"/>
       </p:transition>
     </mc:Choice>
-    <mc:Fallback xmlns="">
+    <mc:Fallback>
       <p:transition spd="slow">
         <p:split orient="vert"/>
       </p:transition>
@@ -21466,7 +21609,7 @@
               <a:buChar char="▪"/>
             </a:pPr>
             <a:r>
-              <a:rPr lang="en-US" sz="2400" b="0" i="0" u="none" strike="noStrike" cap="none" dirty="0">
+              <a:rPr lang="en-US" sz="2400" b="0" i="0" u="none" strike="noStrike" cap="none">
                 <a:solidFill>
                   <a:schemeClr val="dk1"/>
                 </a:solidFill>
@@ -21475,69 +21618,8 @@
                 <a:cs typeface="Calibri"/>
                 <a:sym typeface="Calibri"/>
               </a:rPr>
-              <a:t>We designed a database system called “</a:t>
+              <a:t>We designed a database system called “WeWatch” to store information about movies, television series, and the accounts that use the service.</a:t>
             </a:r>
-            <a:r>
-              <a:rPr lang="en-US" sz="2400" b="0" i="0" u="none" strike="noStrike" cap="none" dirty="0" err="1">
-                <a:solidFill>
-                  <a:schemeClr val="dk1"/>
-                </a:solidFill>
-                <a:latin typeface="Calibri"/>
-                <a:ea typeface="Calibri"/>
-                <a:cs typeface="Calibri"/>
-                <a:sym typeface="Calibri"/>
-              </a:rPr>
-              <a:t>WeWatch</a:t>
-            </a:r>
-            <a:r>
-              <a:rPr lang="en-US" sz="2400" b="0" i="0" u="none" strike="noStrike" cap="none" dirty="0">
-                <a:solidFill>
-                  <a:schemeClr val="dk1"/>
-                </a:solidFill>
-                <a:latin typeface="Calibri"/>
-                <a:ea typeface="Calibri"/>
-                <a:cs typeface="Calibri"/>
-                <a:sym typeface="Calibri"/>
-              </a:rPr>
-              <a:t>” to store information about </a:t>
-            </a:r>
-            <a:r>
-              <a:rPr lang="en-US" sz="2400" b="0" i="0" u="none" strike="noStrike" cap="none" dirty="0" smtClean="0">
-                <a:solidFill>
-                  <a:schemeClr val="dk1"/>
-                </a:solidFill>
-                <a:latin typeface="Calibri"/>
-                <a:ea typeface="Calibri"/>
-                <a:cs typeface="Calibri"/>
-                <a:sym typeface="Calibri"/>
-              </a:rPr>
-              <a:t>movi</a:t>
-            </a:r>
-            <a:r>
-              <a:rPr lang="en-US" dirty="0" smtClean="0"/>
-              <a:t>es, television series, and the accounts that use the service</a:t>
-            </a:r>
-            <a:r>
-              <a:rPr lang="en-US" sz="2400" b="0" i="0" u="none" strike="noStrike" cap="none" dirty="0" smtClean="0">
-                <a:solidFill>
-                  <a:schemeClr val="dk1"/>
-                </a:solidFill>
-                <a:latin typeface="Calibri"/>
-                <a:ea typeface="Calibri"/>
-                <a:cs typeface="Calibri"/>
-                <a:sym typeface="Calibri"/>
-              </a:rPr>
-              <a:t>.</a:t>
-            </a:r>
-            <a:endParaRPr lang="en-US" sz="2400" b="0" i="0" u="none" strike="noStrike" cap="none" dirty="0">
-              <a:solidFill>
-                <a:schemeClr val="dk1"/>
-              </a:solidFill>
-              <a:latin typeface="Calibri"/>
-              <a:ea typeface="Calibri"/>
-              <a:cs typeface="Calibri"/>
-              <a:sym typeface="Calibri"/>
-            </a:endParaRPr>
           </a:p>
           <a:p>
             <a:pPr marL="274320" marR="0" lvl="0" indent="-274320" algn="l" rtl="0">
@@ -21558,7 +21640,7 @@
               <a:buChar char="▪"/>
             </a:pPr>
             <a:r>
-              <a:rPr lang="en-US" sz="2400" b="0" i="0" u="none" strike="noStrike" cap="none" dirty="0">
+              <a:rPr lang="en-US" sz="2400" b="0" i="0" u="none" strike="noStrike" cap="none">
                 <a:solidFill>
                   <a:schemeClr val="dk1"/>
                 </a:solidFill>
@@ -21567,43 +21649,7 @@
                 <a:cs typeface="Calibri"/>
                 <a:sym typeface="Calibri"/>
               </a:rPr>
-              <a:t>The service will allow subscribers to view any movie or television series within the database. It will also allow subscribers to manage their favorite movies or </a:t>
-            </a:r>
-            <a:r>
-              <a:rPr lang="en-US" sz="2400" b="0" i="0" u="none" strike="noStrike" cap="none" dirty="0" smtClean="0">
-                <a:solidFill>
-                  <a:schemeClr val="dk1"/>
-                </a:solidFill>
-                <a:latin typeface="Calibri"/>
-                <a:ea typeface="Calibri"/>
-                <a:cs typeface="Calibri"/>
-                <a:sym typeface="Calibri"/>
-              </a:rPr>
-              <a:t>television </a:t>
-            </a:r>
-            <a:r>
-              <a:rPr lang="en-US" sz="2400" b="0" i="0" u="none" strike="noStrike" cap="none" dirty="0">
-                <a:solidFill>
-                  <a:schemeClr val="dk1"/>
-                </a:solidFill>
-                <a:latin typeface="Calibri"/>
-                <a:ea typeface="Calibri"/>
-                <a:cs typeface="Calibri"/>
-                <a:sym typeface="Calibri"/>
-              </a:rPr>
-              <a:t>series</a:t>
-            </a:r>
-            <a:r>
-              <a:rPr lang="en-US" sz="2400" b="0" i="0" u="none" strike="noStrike" cap="none" dirty="0" smtClean="0">
-                <a:solidFill>
-                  <a:schemeClr val="dk1"/>
-                </a:solidFill>
-                <a:latin typeface="Calibri"/>
-                <a:ea typeface="Calibri"/>
-                <a:cs typeface="Calibri"/>
-                <a:sym typeface="Calibri"/>
-              </a:rPr>
-              <a:t>.</a:t>
+              <a:t>The service will allow subscribers to view any movie or television series within the database. It will also allow subscribers to manage their favorite movies or television series.</a:t>
             </a:r>
           </a:p>
           <a:p>
@@ -21625,10 +21671,17 @@
               <a:buChar char="▪"/>
             </a:pPr>
             <a:r>
-              <a:rPr lang="en-US" dirty="0" smtClean="0"/>
+              <a:rPr lang="en-US" sz="2400" b="0" i="0" u="none" strike="noStrike" cap="none">
+                <a:solidFill>
+                  <a:schemeClr val="dk1"/>
+                </a:solidFill>
+                <a:latin typeface="Calibri"/>
+                <a:ea typeface="Calibri"/>
+                <a:cs typeface="Calibri"/>
+                <a:sym typeface="Calibri"/>
+              </a:rPr>
               <a:t>Target users include anyone who enjoys watching movies or TV shows or someone that just wants to learn more about a specific movie or TV show</a:t>
             </a:r>
-            <a:endParaRPr lang="en-US" dirty="0"/>
           </a:p>
         </p:txBody>
       </p:sp>
@@ -21698,13 +21751,13 @@
   <p:clrMapOvr>
     <a:masterClrMapping/>
   </p:clrMapOvr>
-  <mc:AlternateContent xmlns:mc="http://schemas.openxmlformats.org/markup-compatibility/2006" xmlns:p14="http://schemas.microsoft.com/office/powerpoint/2010/main">
-    <mc:Choice Requires="p14">
+  <mc:AlternateContent xmlns:mc="http://schemas.openxmlformats.org/markup-compatibility/2006">
+    <mc:Choice xmlns:p14="http://schemas.microsoft.com/office/powerpoint/2010/main" Requires="p14">
       <p:transition spd="slow" p14:dur="3400">
         <p14:reveal/>
       </p:transition>
     </mc:Choice>
-    <mc:Fallback xmlns="">
+    <mc:Fallback>
       <p:transition spd="slow">
         <p:fade/>
       </p:transition>
@@ -22270,13 +22323,13 @@
   <p:clrMapOvr>
     <a:masterClrMapping/>
   </p:clrMapOvr>
-  <mc:AlternateContent xmlns:mc="http://schemas.openxmlformats.org/markup-compatibility/2006" xmlns:p14="http://schemas.microsoft.com/office/powerpoint/2010/main">
-    <mc:Choice Requires="p14">
+  <mc:AlternateContent xmlns:mc="http://schemas.openxmlformats.org/markup-compatibility/2006">
+    <mc:Choice xmlns:p14="http://schemas.microsoft.com/office/powerpoint/2010/main" Requires="p14">
       <p:transition spd="slow" p14:dur="3400">
         <p14:reveal/>
       </p:transition>
     </mc:Choice>
-    <mc:Fallback xmlns="">
+    <mc:Fallback>
       <p:transition spd="slow">
         <p:fade/>
       </p:transition>
@@ -22903,12 +22956,12 @@
               <a:buClr>
                 <a:schemeClr val="dk1"/>
               </a:buClr>
-              <a:buSzPct val="97350"/>
+              <a:buSzPct val="96052"/>
               <a:buFont typeface="Arial"/>
               <a:buChar char="▪"/>
             </a:pPr>
             <a:r>
-              <a:rPr lang="en-US" sz="1480" b="0" i="0" u="none" strike="noStrike" cap="none" dirty="0" smtClean="0">
+              <a:rPr lang="en-US" sz="1480" b="0" i="0" u="none" strike="noStrike" cap="none">
                 <a:solidFill>
                   <a:schemeClr val="dk1"/>
                 </a:solidFill>
@@ -22917,22 +22970,10 @@
                 <a:cs typeface="Calibri"/>
                 <a:sym typeface="Calibri"/>
               </a:rPr>
-              <a:t>accounts </a:t>
+              <a:t>accounts (</a:t>
             </a:r>
             <a:r>
-              <a:rPr lang="en-US" sz="1480" b="0" i="0" u="none" strike="noStrike" cap="none" dirty="0">
-                <a:solidFill>
-                  <a:schemeClr val="dk1"/>
-                </a:solidFill>
-                <a:latin typeface="Calibri"/>
-                <a:ea typeface="Calibri"/>
-                <a:cs typeface="Calibri"/>
-                <a:sym typeface="Calibri"/>
-              </a:rPr>
-              <a:t>(</a:t>
-            </a:r>
-            <a:r>
-              <a:rPr lang="en-US" sz="1480" b="0" i="0" u="sng" strike="noStrike" cap="none" dirty="0">
+              <a:rPr lang="en-US" sz="1480" b="0" i="0" u="sng" strike="noStrike" cap="none">
                 <a:solidFill>
                   <a:schemeClr val="dk1"/>
                 </a:solidFill>
@@ -22944,7 +22985,7 @@
               <a:t>id</a:t>
             </a:r>
             <a:r>
-              <a:rPr lang="en-US" sz="1480" b="0" i="0" u="none" strike="noStrike" cap="none" dirty="0">
+              <a:rPr lang="en-US" sz="1480" b="0" i="0" u="none" strike="noStrike" cap="none">
                 <a:solidFill>
                   <a:schemeClr val="dk1"/>
                 </a:solidFill>
@@ -22970,12 +23011,12 @@
               <a:buClr>
                 <a:schemeClr val="dk1"/>
               </a:buClr>
-              <a:buSzPct val="97350"/>
+              <a:buSzPct val="96052"/>
               <a:buFont typeface="Arial"/>
               <a:buChar char="▪"/>
             </a:pPr>
             <a:r>
-              <a:rPr lang="en-US" sz="1480" b="0" i="0" u="none" strike="noStrike" cap="none" dirty="0" smtClean="0">
+              <a:rPr lang="en-US" sz="1480" b="0" i="0" u="none" strike="noStrike" cap="none">
                 <a:solidFill>
                   <a:schemeClr val="dk1"/>
                 </a:solidFill>
@@ -22984,22 +23025,10 @@
                 <a:cs typeface="Calibri"/>
                 <a:sym typeface="Calibri"/>
               </a:rPr>
-              <a:t>users </a:t>
+              <a:t>users (</a:t>
             </a:r>
             <a:r>
-              <a:rPr lang="en-US" sz="1480" b="0" i="0" u="none" strike="noStrike" cap="none" dirty="0">
-                <a:solidFill>
-                  <a:schemeClr val="dk1"/>
-                </a:solidFill>
-                <a:latin typeface="Calibri"/>
-                <a:ea typeface="Calibri"/>
-                <a:cs typeface="Calibri"/>
-                <a:sym typeface="Calibri"/>
-              </a:rPr>
-              <a:t>(</a:t>
-            </a:r>
-            <a:r>
-              <a:rPr lang="en-US" sz="1480" b="0" i="0" u="sng" strike="noStrike" cap="none" dirty="0">
+              <a:rPr lang="en-US" sz="1480" b="0" i="0" u="sng" strike="noStrike" cap="none">
                 <a:solidFill>
                   <a:schemeClr val="dk1"/>
                 </a:solidFill>
@@ -23011,7 +23040,7 @@
               <a:t>id</a:t>
             </a:r>
             <a:r>
-              <a:rPr lang="en-US" sz="1480" b="0" i="0" u="none" strike="noStrike" cap="none" dirty="0">
+              <a:rPr lang="en-US" sz="1480" b="0" i="0" u="none" strike="noStrike" cap="none">
                 <a:solidFill>
                   <a:schemeClr val="dk1"/>
                 </a:solidFill>
@@ -23023,7 +23052,7 @@
               <a:t>, name, </a:t>
             </a:r>
             <a:r>
-              <a:rPr lang="en-US" sz="1480" b="0" i="0" u="sng" strike="noStrike" cap="none" dirty="0">
+              <a:rPr lang="en-US" sz="1480" b="0" i="0" u="sng" strike="noStrike" cap="none">
                 <a:solidFill>
                   <a:schemeClr val="dk1"/>
                 </a:solidFill>
@@ -23035,7 +23064,7 @@
               <a:t>account-id</a:t>
             </a:r>
             <a:r>
-              <a:rPr lang="en-US" sz="1480" b="0" i="0" u="none" strike="noStrike" cap="none" dirty="0">
+              <a:rPr lang="en-US" sz="1480" b="0" i="0" u="none" strike="noStrike" cap="none">
                 <a:solidFill>
                   <a:schemeClr val="dk1"/>
                 </a:solidFill>
@@ -23061,28 +23090,24 @@
               <a:buClr>
                 <a:schemeClr val="dk1"/>
               </a:buClr>
-              <a:buSzPct val="97350"/>
+              <a:buSzPct val="96052"/>
               <a:buFont typeface="Arial"/>
               <a:buChar char="▪"/>
             </a:pPr>
             <a:r>
-              <a:rPr lang="en-US" sz="1480" dirty="0"/>
-              <a:t>h</a:t>
+              <a:rPr lang="en-US" sz="1480" b="0" i="0" u="none" strike="noStrike" cap="none">
+                <a:solidFill>
+                  <a:schemeClr val="dk1"/>
+                </a:solidFill>
+                <a:latin typeface="Calibri"/>
+                <a:ea typeface="Calibri"/>
+                <a:cs typeface="Calibri"/>
+                <a:sym typeface="Calibri"/>
+              </a:rPr>
+              <a:t>history(</a:t>
             </a:r>
             <a:r>
-              <a:rPr lang="en-US" sz="1480" b="0" i="0" u="none" strike="noStrike" cap="none" dirty="0" smtClean="0">
-                <a:solidFill>
-                  <a:schemeClr val="dk1"/>
-                </a:solidFill>
-                <a:latin typeface="Calibri"/>
-                <a:ea typeface="Calibri"/>
-                <a:cs typeface="Calibri"/>
-                <a:sym typeface="Calibri"/>
-              </a:rPr>
-              <a:t>istory(</a:t>
-            </a:r>
-            <a:r>
-              <a:rPr lang="en-US" sz="1480" b="0" i="0" u="sng" strike="noStrike" cap="none" dirty="0" smtClean="0">
+              <a:rPr lang="en-US" sz="1480" b="0" i="0" u="sng" strike="noStrike" cap="none">
                 <a:solidFill>
                   <a:schemeClr val="dk1"/>
                 </a:solidFill>
@@ -23094,7 +23119,7 @@
               <a:t>user-id</a:t>
             </a:r>
             <a:r>
-              <a:rPr lang="en-US" sz="1480" b="0" i="0" u="none" strike="noStrike" cap="none" dirty="0" smtClean="0">
+              <a:rPr lang="en-US" sz="1480" b="0" i="0" u="none" strike="noStrike" cap="none">
                 <a:solidFill>
                   <a:schemeClr val="dk1"/>
                 </a:solidFill>
@@ -23106,7 +23131,7 @@
               <a:t>, </a:t>
             </a:r>
             <a:r>
-              <a:rPr lang="en-US" sz="1480" b="0" i="0" u="sng" strike="noStrike" cap="none" dirty="0">
+              <a:rPr lang="en-US" sz="1480" b="0" i="0" u="sng" strike="noStrike" cap="none">
                 <a:solidFill>
                   <a:schemeClr val="dk1"/>
                 </a:solidFill>
@@ -23118,7 +23143,7 @@
               <a:t>show-id</a:t>
             </a:r>
             <a:r>
-              <a:rPr lang="en-US" sz="1480" b="0" i="0" u="none" strike="noStrike" cap="none" dirty="0">
+              <a:rPr lang="en-US" sz="1480" b="0" i="0" u="none" strike="noStrike" cap="none">
                 <a:solidFill>
                   <a:schemeClr val="dk1"/>
                 </a:solidFill>
@@ -23144,12 +23169,12 @@
               <a:buClr>
                 <a:schemeClr val="dk1"/>
               </a:buClr>
-              <a:buSzPct val="97350"/>
+              <a:buSzPct val="96052"/>
               <a:buFont typeface="Arial"/>
               <a:buChar char="▪"/>
             </a:pPr>
             <a:r>
-              <a:rPr lang="en-US" sz="1480" b="0" i="0" u="none" strike="noStrike" cap="none" dirty="0" smtClean="0">
+              <a:rPr lang="en-US" sz="1480" b="0" i="0" u="none" strike="noStrike" cap="none">
                 <a:solidFill>
                   <a:schemeClr val="dk1"/>
                 </a:solidFill>
@@ -23161,7 +23186,7 @@
               <a:t>favorites(</a:t>
             </a:r>
             <a:r>
-              <a:rPr lang="en-US" sz="1480" b="0" i="0" u="sng" strike="noStrike" cap="none" dirty="0" smtClean="0">
+              <a:rPr lang="en-US" sz="1480" b="0" i="0" u="sng" strike="noStrike" cap="none">
                 <a:solidFill>
                   <a:schemeClr val="dk1"/>
                 </a:solidFill>
@@ -23173,7 +23198,7 @@
               <a:t>user-id</a:t>
             </a:r>
             <a:r>
-              <a:rPr lang="en-US" sz="1480" b="0" i="0" u="none" strike="noStrike" cap="none" dirty="0">
+              <a:rPr lang="en-US" sz="1480" b="0" i="0" u="none" strike="noStrike" cap="none">
                 <a:solidFill>
                   <a:schemeClr val="dk1"/>
                 </a:solidFill>
@@ -23185,7 +23210,7 @@
               <a:t>, date, </a:t>
             </a:r>
             <a:r>
-              <a:rPr lang="en-US" sz="1480" b="0" i="0" u="sng" strike="noStrike" cap="none" dirty="0">
+              <a:rPr lang="en-US" sz="1480" b="0" i="0" u="sng" strike="noStrike" cap="none">
                 <a:solidFill>
                   <a:schemeClr val="dk1"/>
                 </a:solidFill>
@@ -23197,7 +23222,7 @@
               <a:t>show-id</a:t>
             </a:r>
             <a:r>
-              <a:rPr lang="en-US" sz="1480" b="0" i="0" u="none" strike="noStrike" cap="none" dirty="0">
+              <a:rPr lang="en-US" sz="1480" b="0" i="0" u="none" strike="noStrike" cap="none">
                 <a:solidFill>
                   <a:schemeClr val="dk1"/>
                 </a:solidFill>
@@ -23223,12 +23248,12 @@
               <a:buClr>
                 <a:schemeClr val="dk1"/>
               </a:buClr>
-              <a:buSzPct val="97350"/>
+              <a:buSzPct val="96052"/>
               <a:buFont typeface="Arial"/>
               <a:buChar char="▪"/>
             </a:pPr>
             <a:r>
-              <a:rPr lang="en-US" sz="1480" b="0" i="0" u="none" strike="noStrike" cap="none" dirty="0" smtClean="0">
+              <a:rPr lang="en-US" sz="1480" b="0" i="0" u="none" strike="noStrike" cap="none">
                 <a:solidFill>
                   <a:schemeClr val="dk1"/>
                 </a:solidFill>
@@ -23240,7 +23265,7 @@
               <a:t>shows(</a:t>
             </a:r>
             <a:r>
-              <a:rPr lang="en-US" sz="1480" b="0" i="0" u="sng" strike="noStrike" cap="none" dirty="0" smtClean="0">
+              <a:rPr lang="en-US" sz="1480" b="0" i="0" u="sng" strike="noStrike" cap="none">
                 <a:solidFill>
                   <a:schemeClr val="dk1"/>
                 </a:solidFill>
@@ -23252,7 +23277,7 @@
               <a:t>id</a:t>
             </a:r>
             <a:r>
-              <a:rPr lang="en-US" sz="1480" b="0" i="0" u="none" strike="noStrike" cap="none" dirty="0">
+              <a:rPr lang="en-US" sz="1480" b="0" i="0" u="none" strike="noStrike" cap="none">
                 <a:solidFill>
                   <a:schemeClr val="dk1"/>
                 </a:solidFill>
@@ -23278,52 +23303,24 @@
               <a:buClr>
                 <a:schemeClr val="dk1"/>
               </a:buClr>
-              <a:buSzPct val="97350"/>
+              <a:buSzPct val="96052"/>
               <a:buFont typeface="Arial"/>
               <a:buChar char="▪"/>
             </a:pPr>
             <a:r>
-              <a:rPr lang="en-US" sz="1480" dirty="0" err="1"/>
-              <a:t>s</a:t>
+              <a:rPr lang="en-US" sz="1480" b="0" i="0" u="none" strike="noStrike" cap="none">
+                <a:solidFill>
+                  <a:schemeClr val="dk1"/>
+                </a:solidFill>
+                <a:latin typeface="Calibri"/>
+                <a:ea typeface="Calibri"/>
+                <a:cs typeface="Calibri"/>
+                <a:sym typeface="Calibri"/>
+              </a:rPr>
+              <a:t>show_genre (</a:t>
             </a:r>
             <a:r>
-              <a:rPr lang="en-US" sz="1480" b="0" i="0" u="none" strike="noStrike" cap="none" dirty="0" err="1" smtClean="0">
-                <a:solidFill>
-                  <a:schemeClr val="dk1"/>
-                </a:solidFill>
-                <a:latin typeface="Calibri"/>
-                <a:ea typeface="Calibri"/>
-                <a:cs typeface="Calibri"/>
-                <a:sym typeface="Calibri"/>
-              </a:rPr>
-              <a:t>how_genre</a:t>
-            </a:r>
-            <a:r>
-              <a:rPr lang="en-US" sz="1480" b="0" i="0" u="none" strike="noStrike" cap="none" dirty="0" smtClean="0">
-                <a:solidFill>
-                  <a:schemeClr val="dk1"/>
-                </a:solidFill>
-                <a:latin typeface="Calibri"/>
-                <a:ea typeface="Calibri"/>
-                <a:cs typeface="Calibri"/>
-                <a:sym typeface="Calibri"/>
-              </a:rPr>
-              <a:t> </a:t>
-            </a:r>
-            <a:r>
-              <a:rPr lang="en-US" sz="1480" b="0" i="0" u="none" strike="noStrike" cap="none" dirty="0">
-                <a:solidFill>
-                  <a:schemeClr val="dk1"/>
-                </a:solidFill>
-                <a:latin typeface="Calibri"/>
-                <a:ea typeface="Calibri"/>
-                <a:cs typeface="Calibri"/>
-                <a:sym typeface="Calibri"/>
-              </a:rPr>
-              <a:t>(</a:t>
-            </a:r>
-            <a:r>
-              <a:rPr lang="en-US" sz="1480" b="0" i="0" u="sng" strike="noStrike" cap="none" dirty="0">
+              <a:rPr lang="en-US" sz="1480" b="0" i="0" u="sng" strike="noStrike" cap="none">
                 <a:solidFill>
                   <a:schemeClr val="dk1"/>
                 </a:solidFill>
@@ -23335,7 +23332,7 @@
               <a:t>show-id</a:t>
             </a:r>
             <a:r>
-              <a:rPr lang="en-US" sz="1480" b="0" i="0" u="none" strike="noStrike" cap="none" dirty="0">
+              <a:rPr lang="en-US" sz="1480" b="0" i="0" u="none" strike="noStrike" cap="none">
                 <a:solidFill>
                   <a:schemeClr val="dk1"/>
                 </a:solidFill>
@@ -23347,7 +23344,7 @@
               <a:t>, </a:t>
             </a:r>
             <a:r>
-              <a:rPr lang="en-US" sz="1480" b="0" i="0" u="sng" strike="noStrike" cap="none" dirty="0">
+              <a:rPr lang="en-US" sz="1480" b="0" i="0" u="sng" strike="noStrike" cap="none">
                 <a:solidFill>
                   <a:schemeClr val="dk1"/>
                 </a:solidFill>
@@ -23359,7 +23356,7 @@
               <a:t>genre-id</a:t>
             </a:r>
             <a:r>
-              <a:rPr lang="en-US" sz="1480" b="0" i="0" u="none" strike="noStrike" cap="none" dirty="0">
+              <a:rPr lang="en-US" sz="1480" b="0" i="0" u="none" strike="noStrike" cap="none">
                 <a:solidFill>
                   <a:schemeClr val="dk1"/>
                 </a:solidFill>
@@ -23385,12 +23382,12 @@
               <a:buClr>
                 <a:schemeClr val="dk1"/>
               </a:buClr>
-              <a:buSzPct val="97350"/>
+              <a:buSzPct val="96052"/>
               <a:buFont typeface="Arial"/>
               <a:buChar char="▪"/>
             </a:pPr>
             <a:r>
-              <a:rPr lang="en-US" sz="1480" b="0" i="0" u="none" strike="noStrike" cap="none" dirty="0" smtClean="0">
+              <a:rPr lang="en-US" sz="1480" b="0" i="0" u="none" strike="noStrike" cap="none">
                 <a:solidFill>
                   <a:schemeClr val="dk1"/>
                 </a:solidFill>
@@ -23402,7 +23399,7 @@
               <a:t>genres(</a:t>
             </a:r>
             <a:r>
-              <a:rPr lang="en-US" sz="1480" b="0" i="0" u="sng" strike="noStrike" cap="none" dirty="0" smtClean="0">
+              <a:rPr lang="en-US" sz="1480" b="0" i="0" u="sng" strike="noStrike" cap="none">
                 <a:solidFill>
                   <a:schemeClr val="dk1"/>
                 </a:solidFill>
@@ -23414,7 +23411,7 @@
               <a:t>id</a:t>
             </a:r>
             <a:r>
-              <a:rPr lang="en-US" sz="1480" b="0" i="0" u="none" strike="noStrike" cap="none" dirty="0">
+              <a:rPr lang="en-US" sz="1480" b="0" i="0" u="none" strike="noStrike" cap="none">
                 <a:solidFill>
                   <a:schemeClr val="dk1"/>
                 </a:solidFill>
@@ -23440,12 +23437,12 @@
               <a:buClr>
                 <a:schemeClr val="dk1"/>
               </a:buClr>
-              <a:buSzPct val="97350"/>
+              <a:buSzPct val="96052"/>
               <a:buFont typeface="Arial"/>
               <a:buChar char="▪"/>
             </a:pPr>
             <a:r>
-              <a:rPr lang="en-US" sz="1480" b="0" i="0" u="none" strike="noStrike" cap="none" dirty="0" smtClean="0">
+              <a:rPr lang="en-US" sz="1480" b="0" i="0" u="none" strike="noStrike" cap="none">
                 <a:solidFill>
                   <a:schemeClr val="dk1"/>
                 </a:solidFill>
@@ -23457,7 +23454,7 @@
               <a:t>movies(</a:t>
             </a:r>
             <a:r>
-              <a:rPr lang="en-US" sz="1480" b="0" i="0" u="sng" strike="noStrike" cap="none" dirty="0" smtClean="0">
+              <a:rPr lang="en-US" sz="1480" b="0" i="0" u="sng" strike="noStrike" cap="none">
                 <a:solidFill>
                   <a:schemeClr val="dk1"/>
                 </a:solidFill>
@@ -23469,7 +23466,7 @@
               <a:t>show-id</a:t>
             </a:r>
             <a:r>
-              <a:rPr lang="en-US" sz="1480" b="0" i="0" u="none" strike="noStrike" cap="none" dirty="0">
+              <a:rPr lang="en-US" sz="1480" b="0" i="0" u="none" strike="noStrike" cap="none">
                 <a:solidFill>
                   <a:schemeClr val="dk1"/>
                 </a:solidFill>
@@ -23495,12 +23492,12 @@
               <a:buClr>
                 <a:schemeClr val="dk1"/>
               </a:buClr>
-              <a:buSzPct val="97350"/>
+              <a:buSzPct val="96052"/>
               <a:buFont typeface="Arial"/>
               <a:buChar char="▪"/>
             </a:pPr>
             <a:r>
-              <a:rPr lang="en-US" sz="1480" b="0" i="0" u="none" strike="noStrike" cap="none" dirty="0" smtClean="0">
+              <a:rPr lang="en-US" sz="1480" b="0" i="0" u="none" strike="noStrike" cap="none">
                 <a:solidFill>
                   <a:schemeClr val="dk1"/>
                 </a:solidFill>
@@ -23512,7 +23509,7 @@
               <a:t>series(</a:t>
             </a:r>
             <a:r>
-              <a:rPr lang="en-US" sz="1480" b="0" i="0" u="sng" strike="noStrike" cap="none" dirty="0" smtClean="0">
+              <a:rPr lang="en-US" sz="1480" b="0" i="0" u="sng" strike="noStrike" cap="none">
                 <a:solidFill>
                   <a:schemeClr val="dk1"/>
                 </a:solidFill>
@@ -23524,7 +23521,7 @@
               <a:t>show-id</a:t>
             </a:r>
             <a:r>
-              <a:rPr lang="en-US" sz="1480" b="0" i="0" u="none" strike="noStrike" cap="none" dirty="0">
+              <a:rPr lang="en-US" sz="1480" b="0" i="0" u="none" strike="noStrike" cap="none">
                 <a:solidFill>
                   <a:schemeClr val="dk1"/>
                 </a:solidFill>
@@ -23550,28 +23547,24 @@
               <a:buClr>
                 <a:schemeClr val="dk1"/>
               </a:buClr>
-              <a:buSzPct val="97350"/>
+              <a:buSzPct val="96052"/>
               <a:buFont typeface="Arial"/>
               <a:buChar char="▪"/>
             </a:pPr>
             <a:r>
-              <a:rPr lang="en-US" sz="1480" dirty="0"/>
-              <a:t>s</a:t>
+              <a:rPr lang="en-US" sz="1480" b="0" i="0" u="none" strike="noStrike" cap="none">
+                <a:solidFill>
+                  <a:schemeClr val="dk1"/>
+                </a:solidFill>
+                <a:latin typeface="Calibri"/>
+                <a:ea typeface="Calibri"/>
+                <a:cs typeface="Calibri"/>
+                <a:sym typeface="Calibri"/>
+              </a:rPr>
+              <a:t>season(</a:t>
             </a:r>
             <a:r>
-              <a:rPr lang="en-US" sz="1480" b="0" i="0" u="none" strike="noStrike" cap="none" dirty="0" smtClean="0">
-                <a:solidFill>
-                  <a:schemeClr val="dk1"/>
-                </a:solidFill>
-                <a:latin typeface="Calibri"/>
-                <a:ea typeface="Calibri"/>
-                <a:cs typeface="Calibri"/>
-                <a:sym typeface="Calibri"/>
-              </a:rPr>
-              <a:t>eason(</a:t>
-            </a:r>
-            <a:r>
-              <a:rPr lang="en-US" sz="1480" b="0" i="0" u="sng" strike="noStrike" cap="none" dirty="0" smtClean="0">
+              <a:rPr lang="en-US" sz="1480" b="0" i="0" u="sng" strike="noStrike" cap="none">
                 <a:solidFill>
                   <a:schemeClr val="dk1"/>
                 </a:solidFill>
@@ -23583,7 +23576,7 @@
               <a:t>show-id</a:t>
             </a:r>
             <a:r>
-              <a:rPr lang="en-US" sz="1480" b="0" i="0" u="none" strike="noStrike" cap="none" dirty="0">
+              <a:rPr lang="en-US" sz="1480" b="0" i="0" u="none" strike="noStrike" cap="none">
                 <a:solidFill>
                   <a:schemeClr val="dk1"/>
                 </a:solidFill>
@@ -23595,7 +23588,7 @@
               <a:t>, </a:t>
             </a:r>
             <a:r>
-              <a:rPr lang="en-US" sz="1480" b="0" i="0" u="sng" strike="noStrike" cap="none" dirty="0" err="1">
+              <a:rPr lang="en-US" sz="1480" b="0" i="0" u="sng" strike="noStrike" cap="none">
                 <a:solidFill>
                   <a:schemeClr val="dk1"/>
                 </a:solidFill>
@@ -23607,7 +23600,7 @@
               <a:t>num</a:t>
             </a:r>
             <a:r>
-              <a:rPr lang="en-US" sz="1480" b="0" i="0" u="none" strike="noStrike" cap="none" dirty="0">
+              <a:rPr lang="en-US" sz="1480" b="0" i="0" u="none" strike="noStrike" cap="none">
                 <a:solidFill>
                   <a:schemeClr val="dk1"/>
                 </a:solidFill>
@@ -23633,28 +23626,24 @@
               <a:buClr>
                 <a:schemeClr val="dk1"/>
               </a:buClr>
-              <a:buSzPct val="97350"/>
+              <a:buSzPct val="96052"/>
               <a:buFont typeface="Arial"/>
               <a:buChar char="▪"/>
             </a:pPr>
             <a:r>
-              <a:rPr lang="en-US" sz="1480" dirty="0"/>
-              <a:t>e</a:t>
+              <a:rPr lang="en-US" sz="1480" b="0" i="0" u="none" strike="noStrike" cap="none">
+                <a:solidFill>
+                  <a:schemeClr val="dk1"/>
+                </a:solidFill>
+                <a:latin typeface="Calibri"/>
+                <a:ea typeface="Calibri"/>
+                <a:cs typeface="Calibri"/>
+                <a:sym typeface="Calibri"/>
+              </a:rPr>
+              <a:t>episodes(</a:t>
             </a:r>
             <a:r>
-              <a:rPr lang="en-US" sz="1480" b="0" i="0" u="none" strike="noStrike" cap="none" dirty="0" smtClean="0">
-                <a:solidFill>
-                  <a:schemeClr val="dk1"/>
-                </a:solidFill>
-                <a:latin typeface="Calibri"/>
-                <a:ea typeface="Calibri"/>
-                <a:cs typeface="Calibri"/>
-                <a:sym typeface="Calibri"/>
-              </a:rPr>
-              <a:t>pisodes(</a:t>
-            </a:r>
-            <a:r>
-              <a:rPr lang="en-US" sz="1480" b="0" i="0" u="sng" strike="noStrike" cap="none" dirty="0" smtClean="0">
+              <a:rPr lang="en-US" sz="1480" b="0" i="0" u="sng" strike="noStrike" cap="none">
                 <a:solidFill>
                   <a:schemeClr val="dk1"/>
                 </a:solidFill>
@@ -23666,7 +23655,7 @@
               <a:t>show-id</a:t>
             </a:r>
             <a:r>
-              <a:rPr lang="en-US" sz="1480" b="0" i="0" u="none" strike="noStrike" cap="none" dirty="0">
+              <a:rPr lang="en-US" sz="1480" b="0" i="0" u="none" strike="noStrike" cap="none">
                 <a:solidFill>
                   <a:schemeClr val="dk1"/>
                 </a:solidFill>
@@ -23678,7 +23667,7 @@
               <a:t>, </a:t>
             </a:r>
             <a:r>
-              <a:rPr lang="en-US" sz="1480" b="0" i="0" u="sng" strike="noStrike" cap="none" dirty="0" smtClean="0">
+              <a:rPr lang="en-US" sz="1480" b="0" i="0" u="sng" strike="noStrike" cap="none">
                 <a:solidFill>
                   <a:schemeClr val="dk1"/>
                 </a:solidFill>
@@ -23687,10 +23676,22 @@
                 <a:cs typeface="Calibri"/>
                 <a:sym typeface="Calibri"/>
               </a:rPr>
-              <a:t>season-</a:t>
+              <a:t>season-num</a:t>
             </a:r>
             <a:r>
-              <a:rPr lang="en-US" sz="1480" b="0" i="0" u="sng" strike="noStrike" cap="none" dirty="0" err="1" smtClean="0">
+              <a:rPr lang="en-US" sz="1480" b="0" i="0" u="none" strike="noStrike" cap="none">
+                <a:solidFill>
+                  <a:schemeClr val="dk1"/>
+                </a:solidFill>
+                <a:latin typeface="Calibri"/>
+                <a:ea typeface="Calibri"/>
+                <a:cs typeface="Calibri"/>
+                <a:sym typeface="Calibri"/>
+              </a:rPr>
+              <a:t>, </a:t>
+            </a:r>
+            <a:r>
+              <a:rPr lang="en-US" sz="1480" b="0" i="0" u="sng" strike="noStrike" cap="none">
                 <a:solidFill>
                   <a:schemeClr val="dk1"/>
                 </a:solidFill>
@@ -23702,31 +23703,7 @@
               <a:t>num</a:t>
             </a:r>
             <a:r>
-              <a:rPr lang="en-US" sz="1480" b="0" i="0" u="none" strike="noStrike" cap="none" dirty="0">
-                <a:solidFill>
-                  <a:schemeClr val="dk1"/>
-                </a:solidFill>
-                <a:latin typeface="Calibri"/>
-                <a:ea typeface="Calibri"/>
-                <a:cs typeface="Calibri"/>
-                <a:sym typeface="Calibri"/>
-              </a:rPr>
-              <a:t>, </a:t>
-            </a:r>
-            <a:r>
-              <a:rPr lang="en-US" sz="1480" b="0" i="0" u="sng" strike="noStrike" cap="none" dirty="0" err="1">
-                <a:solidFill>
-                  <a:schemeClr val="dk1"/>
-                </a:solidFill>
-                <a:latin typeface="Calibri"/>
-                <a:ea typeface="Calibri"/>
-                <a:cs typeface="Calibri"/>
-                <a:sym typeface="Calibri"/>
-              </a:rPr>
-              <a:t>num</a:t>
-            </a:r>
-            <a:r>
-              <a:rPr lang="en-US" sz="1480" b="0" i="0" u="none" strike="noStrike" cap="none" dirty="0">
+              <a:rPr lang="en-US" sz="1480" b="0" i="0" u="none" strike="noStrike" cap="none">
                 <a:solidFill>
                   <a:schemeClr val="dk1"/>
                 </a:solidFill>
@@ -23752,28 +23729,24 @@
               <a:buClr>
                 <a:schemeClr val="dk1"/>
               </a:buClr>
-              <a:buSzPct val="97350"/>
+              <a:buSzPct val="96052"/>
               <a:buFont typeface="Arial"/>
               <a:buChar char="▪"/>
             </a:pPr>
             <a:r>
-              <a:rPr lang="en-US" sz="1480" dirty="0" smtClean="0"/>
-              <a:t>a</a:t>
+              <a:rPr lang="en-US" sz="1480" b="0" i="0" u="none" strike="noStrike" cap="none">
+                <a:solidFill>
+                  <a:schemeClr val="dk1"/>
+                </a:solidFill>
+                <a:latin typeface="Calibri"/>
+                <a:ea typeface="Calibri"/>
+                <a:cs typeface="Calibri"/>
+                <a:sym typeface="Calibri"/>
+              </a:rPr>
+              <a:t>actors(</a:t>
             </a:r>
             <a:r>
-              <a:rPr lang="en-US" sz="1480" b="0" i="0" u="none" strike="noStrike" cap="none" dirty="0" smtClean="0">
-                <a:solidFill>
-                  <a:schemeClr val="dk1"/>
-                </a:solidFill>
-                <a:latin typeface="Calibri"/>
-                <a:ea typeface="Calibri"/>
-                <a:cs typeface="Calibri"/>
-                <a:sym typeface="Calibri"/>
-              </a:rPr>
-              <a:t>ctors(</a:t>
-            </a:r>
-            <a:r>
-              <a:rPr lang="en-US" sz="1480" b="0" i="0" u="sng" strike="noStrike" cap="none" dirty="0" smtClean="0">
+              <a:rPr lang="en-US" sz="1480" b="0" i="0" u="sng" strike="noStrike" cap="none">
                 <a:solidFill>
                   <a:schemeClr val="dk1"/>
                 </a:solidFill>
@@ -23785,7 +23758,7 @@
               <a:t>id</a:t>
             </a:r>
             <a:r>
-              <a:rPr lang="en-US" sz="1480" b="0" i="0" u="none" strike="noStrike" cap="none" dirty="0">
+              <a:rPr lang="en-US" sz="1480" b="0" i="0" u="none" strike="noStrike" cap="none">
                 <a:solidFill>
                   <a:schemeClr val="dk1"/>
                 </a:solidFill>
@@ -23811,40 +23784,24 @@
               <a:buClr>
                 <a:schemeClr val="dk1"/>
               </a:buClr>
-              <a:buSzPct val="97350"/>
+              <a:buSzPct val="96052"/>
               <a:buFont typeface="Arial"/>
               <a:buChar char="▪"/>
             </a:pPr>
             <a:r>
-              <a:rPr lang="en-US" sz="1480" dirty="0" err="1" smtClean="0"/>
-              <a:t>s</a:t>
+              <a:rPr lang="en-US" sz="1480" b="0" i="0" u="none" strike="noStrike" cap="none">
+                <a:solidFill>
+                  <a:schemeClr val="dk1"/>
+                </a:solidFill>
+                <a:latin typeface="Calibri"/>
+                <a:ea typeface="Calibri"/>
+                <a:cs typeface="Calibri"/>
+                <a:sym typeface="Calibri"/>
+              </a:rPr>
+              <a:t>show_actor(</a:t>
             </a:r>
             <a:r>
-              <a:rPr lang="en-US" sz="1480" b="0" i="0" u="none" strike="noStrike" cap="none" dirty="0" err="1" smtClean="0">
-                <a:solidFill>
-                  <a:schemeClr val="dk1"/>
-                </a:solidFill>
-                <a:latin typeface="Calibri"/>
-                <a:ea typeface="Calibri"/>
-                <a:cs typeface="Calibri"/>
-                <a:sym typeface="Calibri"/>
-              </a:rPr>
-              <a:t>how_actor</a:t>
-            </a:r>
-            <a:r>
-              <a:rPr lang="en-US" sz="1480" b="0" i="0" u="none" strike="noStrike" cap="none" dirty="0" smtClean="0">
-                <a:solidFill>
-                  <a:schemeClr val="dk1"/>
-                </a:solidFill>
-                <a:latin typeface="Calibri"/>
-                <a:ea typeface="Calibri"/>
-                <a:cs typeface="Calibri"/>
-                <a:sym typeface="Calibri"/>
-              </a:rPr>
-              <a:t>(</a:t>
-            </a:r>
-            <a:r>
-              <a:rPr lang="en-US" sz="1480" b="0" i="0" u="sng" strike="noStrike" cap="none" dirty="0" smtClean="0">
+              <a:rPr lang="en-US" sz="1480" b="0" i="0" u="sng" strike="noStrike" cap="none">
                 <a:solidFill>
                   <a:schemeClr val="dk1"/>
                 </a:solidFill>
@@ -23856,7 +23813,7 @@
               <a:t>show-id</a:t>
             </a:r>
             <a:r>
-              <a:rPr lang="en-US" sz="1480" b="0" i="0" u="none" strike="noStrike" cap="none" dirty="0">
+              <a:rPr lang="en-US" sz="1480" b="0" i="0" u="none" strike="noStrike" cap="none">
                 <a:solidFill>
                   <a:schemeClr val="dk1"/>
                 </a:solidFill>
@@ -23868,7 +23825,7 @@
               <a:t>, </a:t>
             </a:r>
             <a:r>
-              <a:rPr lang="en-US" sz="1480" b="0" i="0" u="sng" strike="noStrike" cap="none" dirty="0">
+              <a:rPr lang="en-US" sz="1480" b="0" i="0" u="sng" strike="noStrike" cap="none">
                 <a:solidFill>
                   <a:schemeClr val="dk1"/>
                 </a:solidFill>
@@ -23880,7 +23837,7 @@
               <a:t>actor-id</a:t>
             </a:r>
             <a:r>
-              <a:rPr lang="en-US" sz="1480" b="0" i="0" u="none" strike="noStrike" cap="none" dirty="0">
+              <a:rPr lang="en-US" sz="1480" b="0" i="0" u="none" strike="noStrike" cap="none">
                 <a:solidFill>
                   <a:schemeClr val="dk1"/>
                 </a:solidFill>
@@ -23910,7 +23867,7 @@
               <a:buFont typeface="Arial"/>
               <a:buNone/>
             </a:pPr>
-            <a:endParaRPr sz="1480" b="0" i="0" u="none" strike="noStrike" cap="none" dirty="0">
+            <a:endParaRPr sz="1480" b="0" i="0" u="none" strike="noStrike" cap="none">
               <a:solidFill>
                 <a:schemeClr val="dk1"/>
               </a:solidFill>
@@ -24723,13 +24680,13 @@
   <p:clrMapOvr>
     <a:masterClrMapping/>
   </p:clrMapOvr>
-  <mc:AlternateContent xmlns:mc="http://schemas.openxmlformats.org/markup-compatibility/2006" xmlns:p14="http://schemas.microsoft.com/office/powerpoint/2010/main">
-    <mc:Choice Requires="p14">
+  <mc:AlternateContent xmlns:mc="http://schemas.openxmlformats.org/markup-compatibility/2006">
+    <mc:Choice xmlns:p14="http://schemas.microsoft.com/office/powerpoint/2010/main" Requires="p14">
       <p:transition spd="slow" p14:dur="3400">
         <p14:reveal/>
       </p:transition>
     </mc:Choice>
-    <mc:Fallback xmlns="">
+    <mc:Fallback>
       <p:transition spd="slow">
         <p:fade/>
       </p:transition>
@@ -24938,7 +24895,7 @@
               <a:buNone/>
             </a:pPr>
             <a:r>
-              <a:rPr lang="en-US" sz="4400" b="0" i="0" u="none" strike="noStrike" cap="none" dirty="0">
+              <a:rPr lang="en-US" sz="4400" b="0" i="0" u="none" strike="noStrike" cap="none">
                 <a:solidFill>
                   <a:schemeClr val="accent1"/>
                 </a:solidFill>
@@ -24950,7 +24907,7 @@
               <a:t>DATABASE DESCRIPTION </a:t>
             </a:r>
             <a:r>
-              <a:rPr lang="en-US" sz="3600" b="0" i="0" u="none" strike="noStrike" cap="none" dirty="0">
+              <a:rPr lang="en-US" sz="3600" b="0" i="0" u="none" strike="noStrike" cap="none">
                 <a:solidFill>
                   <a:schemeClr val="accent1"/>
                 </a:solidFill>
@@ -25011,7 +24968,7 @@
               <a:buChar char="▪"/>
             </a:pPr>
             <a:r>
-              <a:rPr lang="en-US" sz="2400" b="0" i="0" u="none" strike="noStrike" cap="none" dirty="0" smtClean="0">
+              <a:rPr lang="en-US" sz="2400" b="0" i="0" u="none" strike="noStrike" cap="none">
                 <a:solidFill>
                   <a:schemeClr val="dk1"/>
                 </a:solidFill>
@@ -25020,35 +24977,7 @@
                 <a:cs typeface="Calibri"/>
                 <a:sym typeface="Calibri"/>
               </a:rPr>
-              <a:t>We also created two views to help us create a list of recommendations for a specific user. The views are essentially a table of </a:t>
-            </a:r>
-            <a:r>
-              <a:rPr lang="en-US" sz="2400" b="0" i="0" u="none" strike="noStrike" cap="none" dirty="0" err="1" smtClean="0">
-                <a:solidFill>
-                  <a:schemeClr val="dk1"/>
-                </a:solidFill>
-                <a:latin typeface="Calibri"/>
-                <a:ea typeface="Calibri"/>
-                <a:cs typeface="Calibri"/>
-                <a:sym typeface="Calibri"/>
-              </a:rPr>
-              <a:t>user_ids</a:t>
-            </a:r>
-            <a:r>
-              <a:rPr lang="en-US" dirty="0"/>
-              <a:t> </a:t>
-            </a:r>
-            <a:r>
-              <a:rPr lang="en-US" dirty="0" smtClean="0"/>
-              <a:t>and </a:t>
-            </a:r>
-            <a:r>
-              <a:rPr lang="en-US" dirty="0" err="1" smtClean="0"/>
-              <a:t>genre_ids</a:t>
-            </a:r>
-            <a:r>
-              <a:rPr lang="en-US" dirty="0" smtClean="0"/>
-              <a:t> based off of a user’s watch history and favorite shows. We currently only use the list of a user’s favorite shows to generate a list of recommended shows.</a:t>
+              <a:t>We also created two views to help us create a list of recommendations for a specific user. The views are essentially a table of user_ids and genre_ids based off of a user’s watch history and favorite shows. We currently only use the list of a user’s favorite shows to generate a list of recommended shows.</a:t>
             </a:r>
           </a:p>
           <a:p>
@@ -25067,73 +24996,9 @@
               </a:buClr>
               <a:buSzPct val="100000"/>
               <a:buFont typeface="Arial"/>
-              <a:buChar char="▪"/>
+              <a:buNone/>
             </a:pPr>
-            <a:endParaRPr lang="en-US" dirty="0" smtClean="0"/>
-          </a:p>
-          <a:p>
-            <a:pPr marL="274320" marR="0" lvl="0" indent="-274320" algn="l" rtl="0">
-              <a:lnSpc>
-                <a:spcPct val="90000"/>
-              </a:lnSpc>
-              <a:spcBef>
-                <a:spcPts val="0"/>
-              </a:spcBef>
-              <a:spcAft>
-                <a:spcPts val="0"/>
-              </a:spcAft>
-              <a:buClr>
-                <a:schemeClr val="dk1"/>
-              </a:buClr>
-              <a:buSzPct val="100000"/>
-              <a:buFont typeface="Arial"/>
-              <a:buChar char="▪"/>
-            </a:pPr>
-            <a:r>
-              <a:rPr lang="en-US" sz="2400" b="0" i="0" u="none" strike="noStrike" cap="none" dirty="0" smtClean="0">
-                <a:solidFill>
-                  <a:schemeClr val="dk1"/>
-                </a:solidFill>
-                <a:latin typeface="Calibri"/>
-                <a:ea typeface="Calibri"/>
-                <a:cs typeface="Calibri"/>
-                <a:sym typeface="Calibri"/>
-              </a:rPr>
-              <a:t>We </a:t>
-            </a:r>
-            <a:r>
-              <a:rPr lang="en-US" sz="2400" b="0" i="0" u="none" strike="noStrike" cap="none" dirty="0">
-                <a:solidFill>
-                  <a:schemeClr val="dk1"/>
-                </a:solidFill>
-                <a:latin typeface="Calibri"/>
-                <a:ea typeface="Calibri"/>
-                <a:cs typeface="Calibri"/>
-                <a:sym typeface="Calibri"/>
-              </a:rPr>
-              <a:t>designed this database for people who like to watch TV shows and movies </a:t>
-            </a:r>
-            <a:r>
-              <a:rPr lang="en-US" sz="2400" b="0" i="0" u="none" strike="noStrike" cap="none" dirty="0" smtClean="0">
-                <a:solidFill>
-                  <a:schemeClr val="dk1"/>
-                </a:solidFill>
-                <a:latin typeface="Calibri"/>
-                <a:ea typeface="Calibri"/>
-                <a:cs typeface="Calibri"/>
-                <a:sym typeface="Calibri"/>
-              </a:rPr>
-              <a:t>online</a:t>
-            </a:r>
-            <a:r>
-              <a:rPr lang="en-US" dirty="0"/>
-              <a:t> </a:t>
-            </a:r>
-            <a:r>
-              <a:rPr lang="en-US" dirty="0" smtClean="0"/>
-              <a:t>as well as allowing people to get more information about a specific show. Additionally, the users would be able to explore other shows that the application recommends for them and hopefully discover a new favorite.</a:t>
-            </a:r>
-            <a:endParaRPr lang="en-US" sz="2400" b="0" i="0" u="none" strike="noStrike" cap="none" dirty="0">
+            <a:endParaRPr sz="2400" b="0" i="0" u="none" strike="noStrike" cap="none">
               <a:solidFill>
                 <a:schemeClr val="dk1"/>
               </a:solidFill>
@@ -25142,6 +25007,37 @@
               <a:cs typeface="Calibri"/>
               <a:sym typeface="Calibri"/>
             </a:endParaRPr>
+          </a:p>
+          <a:p>
+            <a:pPr marL="274320" marR="0" lvl="0" indent="-274320" algn="l" rtl="0">
+              <a:lnSpc>
+                <a:spcPct val="90000"/>
+              </a:lnSpc>
+              <a:spcBef>
+                <a:spcPts val="0"/>
+              </a:spcBef>
+              <a:spcAft>
+                <a:spcPts val="0"/>
+              </a:spcAft>
+              <a:buClr>
+                <a:schemeClr val="dk1"/>
+              </a:buClr>
+              <a:buSzPct val="100000"/>
+              <a:buFont typeface="Arial"/>
+              <a:buChar char="▪"/>
+            </a:pPr>
+            <a:r>
+              <a:rPr lang="en-US" sz="2400" b="0" i="0" u="none" strike="noStrike" cap="none">
+                <a:solidFill>
+                  <a:schemeClr val="dk1"/>
+                </a:solidFill>
+                <a:latin typeface="Calibri"/>
+                <a:ea typeface="Calibri"/>
+                <a:cs typeface="Calibri"/>
+                <a:sym typeface="Calibri"/>
+              </a:rPr>
+              <a:t>We designed this database for people who like to watch TV shows and movies online as well as allowing people to get more information about a specific show. Additionally, the users would be able to explore other shows that the application recommends for them and hopefully discover a new favorite.</a:t>
+            </a:r>
           </a:p>
         </p:txBody>
       </p:sp>
@@ -25150,13 +25046,13 @@
   <p:clrMapOvr>
     <a:masterClrMapping/>
   </p:clrMapOvr>
-  <mc:AlternateContent xmlns:mc="http://schemas.openxmlformats.org/markup-compatibility/2006" xmlns:p14="http://schemas.microsoft.com/office/powerpoint/2010/main">
-    <mc:Choice Requires="p14">
+  <mc:AlternateContent xmlns:mc="http://schemas.openxmlformats.org/markup-compatibility/2006">
+    <mc:Choice xmlns:p14="http://schemas.microsoft.com/office/powerpoint/2010/main" Requires="p14">
       <p:transition spd="slow" p14:dur="3400">
         <p14:reveal/>
       </p:transition>
     </mc:Choice>
-    <mc:Fallback xmlns="">
+    <mc:Fallback>
       <p:transition spd="slow">
         <p:fade/>
       </p:transition>
@@ -25274,6 +25170,82 @@
                                         <p:tgtEl>
                                           <p:spTgt spid="118">
                                             <p:txEl>
+                                              <p:pRg st="1" end="1"/>
+                                            </p:txEl>
+                                          </p:spTgt>
+                                        </p:tgtEl>
+                                        <p:attrNameLst>
+                                          <p:attrName>style.visibility</p:attrName>
+                                        </p:attrNameLst>
+                                      </p:cBhvr>
+                                      <p:to>
+                                        <p:strVal val="visible"/>
+                                      </p:to>
+                                    </p:set>
+                                    <p:anim calcmode="lin" valueType="num">
+                                      <p:cBhvr additive="base">
+                                        <p:cTn id="12" dur="1000"/>
+                                        <p:tgtEl>
+                                          <p:spTgt spid="118">
+                                            <p:txEl>
+                                              <p:pRg st="1" end="1"/>
+                                            </p:txEl>
+                                          </p:spTgt>
+                                        </p:tgtEl>
+                                        <p:attrNameLst>
+                                          <p:attrName>ppt_x</p:attrName>
+                                        </p:attrNameLst>
+                                      </p:cBhvr>
+                                      <p:tavLst>
+                                        <p:tav tm="0">
+                                          <p:val>
+                                            <p:strVal val="#ppt_x+1"/>
+                                          </p:val>
+                                        </p:tav>
+                                        <p:tav tm="100000">
+                                          <p:val>
+                                            <p:strVal val="#ppt_x"/>
+                                          </p:val>
+                                        </p:tav>
+                                      </p:tavLst>
+                                    </p:anim>
+                                  </p:childTnLst>
+                                </p:cTn>
+                              </p:par>
+                            </p:childTnLst>
+                          </p:cTn>
+                        </p:par>
+                      </p:childTnLst>
+                    </p:cTn>
+                  </p:par>
+                  <p:par>
+                    <p:cTn id="13" fill="hold">
+                      <p:stCondLst>
+                        <p:cond delay="indefinite"/>
+                      </p:stCondLst>
+                      <p:childTnLst>
+                        <p:par>
+                          <p:cTn id="14" fill="hold">
+                            <p:stCondLst>
+                              <p:cond delay="0"/>
+                            </p:stCondLst>
+                            <p:childTnLst>
+                              <p:par>
+                                <p:cTn id="15" presetID="2" presetClass="entr" presetSubtype="2" fill="hold" nodeType="clickEffect">
+                                  <p:stCondLst>
+                                    <p:cond delay="0"/>
+                                  </p:stCondLst>
+                                  <p:childTnLst>
+                                    <p:set>
+                                      <p:cBhvr>
+                                        <p:cTn id="16" dur="1" fill="hold">
+                                          <p:stCondLst>
+                                            <p:cond delay="0"/>
+                                          </p:stCondLst>
+                                        </p:cTn>
+                                        <p:tgtEl>
+                                          <p:spTgt spid="118">
+                                            <p:txEl>
                                               <p:pRg st="2" end="2"/>
                                             </p:txEl>
                                           </p:spTgt>
@@ -25288,7 +25260,7 @@
                                     </p:set>
                                     <p:anim calcmode="lin" valueType="num">
                                       <p:cBhvr additive="base">
-                                        <p:cTn id="12" dur="1000"/>
+                                        <p:cTn id="17" dur="1000"/>
                                         <p:tgtEl>
                                           <p:spTgt spid="118">
                                             <p:txEl>
@@ -25372,7 +25344,7 @@
         </p:nvGrpSpPr>
         <p:grpSpPr>
           <a:xfrm>
-            <a:off x="3260243" y="1836821"/>
+            <a:off x="3260242" y="1836821"/>
             <a:ext cx="4985709" cy="4479924"/>
             <a:chOff x="617308" y="0"/>
             <a:chExt cx="4985709" cy="4479924"/>
@@ -25485,7 +25457,7 @@
                 <a:buNone/>
               </a:pPr>
               <a:r>
-                <a:rPr lang="en-US" sz="1400" b="1" i="0" u="none" strike="noStrike" cap="none" dirty="0">
+                <a:rPr lang="en-US" sz="1400" b="1" i="0" u="none" strike="noStrike" cap="none">
                   <a:solidFill>
                     <a:schemeClr val="dk1"/>
                   </a:solidFill>
@@ -25625,7 +25597,7 @@
           </p:nvSpPr>
           <p:spPr>
             <a:xfrm>
-              <a:off x="2279043" y="787122"/>
+              <a:off x="2279042" y="787122"/>
               <a:ext cx="1661735" cy="3429380"/>
             </a:xfrm>
             <a:prstGeom prst="wedgeRectCallout">
@@ -25724,7 +25696,7 @@
                 <a:buNone/>
               </a:pPr>
               <a:r>
-                <a:rPr lang="en-US" sz="1400" b="1" i="0" u="none" strike="noStrike" cap="none" dirty="0">
+                <a:rPr lang="en-US" sz="1400" b="1" i="0" u="none" strike="noStrike" cap="none">
                   <a:solidFill>
                     <a:schemeClr val="dk1"/>
                   </a:solidFill>
@@ -25733,41 +25705,8 @@
                   <a:cs typeface="Calibri"/>
                   <a:sym typeface="Calibri"/>
                 </a:rPr>
-                <a:t>Search a movie or TV show by key words, or you can use the recommendation to get a movie or TV show you like. </a:t>
+                <a:t>Search a movie or TV show by key words, or you can use the recommendation to get a movie or TV show you like. Users can also view their list of favorited shows or shows they have watched in the past.</a:t>
               </a:r>
-              <a:r>
-                <a:rPr lang="en-US" b="1" dirty="0" smtClean="0">
-                  <a:solidFill>
-                    <a:schemeClr val="dk1"/>
-                  </a:solidFill>
-                  <a:latin typeface="Calibri"/>
-                  <a:ea typeface="Calibri"/>
-                  <a:cs typeface="Calibri"/>
-                  <a:sym typeface="Calibri"/>
-                </a:rPr>
-                <a:t>Users</a:t>
-              </a:r>
-              <a:r>
-                <a:rPr lang="en-US" sz="1400" b="1" i="0" u="none" strike="noStrike" cap="none" dirty="0" smtClean="0">
-                  <a:solidFill>
-                    <a:schemeClr val="dk1"/>
-                  </a:solidFill>
-                  <a:latin typeface="Calibri"/>
-                  <a:ea typeface="Calibri"/>
-                  <a:cs typeface="Calibri"/>
-                  <a:sym typeface="Calibri"/>
-                </a:rPr>
-                <a:t> can also view their list of favorited shows or shows they have watched in the past.</a:t>
-              </a:r>
-              <a:endParaRPr lang="en-US" sz="1400" b="1" i="0" u="none" strike="noStrike" cap="none" dirty="0">
-                <a:solidFill>
-                  <a:schemeClr val="dk1"/>
-                </a:solidFill>
-                <a:latin typeface="Calibri"/>
-                <a:ea typeface="Calibri"/>
-                <a:cs typeface="Calibri"/>
-                <a:sym typeface="Calibri"/>
-              </a:endParaRPr>
             </a:p>
           </p:txBody>
         </p:sp>
@@ -26226,13 +26165,13 @@
   <p:clrMapOvr>
     <a:masterClrMapping/>
   </p:clrMapOvr>
-  <mc:AlternateContent xmlns:mc="http://schemas.openxmlformats.org/markup-compatibility/2006" xmlns:p15="http://schemas.microsoft.com/office/powerpoint/2012/main">
-    <mc:Choice Requires="p15">
+  <mc:AlternateContent xmlns:mc="http://schemas.openxmlformats.org/markup-compatibility/2006">
+    <mc:Choice xmlns:p15="http://schemas.microsoft.com/office/powerpoint/2012/main" Requires="p15">
       <p:transition xmlns:p14="http://schemas.microsoft.com/office/powerpoint/2010/main" spd="slow" p14:dur="2000">
         <p15:prstTrans prst="wind"/>
       </p:transition>
     </mc:Choice>
-    <mc:Fallback xmlns="">
+    <mc:Fallback>
       <p:transition spd="slow">
         <p:fade/>
       </p:transition>
@@ -26502,7 +26441,7 @@
           <p:spPr>
             <a:xfrm flipH="1">
               <a:off x="5541107" y="1946031"/>
-              <a:ext cx="1227014" cy="750276"/>
+              <a:ext cx="1227013" cy="750275"/>
             </a:xfrm>
             <a:prstGeom prst="straightConnector1">
               <a:avLst/>
@@ -26585,10 +26524,10 @@
         </p:nvGrpSpPr>
         <p:grpSpPr>
           <a:xfrm>
-            <a:off x="5478585" y="3032368"/>
-            <a:ext cx="2742179" cy="787248"/>
-            <a:chOff x="5478585" y="3032368"/>
-            <a:chExt cx="2742179" cy="787248"/>
+            <a:off x="5478585" y="3032367"/>
+            <a:ext cx="2742178" cy="787248"/>
+            <a:chOff x="5478585" y="3032367"/>
+            <a:chExt cx="2742178" cy="787248"/>
           </a:xfrm>
         </p:grpSpPr>
         <p:cxnSp>
@@ -26599,8 +26538,8 @@
           </p:nvCxnSpPr>
           <p:spPr>
             <a:xfrm>
-              <a:off x="5478585" y="3032368"/>
-              <a:ext cx="1266091" cy="601785"/>
+              <a:off x="5478585" y="3032367"/>
+              <a:ext cx="1266090" cy="601785"/>
             </a:xfrm>
             <a:prstGeom prst="straightConnector1">
               <a:avLst/>
@@ -26625,7 +26564,7 @@
           </p:nvSpPr>
           <p:spPr>
             <a:xfrm>
-              <a:off x="6768122" y="3558007"/>
+              <a:off x="6768121" y="3558007"/>
               <a:ext cx="1452642" cy="261609"/>
             </a:xfrm>
             <a:prstGeom prst="rect">
@@ -26684,9 +26623,9 @@
         <p:grpSpPr>
           <a:xfrm>
             <a:off x="5541107" y="4759569"/>
-            <a:ext cx="3665502" cy="1050720"/>
+            <a:ext cx="3665501" cy="1050719"/>
             <a:chOff x="5541107" y="4759569"/>
-            <a:chExt cx="3665502" cy="1050720"/>
+            <a:chExt cx="3665501" cy="1050719"/>
           </a:xfrm>
         </p:grpSpPr>
         <p:cxnSp>
@@ -26698,7 +26637,7 @@
           <p:spPr>
             <a:xfrm>
               <a:off x="5541107" y="4759569"/>
-              <a:ext cx="1203568" cy="773722"/>
+              <a:ext cx="1203567" cy="773721"/>
             </a:xfrm>
             <a:prstGeom prst="straightConnector1">
               <a:avLst/>
@@ -26723,7 +26662,7 @@
           </p:nvSpPr>
           <p:spPr>
             <a:xfrm>
-              <a:off x="6768122" y="5379403"/>
+              <a:off x="6768121" y="5379403"/>
               <a:ext cx="2438487" cy="430886"/>
             </a:xfrm>
             <a:prstGeom prst="rect">
@@ -26809,13 +26748,13 @@
   <p:clrMapOvr>
     <a:masterClrMapping/>
   </p:clrMapOvr>
-  <mc:AlternateContent xmlns:mc="http://schemas.openxmlformats.org/markup-compatibility/2006" xmlns:p14="http://schemas.microsoft.com/office/powerpoint/2010/main">
-    <mc:Choice Requires="p14">
+  <mc:AlternateContent xmlns:mc="http://schemas.openxmlformats.org/markup-compatibility/2006">
+    <mc:Choice xmlns:p14="http://schemas.microsoft.com/office/powerpoint/2010/main" Requires="p14">
       <p:transition spd="slow" p14:dur="3400">
         <p14:reveal/>
       </p:transition>
     </mc:Choice>
-    <mc:Fallback xmlns="">
+    <mc:Fallback>
       <p:transition spd="slow">
         <p:fade/>
       </p:transition>
